--- a/Lectures/Lecture14-UnderstandingModels.pptx
+++ b/Lectures/Lecture14-UnderstandingModels.pptx
@@ -5,22 +5,23 @@
     <p:sldMasterId id="2147483648" r:id="rId1"/>
   </p:sldMasterIdLst>
   <p:notesMasterIdLst>
-    <p:notesMasterId r:id="rId15"/>
+    <p:notesMasterId r:id="rId16"/>
   </p:notesMasterIdLst>
   <p:sldIdLst>
     <p:sldId id="256" r:id="rId2"/>
-    <p:sldId id="498" r:id="rId3"/>
+    <p:sldId id="510" r:id="rId3"/>
     <p:sldId id="323" r:id="rId4"/>
     <p:sldId id="500" r:id="rId5"/>
     <p:sldId id="501" r:id="rId6"/>
     <p:sldId id="502" r:id="rId7"/>
     <p:sldId id="503" r:id="rId8"/>
-    <p:sldId id="504" r:id="rId9"/>
-    <p:sldId id="505" r:id="rId10"/>
-    <p:sldId id="506" r:id="rId11"/>
-    <p:sldId id="507" r:id="rId12"/>
-    <p:sldId id="508" r:id="rId13"/>
-    <p:sldId id="509" r:id="rId14"/>
+    <p:sldId id="505" r:id="rId9"/>
+    <p:sldId id="506" r:id="rId10"/>
+    <p:sldId id="507" r:id="rId11"/>
+    <p:sldId id="508" r:id="rId12"/>
+    <p:sldId id="509" r:id="rId13"/>
+    <p:sldId id="504" r:id="rId14"/>
+    <p:sldId id="498" r:id="rId15"/>
   </p:sldIdLst>
   <p:sldSz cx="12192000" cy="6858000"/>
   <p:notesSz cx="6858000" cy="9144000"/>
@@ -258,7 +259,7 @@
       <p15:sldGuideLst xmlns:p15="http://schemas.microsoft.com/office/powerpoint/2012/main"/>
     </p:ext>
     <p:ext uri="http://customooxmlschemas.google.com/">
-      <go:slidesCustomData xmlns="" xmlns:mc="http://schemas.openxmlformats.org/markup-compatibility/2006" xmlns:mv="urn:schemas-microsoft-com:mac:vml" xmlns:c="http://schemas.openxmlformats.org/drawingml/2006/chart" xmlns:dgm="http://schemas.openxmlformats.org/drawingml/2006/diagram" xmlns:o="urn:schemas-microsoft-com:office:office" xmlns:v="urn:schemas-microsoft-com:vml" xmlns:pvml="urn:schemas-microsoft-com:office:powerpoint" xmlns:com="http://schemas.openxmlformats.org/drawingml/2006/compatibility" xmlns:p14="http://schemas.microsoft.com/office/powerpoint/2010/main" xmlns:p15="http://schemas.microsoft.com/office/powerpoint/2012/main" xmlns:go="http://customooxmlschemas.google.com/" r:id="rId32" roundtripDataSignature="AMtx7mhE+28Dr6x2pr2JNXfuZKhsL7KtRg=="/>
+      <go:slidesCustomData xmlns:go="http://customooxmlschemas.google.com/" xmlns:p15="http://schemas.microsoft.com/office/powerpoint/2012/main" xmlns:p14="http://schemas.microsoft.com/office/powerpoint/2010/main" xmlns:com="http://schemas.openxmlformats.org/drawingml/2006/compatibility" xmlns:pvml="urn:schemas-microsoft-com:office:powerpoint" xmlns:v="urn:schemas-microsoft-com:vml" xmlns:o="urn:schemas-microsoft-com:office:office" xmlns:dgm="http://schemas.openxmlformats.org/drawingml/2006/diagram" xmlns:c="http://schemas.openxmlformats.org/drawingml/2006/chart" xmlns:mv="urn:schemas-microsoft-com:mac:vml" xmlns:mc="http://schemas.openxmlformats.org/markup-compatibility/2006" xmlns="" r:id="rId32" roundtripDataSignature="AMtx7mhE+28Dr6x2pr2JNXfuZKhsL7KtRg=="/>
     </p:ext>
   </p:extLst>
 </p:presentation>
@@ -6849,115 +6850,6 @@
   <p:cSld>
     <p:spTree>
       <p:nvGrpSpPr>
-        <p:cNvPr id="1" name="Shape 146"/>
-        <p:cNvGrpSpPr/>
-        <p:nvPr/>
-      </p:nvGrpSpPr>
-      <p:grpSpPr>
-        <a:xfrm>
-          <a:off x="0" y="0"/>
-          <a:ext cx="0" cy="0"/>
-          <a:chOff x="0" y="0"/>
-          <a:chExt cx="0" cy="0"/>
-        </a:xfrm>
-      </p:grpSpPr>
-      <p:sp>
-        <p:nvSpPr>
-          <p:cNvPr id="147" name="Google Shape;147;p10:notes"/>
-          <p:cNvSpPr txBox="1">
-            <a:spLocks noGrp="1"/>
-          </p:cNvSpPr>
-          <p:nvPr>
-            <p:ph type="body" idx="1"/>
-          </p:nvPr>
-        </p:nvSpPr>
-        <p:spPr>
-          <a:xfrm>
-            <a:off x="685800" y="4400550"/>
-            <a:ext cx="5486400" cy="3600450"/>
-          </a:xfrm>
-          <a:prstGeom prst="rect">
-            <a:avLst/>
-          </a:prstGeom>
-        </p:spPr>
-        <p:txBody>
-          <a:bodyPr spcFirstLastPara="1" wrap="square" lIns="91425" tIns="45700" rIns="91425" bIns="45700" anchor="t" anchorCtr="0">
-            <a:noAutofit/>
-          </a:bodyPr>
-          <a:lstStyle/>
-          <a:p>
-            <a:pPr marL="0" lvl="0" indent="0" algn="l" rtl="0">
-              <a:spcBef>
-                <a:spcPts val="0"/>
-              </a:spcBef>
-              <a:spcAft>
-                <a:spcPts val="0"/>
-              </a:spcAft>
-              <a:buNone/>
-            </a:pPr>
-            <a:endParaRPr/>
-          </a:p>
-        </p:txBody>
-      </p:sp>
-      <p:sp>
-        <p:nvSpPr>
-          <p:cNvPr id="148" name="Google Shape;148;p10:notes"/>
-          <p:cNvSpPr>
-            <a:spLocks noGrp="1" noRot="1" noChangeAspect="1"/>
-          </p:cNvSpPr>
-          <p:nvPr>
-            <p:ph type="sldImg" idx="2"/>
-          </p:nvPr>
-        </p:nvSpPr>
-        <p:spPr>
-          <a:xfrm>
-            <a:off x="685800" y="1143000"/>
-            <a:ext cx="5486400" cy="3086100"/>
-          </a:xfrm>
-          <a:custGeom>
-            <a:avLst/>
-            <a:gdLst/>
-            <a:ahLst/>
-            <a:cxnLst/>
-            <a:rect l="l" t="t" r="r" b="b"/>
-            <a:pathLst>
-              <a:path w="120000" h="120000" extrusionOk="0">
-                <a:moveTo>
-                  <a:pt x="0" y="0"/>
-                </a:moveTo>
-                <a:lnTo>
-                  <a:pt x="120000" y="0"/>
-                </a:lnTo>
-                <a:lnTo>
-                  <a:pt x="120000" y="120000"/>
-                </a:lnTo>
-                <a:lnTo>
-                  <a:pt x="0" y="120000"/>
-                </a:lnTo>
-                <a:close/>
-              </a:path>
-            </a:pathLst>
-          </a:custGeom>
-        </p:spPr>
-      </p:sp>
-    </p:spTree>
-    <p:extLst>
-      <p:ext uri="{BB962C8B-B14F-4D97-AF65-F5344CB8AC3E}">
-        <p14:creationId xmlns:p14="http://schemas.microsoft.com/office/powerpoint/2010/main" val="4029869315"/>
-      </p:ext>
-    </p:extLst>
-  </p:cSld>
-  <p:clrMapOvr>
-    <a:masterClrMapping/>
-  </p:clrMapOvr>
-</p:notes>
-</file>
-
-<file path=ppt/notesSlides/notesSlide11.xml><?xml version="1.0" encoding="utf-8"?>
-<p:notes xmlns:a="http://schemas.openxmlformats.org/drawingml/2006/main" xmlns:r="http://schemas.openxmlformats.org/officeDocument/2006/relationships" xmlns:p="http://schemas.openxmlformats.org/presentationml/2006/main" showMasterSp="0" showMasterPhAnim="0">
-  <p:cSld>
-    <p:spTree>
-      <p:nvGrpSpPr>
         <p:cNvPr id="1" name="Shape 154"/>
         <p:cNvGrpSpPr/>
         <p:nvPr/>
@@ -7053,6 +6945,162 @@
     <p:extLst>
       <p:ext uri="{BB962C8B-B14F-4D97-AF65-F5344CB8AC3E}">
         <p14:creationId xmlns:p14="http://schemas.microsoft.com/office/powerpoint/2010/main" val="2859694249"/>
+      </p:ext>
+    </p:extLst>
+  </p:cSld>
+  <p:clrMapOvr>
+    <a:masterClrMapping/>
+  </p:clrMapOvr>
+</p:notes>
+</file>
+
+<file path=ppt/notesSlides/notesSlide11.xml><?xml version="1.0" encoding="utf-8"?>
+<p:notes xmlns:a="http://schemas.openxmlformats.org/drawingml/2006/main" xmlns:r="http://schemas.openxmlformats.org/officeDocument/2006/relationships" xmlns:p="http://schemas.openxmlformats.org/presentationml/2006/main" showMasterSp="0" showMasterPhAnim="0">
+  <p:cSld>
+    <p:spTree>
+      <p:nvGrpSpPr>
+        <p:cNvPr id="1" name="Shape 116"/>
+        <p:cNvGrpSpPr/>
+        <p:nvPr/>
+      </p:nvGrpSpPr>
+      <p:grpSpPr>
+        <a:xfrm>
+          <a:off x="0" y="0"/>
+          <a:ext cx="0" cy="0"/>
+          <a:chOff x="0" y="0"/>
+          <a:chExt cx="0" cy="0"/>
+        </a:xfrm>
+      </p:grpSpPr>
+      <p:sp>
+        <p:nvSpPr>
+          <p:cNvPr id="117" name="Google Shape;117;g71c382910d_0_6:notes"/>
+          <p:cNvSpPr>
+            <a:spLocks noGrp="1" noRot="1" noChangeAspect="1"/>
+          </p:cNvSpPr>
+          <p:nvPr>
+            <p:ph type="sldImg" idx="2"/>
+          </p:nvPr>
+        </p:nvSpPr>
+        <p:spPr>
+          <a:xfrm>
+            <a:off x="685800" y="1143000"/>
+            <a:ext cx="5486400" cy="3086100"/>
+          </a:xfrm>
+          <a:custGeom>
+            <a:avLst/>
+            <a:gdLst/>
+            <a:ahLst/>
+            <a:cxnLst/>
+            <a:rect l="l" t="t" r="r" b="b"/>
+            <a:pathLst>
+              <a:path w="120000" h="120000" extrusionOk="0">
+                <a:moveTo>
+                  <a:pt x="0" y="0"/>
+                </a:moveTo>
+                <a:lnTo>
+                  <a:pt x="120000" y="0"/>
+                </a:lnTo>
+                <a:lnTo>
+                  <a:pt x="120000" y="120000"/>
+                </a:lnTo>
+                <a:lnTo>
+                  <a:pt x="0" y="120000"/>
+                </a:lnTo>
+                <a:close/>
+              </a:path>
+            </a:pathLst>
+          </a:custGeom>
+        </p:spPr>
+      </p:sp>
+      <p:sp>
+        <p:nvSpPr>
+          <p:cNvPr id="118" name="Google Shape;118;g71c382910d_0_6:notes"/>
+          <p:cNvSpPr txBox="1">
+            <a:spLocks noGrp="1"/>
+          </p:cNvSpPr>
+          <p:nvPr>
+            <p:ph type="body" idx="1"/>
+          </p:nvPr>
+        </p:nvSpPr>
+        <p:spPr>
+          <a:xfrm>
+            <a:off x="685800" y="4400550"/>
+            <a:ext cx="5486400" cy="3600600"/>
+          </a:xfrm>
+          <a:prstGeom prst="rect">
+            <a:avLst/>
+          </a:prstGeom>
+        </p:spPr>
+        <p:txBody>
+          <a:bodyPr spcFirstLastPara="1" wrap="square" lIns="91425" tIns="45700" rIns="91425" bIns="45700" anchor="t" anchorCtr="0">
+            <a:noAutofit/>
+          </a:bodyPr>
+          <a:lstStyle/>
+          <a:p>
+            <a:pPr marL="0" lvl="0" indent="0" algn="l" rtl="0">
+              <a:spcBef>
+                <a:spcPts val="0"/>
+              </a:spcBef>
+              <a:spcAft>
+                <a:spcPts val="0"/>
+              </a:spcAft>
+              <a:buNone/>
+            </a:pPr>
+            <a:endParaRPr/>
+          </a:p>
+        </p:txBody>
+      </p:sp>
+      <p:sp>
+        <p:nvSpPr>
+          <p:cNvPr id="119" name="Google Shape;119;g71c382910d_0_6:notes"/>
+          <p:cNvSpPr txBox="1">
+            <a:spLocks noGrp="1"/>
+          </p:cNvSpPr>
+          <p:nvPr>
+            <p:ph type="sldNum" idx="12"/>
+          </p:nvPr>
+        </p:nvSpPr>
+        <p:spPr>
+          <a:xfrm>
+            <a:off x="3884613" y="8685213"/>
+            <a:ext cx="2971800" cy="458700"/>
+          </a:xfrm>
+          <a:prstGeom prst="rect">
+            <a:avLst/>
+          </a:prstGeom>
+        </p:spPr>
+        <p:txBody>
+          <a:bodyPr spcFirstLastPara="1" wrap="square" lIns="91425" tIns="45700" rIns="91425" bIns="45700" anchor="b" anchorCtr="0">
+            <a:noAutofit/>
+          </a:bodyPr>
+          <a:lstStyle/>
+          <a:p>
+            <a:pPr marL="0" lvl="0" indent="0" algn="r" rtl="0">
+              <a:spcBef>
+                <a:spcPts val="0"/>
+              </a:spcBef>
+              <a:spcAft>
+                <a:spcPts val="0"/>
+              </a:spcAft>
+              <a:buClr>
+                <a:srgbClr val="000000"/>
+              </a:buClr>
+              <a:buSzPts val="1200"/>
+              <a:buFont typeface="Arial"/>
+              <a:buNone/>
+            </a:pPr>
+            <a:fld id="{00000000-1234-1234-1234-123412341234}" type="slidenum">
+              <a:rPr lang="en-US"/>
+              <a:t>13</a:t>
+            </a:fld>
+            <a:endParaRPr/>
+          </a:p>
+        </p:txBody>
+      </p:sp>
+    </p:spTree>
+    <p:extLst>
+      <p:ext uri="{BB962C8B-B14F-4D97-AF65-F5344CB8AC3E}">
+        <p14:creationId xmlns:p14="http://schemas.microsoft.com/office/powerpoint/2010/main" val="3164390128"/>
       </p:ext>
     </p:extLst>
   </p:cSld>
@@ -7550,162 +7598,6 @@
   <p:cSld>
     <p:spTree>
       <p:nvGrpSpPr>
-        <p:cNvPr id="1" name="Shape 116"/>
-        <p:cNvGrpSpPr/>
-        <p:nvPr/>
-      </p:nvGrpSpPr>
-      <p:grpSpPr>
-        <a:xfrm>
-          <a:off x="0" y="0"/>
-          <a:ext cx="0" cy="0"/>
-          <a:chOff x="0" y="0"/>
-          <a:chExt cx="0" cy="0"/>
-        </a:xfrm>
-      </p:grpSpPr>
-      <p:sp>
-        <p:nvSpPr>
-          <p:cNvPr id="117" name="Google Shape;117;g71c382910d_0_6:notes"/>
-          <p:cNvSpPr>
-            <a:spLocks noGrp="1" noRot="1" noChangeAspect="1"/>
-          </p:cNvSpPr>
-          <p:nvPr>
-            <p:ph type="sldImg" idx="2"/>
-          </p:nvPr>
-        </p:nvSpPr>
-        <p:spPr>
-          <a:xfrm>
-            <a:off x="685800" y="1143000"/>
-            <a:ext cx="5486400" cy="3086100"/>
-          </a:xfrm>
-          <a:custGeom>
-            <a:avLst/>
-            <a:gdLst/>
-            <a:ahLst/>
-            <a:cxnLst/>
-            <a:rect l="l" t="t" r="r" b="b"/>
-            <a:pathLst>
-              <a:path w="120000" h="120000" extrusionOk="0">
-                <a:moveTo>
-                  <a:pt x="0" y="0"/>
-                </a:moveTo>
-                <a:lnTo>
-                  <a:pt x="120000" y="0"/>
-                </a:lnTo>
-                <a:lnTo>
-                  <a:pt x="120000" y="120000"/>
-                </a:lnTo>
-                <a:lnTo>
-                  <a:pt x="0" y="120000"/>
-                </a:lnTo>
-                <a:close/>
-              </a:path>
-            </a:pathLst>
-          </a:custGeom>
-        </p:spPr>
-      </p:sp>
-      <p:sp>
-        <p:nvSpPr>
-          <p:cNvPr id="118" name="Google Shape;118;g71c382910d_0_6:notes"/>
-          <p:cNvSpPr txBox="1">
-            <a:spLocks noGrp="1"/>
-          </p:cNvSpPr>
-          <p:nvPr>
-            <p:ph type="body" idx="1"/>
-          </p:nvPr>
-        </p:nvSpPr>
-        <p:spPr>
-          <a:xfrm>
-            <a:off x="685800" y="4400550"/>
-            <a:ext cx="5486400" cy="3600600"/>
-          </a:xfrm>
-          <a:prstGeom prst="rect">
-            <a:avLst/>
-          </a:prstGeom>
-        </p:spPr>
-        <p:txBody>
-          <a:bodyPr spcFirstLastPara="1" wrap="square" lIns="91425" tIns="45700" rIns="91425" bIns="45700" anchor="t" anchorCtr="0">
-            <a:noAutofit/>
-          </a:bodyPr>
-          <a:lstStyle/>
-          <a:p>
-            <a:pPr marL="0" lvl="0" indent="0" algn="l" rtl="0">
-              <a:spcBef>
-                <a:spcPts val="0"/>
-              </a:spcBef>
-              <a:spcAft>
-                <a:spcPts val="0"/>
-              </a:spcAft>
-              <a:buNone/>
-            </a:pPr>
-            <a:endParaRPr/>
-          </a:p>
-        </p:txBody>
-      </p:sp>
-      <p:sp>
-        <p:nvSpPr>
-          <p:cNvPr id="119" name="Google Shape;119;g71c382910d_0_6:notes"/>
-          <p:cNvSpPr txBox="1">
-            <a:spLocks noGrp="1"/>
-          </p:cNvSpPr>
-          <p:nvPr>
-            <p:ph type="sldNum" idx="12"/>
-          </p:nvPr>
-        </p:nvSpPr>
-        <p:spPr>
-          <a:xfrm>
-            <a:off x="3884613" y="8685213"/>
-            <a:ext cx="2971800" cy="458700"/>
-          </a:xfrm>
-          <a:prstGeom prst="rect">
-            <a:avLst/>
-          </a:prstGeom>
-        </p:spPr>
-        <p:txBody>
-          <a:bodyPr spcFirstLastPara="1" wrap="square" lIns="91425" tIns="45700" rIns="91425" bIns="45700" anchor="b" anchorCtr="0">
-            <a:noAutofit/>
-          </a:bodyPr>
-          <a:lstStyle/>
-          <a:p>
-            <a:pPr marL="0" lvl="0" indent="0" algn="r" rtl="0">
-              <a:spcBef>
-                <a:spcPts val="0"/>
-              </a:spcBef>
-              <a:spcAft>
-                <a:spcPts val="0"/>
-              </a:spcAft>
-              <a:buClr>
-                <a:srgbClr val="000000"/>
-              </a:buClr>
-              <a:buSzPts val="1200"/>
-              <a:buFont typeface="Arial"/>
-              <a:buNone/>
-            </a:pPr>
-            <a:fld id="{00000000-1234-1234-1234-123412341234}" type="slidenum">
-              <a:rPr lang="en-US"/>
-              <a:t>8</a:t>
-            </a:fld>
-            <a:endParaRPr/>
-          </a:p>
-        </p:txBody>
-      </p:sp>
-    </p:spTree>
-    <p:extLst>
-      <p:ext uri="{BB962C8B-B14F-4D97-AF65-F5344CB8AC3E}">
-        <p14:creationId xmlns:p14="http://schemas.microsoft.com/office/powerpoint/2010/main" val="3164390128"/>
-      </p:ext>
-    </p:extLst>
-  </p:cSld>
-  <p:clrMapOvr>
-    <a:masterClrMapping/>
-  </p:clrMapOvr>
-</p:notes>
-</file>
-
-<file path=ppt/notesSlides/notesSlide7.xml><?xml version="1.0" encoding="utf-8"?>
-<p:notes xmlns:a="http://schemas.openxmlformats.org/drawingml/2006/main" xmlns:r="http://schemas.openxmlformats.org/officeDocument/2006/relationships" xmlns:p="http://schemas.openxmlformats.org/presentationml/2006/main" showMasterSp="0" showMasterPhAnim="0">
-  <p:cSld>
-    <p:spTree>
-      <p:nvGrpSpPr>
         <p:cNvPr id="1" name="Shape 123"/>
         <p:cNvGrpSpPr/>
         <p:nvPr/>
@@ -7810,7 +7702,7 @@
 </p:notes>
 </file>
 
-<file path=ppt/notesSlides/notesSlide8.xml><?xml version="1.0" encoding="utf-8"?>
+<file path=ppt/notesSlides/notesSlide7.xml><?xml version="1.0" encoding="utf-8"?>
 <p:notes xmlns:a="http://schemas.openxmlformats.org/drawingml/2006/main" xmlns:r="http://schemas.openxmlformats.org/officeDocument/2006/relationships" xmlns:p="http://schemas.openxmlformats.org/presentationml/2006/main" showMasterSp="0" showMasterPhAnim="0">
   <p:cSld>
     <p:spTree>
@@ -7919,7 +7811,7 @@
 </p:notes>
 </file>
 
-<file path=ppt/notesSlides/notesSlide9.xml><?xml version="1.0" encoding="utf-8"?>
+<file path=ppt/notesSlides/notesSlide8.xml><?xml version="1.0" encoding="utf-8"?>
 <p:notes xmlns:a="http://schemas.openxmlformats.org/drawingml/2006/main" xmlns:r="http://schemas.openxmlformats.org/officeDocument/2006/relationships" xmlns:p="http://schemas.openxmlformats.org/presentationml/2006/main" showMasterSp="0" showMasterPhAnim="0">
   <p:cSld>
     <p:spTree>
@@ -8019,6 +7911,115 @@
     <p:extLst>
       <p:ext uri="{BB962C8B-B14F-4D97-AF65-F5344CB8AC3E}">
         <p14:creationId xmlns:p14="http://schemas.microsoft.com/office/powerpoint/2010/main" val="504857697"/>
+      </p:ext>
+    </p:extLst>
+  </p:cSld>
+  <p:clrMapOvr>
+    <a:masterClrMapping/>
+  </p:clrMapOvr>
+</p:notes>
+</file>
+
+<file path=ppt/notesSlides/notesSlide9.xml><?xml version="1.0" encoding="utf-8"?>
+<p:notes xmlns:a="http://schemas.openxmlformats.org/drawingml/2006/main" xmlns:r="http://schemas.openxmlformats.org/officeDocument/2006/relationships" xmlns:p="http://schemas.openxmlformats.org/presentationml/2006/main" showMasterSp="0" showMasterPhAnim="0">
+  <p:cSld>
+    <p:spTree>
+      <p:nvGrpSpPr>
+        <p:cNvPr id="1" name="Shape 146"/>
+        <p:cNvGrpSpPr/>
+        <p:nvPr/>
+      </p:nvGrpSpPr>
+      <p:grpSpPr>
+        <a:xfrm>
+          <a:off x="0" y="0"/>
+          <a:ext cx="0" cy="0"/>
+          <a:chOff x="0" y="0"/>
+          <a:chExt cx="0" cy="0"/>
+        </a:xfrm>
+      </p:grpSpPr>
+      <p:sp>
+        <p:nvSpPr>
+          <p:cNvPr id="147" name="Google Shape;147;p10:notes"/>
+          <p:cNvSpPr txBox="1">
+            <a:spLocks noGrp="1"/>
+          </p:cNvSpPr>
+          <p:nvPr>
+            <p:ph type="body" idx="1"/>
+          </p:nvPr>
+        </p:nvSpPr>
+        <p:spPr>
+          <a:xfrm>
+            <a:off x="685800" y="4400550"/>
+            <a:ext cx="5486400" cy="3600450"/>
+          </a:xfrm>
+          <a:prstGeom prst="rect">
+            <a:avLst/>
+          </a:prstGeom>
+        </p:spPr>
+        <p:txBody>
+          <a:bodyPr spcFirstLastPara="1" wrap="square" lIns="91425" tIns="45700" rIns="91425" bIns="45700" anchor="t" anchorCtr="0">
+            <a:noAutofit/>
+          </a:bodyPr>
+          <a:lstStyle/>
+          <a:p>
+            <a:pPr marL="0" lvl="0" indent="0" algn="l" rtl="0">
+              <a:spcBef>
+                <a:spcPts val="0"/>
+              </a:spcBef>
+              <a:spcAft>
+                <a:spcPts val="0"/>
+              </a:spcAft>
+              <a:buNone/>
+            </a:pPr>
+            <a:endParaRPr/>
+          </a:p>
+        </p:txBody>
+      </p:sp>
+      <p:sp>
+        <p:nvSpPr>
+          <p:cNvPr id="148" name="Google Shape;148;p10:notes"/>
+          <p:cNvSpPr>
+            <a:spLocks noGrp="1" noRot="1" noChangeAspect="1"/>
+          </p:cNvSpPr>
+          <p:nvPr>
+            <p:ph type="sldImg" idx="2"/>
+          </p:nvPr>
+        </p:nvSpPr>
+        <p:spPr>
+          <a:xfrm>
+            <a:off x="685800" y="1143000"/>
+            <a:ext cx="5486400" cy="3086100"/>
+          </a:xfrm>
+          <a:custGeom>
+            <a:avLst/>
+            <a:gdLst/>
+            <a:ahLst/>
+            <a:cxnLst/>
+            <a:rect l="l" t="t" r="r" b="b"/>
+            <a:pathLst>
+              <a:path w="120000" h="120000" extrusionOk="0">
+                <a:moveTo>
+                  <a:pt x="0" y="0"/>
+                </a:moveTo>
+                <a:lnTo>
+                  <a:pt x="120000" y="0"/>
+                </a:lnTo>
+                <a:lnTo>
+                  <a:pt x="120000" y="120000"/>
+                </a:lnTo>
+                <a:lnTo>
+                  <a:pt x="0" y="120000"/>
+                </a:lnTo>
+                <a:close/>
+              </a:path>
+            </a:pathLst>
+          </a:custGeom>
+        </p:spPr>
+      </p:sp>
+    </p:spTree>
+    <p:extLst>
+      <p:ext uri="{BB962C8B-B14F-4D97-AF65-F5344CB8AC3E}">
+        <p14:creationId xmlns:p14="http://schemas.microsoft.com/office/powerpoint/2010/main" val="4029869315"/>
       </p:ext>
     </p:extLst>
   </p:cSld>
@@ -12967,6 +12968,2429 @@
 </file>
 
 <file path=ppt/slides/slide10.xml><?xml version="1.0" encoding="utf-8"?>
+<p:sld xmlns:a="http://schemas.openxmlformats.org/drawingml/2006/main" xmlns:r="http://schemas.openxmlformats.org/officeDocument/2006/relationships" xmlns:p="http://schemas.openxmlformats.org/presentationml/2006/main">
+  <p:cSld>
+    <p:spTree>
+      <p:nvGrpSpPr>
+        <p:cNvPr id="1" name="Shape 142"/>
+        <p:cNvGrpSpPr/>
+        <p:nvPr/>
+      </p:nvGrpSpPr>
+      <p:grpSpPr>
+        <a:xfrm>
+          <a:off x="0" y="0"/>
+          <a:ext cx="0" cy="0"/>
+          <a:chOff x="0" y="0"/>
+          <a:chExt cx="0" cy="0"/>
+        </a:xfrm>
+      </p:grpSpPr>
+      <p:sp>
+        <p:nvSpPr>
+          <p:cNvPr id="143" name="Google Shape;143;p12"/>
+          <p:cNvSpPr txBox="1">
+            <a:spLocks noGrp="1"/>
+          </p:cNvSpPr>
+          <p:nvPr>
+            <p:ph type="title"/>
+          </p:nvPr>
+        </p:nvSpPr>
+        <p:spPr>
+          <a:xfrm>
+            <a:off x="415600" y="86563"/>
+            <a:ext cx="11360700" cy="763500"/>
+          </a:xfrm>
+          <a:prstGeom prst="rect">
+            <a:avLst/>
+          </a:prstGeom>
+          <a:noFill/>
+          <a:ln>
+            <a:noFill/>
+          </a:ln>
+        </p:spPr>
+        <p:txBody>
+          <a:bodyPr spcFirstLastPara="1" wrap="square" lIns="121900" tIns="121900" rIns="121900" bIns="121900" anchor="t" anchorCtr="0">
+            <a:noAutofit/>
+          </a:bodyPr>
+          <a:lstStyle/>
+          <a:p>
+            <a:pPr marL="0" lvl="0" indent="0" algn="l" rtl="0">
+              <a:lnSpc>
+                <a:spcPct val="100000"/>
+              </a:lnSpc>
+              <a:spcBef>
+                <a:spcPts val="0"/>
+              </a:spcBef>
+              <a:spcAft>
+                <a:spcPts val="0"/>
+              </a:spcAft>
+              <a:buClr>
+                <a:srgbClr val="FFFFFF"/>
+              </a:buClr>
+              <a:buSzPts val="3700"/>
+              <a:buNone/>
+            </a:pPr>
+            <a:endParaRPr/>
+          </a:p>
+        </p:txBody>
+      </p:sp>
+      <p:sp>
+        <p:nvSpPr>
+          <p:cNvPr id="144" name="Google Shape;144;p12"/>
+          <p:cNvSpPr txBox="1">
+            <a:spLocks noGrp="1"/>
+          </p:cNvSpPr>
+          <p:nvPr>
+            <p:ph type="body" idx="1"/>
+          </p:nvPr>
+        </p:nvSpPr>
+        <p:spPr>
+          <a:xfrm>
+            <a:off x="415600" y="1536633"/>
+            <a:ext cx="11360700" cy="4555200"/>
+          </a:xfrm>
+          <a:prstGeom prst="rect">
+            <a:avLst/>
+          </a:prstGeom>
+          <a:noFill/>
+          <a:ln>
+            <a:noFill/>
+          </a:ln>
+        </p:spPr>
+        <p:txBody>
+          <a:bodyPr spcFirstLastPara="1" wrap="square" lIns="121900" tIns="121900" rIns="121900" bIns="121900" anchor="t" anchorCtr="0">
+            <a:noAutofit/>
+          </a:bodyPr>
+          <a:lstStyle/>
+          <a:p>
+            <a:pPr marL="457200" lvl="0" indent="-228600" algn="l" rtl="0">
+              <a:lnSpc>
+                <a:spcPct val="115000"/>
+              </a:lnSpc>
+              <a:spcBef>
+                <a:spcPts val="0"/>
+              </a:spcBef>
+              <a:spcAft>
+                <a:spcPts val="0"/>
+              </a:spcAft>
+              <a:buClr>
+                <a:srgbClr val="434343"/>
+              </a:buClr>
+              <a:buSzPts val="2400"/>
+              <a:buNone/>
+            </a:pPr>
+            <a:endParaRPr/>
+          </a:p>
+        </p:txBody>
+      </p:sp>
+      <p:pic>
+        <p:nvPicPr>
+          <p:cNvPr id="145" name="Google Shape;145;p12" descr="https://lh6.googleusercontent.com/J9csIAg3Em8INTi6dtkJOZYjPqT-yzUNF-ozlkmq8XOOm12VdBC4YT4T9W0vZVXr6VZHLBddAZVsL4IG0DRgsVRcLw5aTlCyHTIRmlr8cy8LSCqzvEOeOncabJ4smWyhYm7WdpmRKSM"/>
+          <p:cNvPicPr preferRelativeResize="0"/>
+          <p:nvPr/>
+        </p:nvPicPr>
+        <p:blipFill rotWithShape="1">
+          <a:blip r:embed="rId3">
+            <a:alphaModFix/>
+          </a:blip>
+          <a:srcRect/>
+          <a:stretch/>
+        </p:blipFill>
+        <p:spPr>
+          <a:xfrm>
+            <a:off x="0" y="1712385"/>
+            <a:ext cx="12192000" cy="4040716"/>
+          </a:xfrm>
+          <a:prstGeom prst="rect">
+            <a:avLst/>
+          </a:prstGeom>
+          <a:noFill/>
+          <a:ln>
+            <a:noFill/>
+          </a:ln>
+        </p:spPr>
+      </p:pic>
+    </p:spTree>
+    <p:extLst>
+      <p:ext uri="{BB962C8B-B14F-4D97-AF65-F5344CB8AC3E}">
+        <p14:creationId xmlns:p14="http://schemas.microsoft.com/office/powerpoint/2010/main" val="2633421027"/>
+      </p:ext>
+    </p:extLst>
+  </p:cSld>
+  <p:clrMapOvr>
+    <a:masterClrMapping/>
+  </p:clrMapOvr>
+</p:sld>
+</file>
+
+<file path=ppt/slides/slide11.xml><?xml version="1.0" encoding="utf-8"?>
+<p:sld xmlns:a="http://schemas.openxmlformats.org/drawingml/2006/main" xmlns:r="http://schemas.openxmlformats.org/officeDocument/2006/relationships" xmlns:p="http://schemas.openxmlformats.org/presentationml/2006/main">
+  <p:cSld>
+    <p:spTree>
+      <p:nvGrpSpPr>
+        <p:cNvPr id="1" name="Shape 149"/>
+        <p:cNvGrpSpPr/>
+        <p:nvPr/>
+      </p:nvGrpSpPr>
+      <p:grpSpPr>
+        <a:xfrm>
+          <a:off x="0" y="0"/>
+          <a:ext cx="0" cy="0"/>
+          <a:chOff x="0" y="0"/>
+          <a:chExt cx="0" cy="0"/>
+        </a:xfrm>
+      </p:grpSpPr>
+      <p:sp>
+        <p:nvSpPr>
+          <p:cNvPr id="150" name="Google Shape;150;p10"/>
+          <p:cNvSpPr txBox="1">
+            <a:spLocks noGrp="1"/>
+          </p:cNvSpPr>
+          <p:nvPr>
+            <p:ph type="title"/>
+          </p:nvPr>
+        </p:nvSpPr>
+        <p:spPr>
+          <a:xfrm>
+            <a:off x="415600" y="86563"/>
+            <a:ext cx="11360700" cy="763500"/>
+          </a:xfrm>
+          <a:prstGeom prst="rect">
+            <a:avLst/>
+          </a:prstGeom>
+          <a:noFill/>
+          <a:ln>
+            <a:noFill/>
+          </a:ln>
+        </p:spPr>
+        <p:txBody>
+          <a:bodyPr spcFirstLastPara="1" wrap="square" lIns="121900" tIns="121900" rIns="121900" bIns="121900" anchor="t" anchorCtr="0">
+            <a:noAutofit/>
+          </a:bodyPr>
+          <a:lstStyle/>
+          <a:p>
+            <a:pPr marL="0" lvl="0" indent="0" algn="l" rtl="0">
+              <a:lnSpc>
+                <a:spcPct val="100000"/>
+              </a:lnSpc>
+              <a:spcBef>
+                <a:spcPts val="0"/>
+              </a:spcBef>
+              <a:spcAft>
+                <a:spcPts val="0"/>
+              </a:spcAft>
+              <a:buClr>
+                <a:srgbClr val="FFFFFF"/>
+              </a:buClr>
+              <a:buSzPts val="3700"/>
+              <a:buNone/>
+            </a:pPr>
+            <a:r>
+              <a:rPr lang="en-US"/>
+              <a:t>Cross-Tabs</a:t>
+            </a:r>
+            <a:endParaRPr/>
+          </a:p>
+        </p:txBody>
+      </p:sp>
+      <p:sp>
+        <p:nvSpPr>
+          <p:cNvPr id="151" name="Google Shape;151;p10"/>
+          <p:cNvSpPr txBox="1">
+            <a:spLocks noGrp="1"/>
+          </p:cNvSpPr>
+          <p:nvPr>
+            <p:ph type="body" idx="1"/>
+          </p:nvPr>
+        </p:nvSpPr>
+        <p:spPr>
+          <a:xfrm>
+            <a:off x="415600" y="1536633"/>
+            <a:ext cx="11360700" cy="4555200"/>
+          </a:xfrm>
+          <a:prstGeom prst="rect">
+            <a:avLst/>
+          </a:prstGeom>
+          <a:noFill/>
+          <a:ln>
+            <a:noFill/>
+          </a:ln>
+        </p:spPr>
+        <p:txBody>
+          <a:bodyPr spcFirstLastPara="1" wrap="square" lIns="121900" tIns="121900" rIns="121900" bIns="121900" anchor="t" anchorCtr="0">
+            <a:noAutofit/>
+          </a:bodyPr>
+          <a:lstStyle/>
+          <a:p>
+            <a:pPr marL="457200" lvl="0" indent="-228600" algn="l" rtl="0">
+              <a:lnSpc>
+                <a:spcPct val="115000"/>
+              </a:lnSpc>
+              <a:spcBef>
+                <a:spcPts val="0"/>
+              </a:spcBef>
+              <a:spcAft>
+                <a:spcPts val="0"/>
+              </a:spcAft>
+              <a:buClr>
+                <a:srgbClr val="434343"/>
+              </a:buClr>
+              <a:buSzPts val="2400"/>
+              <a:buNone/>
+            </a:pPr>
+            <a:endParaRPr/>
+          </a:p>
+        </p:txBody>
+      </p:sp>
+      <p:pic>
+        <p:nvPicPr>
+          <p:cNvPr id="152" name="Google Shape;152;p10" descr="https://lh6.googleusercontent.com/maF9IXafZ9w1hZhmAj8Yk2CSKgTJj0zpcICZrABSbZ7TX7jo8ND8lpTX5AY6Uz62qEyp9FmnGVi5Wq-fwYOZkSQOU0uIOz3Fh5tUWzVqBc5JIm0jboaY9ioG5hjhKR4EjN8jtFwVVqA"/>
+          <p:cNvPicPr preferRelativeResize="0"/>
+          <p:nvPr/>
+        </p:nvPicPr>
+        <p:blipFill rotWithShape="1">
+          <a:blip r:embed="rId3">
+            <a:alphaModFix/>
+          </a:blip>
+          <a:srcRect/>
+          <a:stretch/>
+        </p:blipFill>
+        <p:spPr>
+          <a:xfrm>
+            <a:off x="249768" y="1608667"/>
+            <a:ext cx="5033433" cy="3120536"/>
+          </a:xfrm>
+          <a:prstGeom prst="rect">
+            <a:avLst/>
+          </a:prstGeom>
+          <a:noFill/>
+          <a:ln>
+            <a:noFill/>
+          </a:ln>
+        </p:spPr>
+      </p:pic>
+      <p:pic>
+        <p:nvPicPr>
+          <p:cNvPr id="153" name="Google Shape;153;p10"/>
+          <p:cNvPicPr preferRelativeResize="0"/>
+          <p:nvPr/>
+        </p:nvPicPr>
+        <p:blipFill>
+          <a:blip r:embed="rId4">
+            <a:alphaModFix/>
+          </a:blip>
+          <a:stretch>
+            <a:fillRect/>
+          </a:stretch>
+        </p:blipFill>
+        <p:spPr>
+          <a:xfrm>
+            <a:off x="5487053" y="1608675"/>
+            <a:ext cx="5989008" cy="3120525"/>
+          </a:xfrm>
+          <a:prstGeom prst="rect">
+            <a:avLst/>
+          </a:prstGeom>
+          <a:noFill/>
+          <a:ln>
+            <a:noFill/>
+          </a:ln>
+        </p:spPr>
+      </p:pic>
+    </p:spTree>
+    <p:extLst>
+      <p:ext uri="{BB962C8B-B14F-4D97-AF65-F5344CB8AC3E}">
+        <p14:creationId xmlns:p14="http://schemas.microsoft.com/office/powerpoint/2010/main" val="4026461533"/>
+      </p:ext>
+    </p:extLst>
+  </p:cSld>
+  <p:clrMapOvr>
+    <a:masterClrMapping/>
+  </p:clrMapOvr>
+</p:sld>
+</file>
+
+<file path=ppt/slides/slide12.xml><?xml version="1.0" encoding="utf-8"?>
+<p:sld xmlns:a="http://schemas.openxmlformats.org/drawingml/2006/main" xmlns:r="http://schemas.openxmlformats.org/officeDocument/2006/relationships" xmlns:p="http://schemas.openxmlformats.org/presentationml/2006/main">
+  <p:cSld>
+    <p:spTree>
+      <p:nvGrpSpPr>
+        <p:cNvPr id="1" name="Shape 157"/>
+        <p:cNvGrpSpPr/>
+        <p:nvPr/>
+      </p:nvGrpSpPr>
+      <p:grpSpPr>
+        <a:xfrm>
+          <a:off x="0" y="0"/>
+          <a:ext cx="0" cy="0"/>
+          <a:chOff x="0" y="0"/>
+          <a:chExt cx="0" cy="0"/>
+        </a:xfrm>
+      </p:grpSpPr>
+      <p:sp>
+        <p:nvSpPr>
+          <p:cNvPr id="158" name="Google Shape;158;p13"/>
+          <p:cNvSpPr txBox="1">
+            <a:spLocks noGrp="1"/>
+          </p:cNvSpPr>
+          <p:nvPr>
+            <p:ph type="title"/>
+          </p:nvPr>
+        </p:nvSpPr>
+        <p:spPr>
+          <a:xfrm>
+            <a:off x="415600" y="86563"/>
+            <a:ext cx="11360700" cy="763500"/>
+          </a:xfrm>
+          <a:prstGeom prst="rect">
+            <a:avLst/>
+          </a:prstGeom>
+          <a:noFill/>
+          <a:ln>
+            <a:noFill/>
+          </a:ln>
+        </p:spPr>
+        <p:txBody>
+          <a:bodyPr spcFirstLastPara="1" wrap="square" lIns="121900" tIns="121900" rIns="121900" bIns="121900" anchor="t" anchorCtr="0">
+            <a:noAutofit/>
+          </a:bodyPr>
+          <a:lstStyle/>
+          <a:p>
+            <a:pPr marL="0" lvl="0" indent="0" algn="l" rtl="0">
+              <a:lnSpc>
+                <a:spcPct val="100000"/>
+              </a:lnSpc>
+              <a:spcBef>
+                <a:spcPts val="0"/>
+              </a:spcBef>
+              <a:spcAft>
+                <a:spcPts val="0"/>
+              </a:spcAft>
+              <a:buClr>
+                <a:srgbClr val="FFFFFF"/>
+              </a:buClr>
+              <a:buSzPts val="3700"/>
+              <a:buNone/>
+            </a:pPr>
+            <a:r>
+              <a:rPr lang="en-US"/>
+              <a:t>Cross-Tabs</a:t>
+            </a:r>
+            <a:endParaRPr/>
+          </a:p>
+        </p:txBody>
+      </p:sp>
+      <p:sp>
+        <p:nvSpPr>
+          <p:cNvPr id="159" name="Google Shape;159;p13"/>
+          <p:cNvSpPr/>
+          <p:nvPr/>
+        </p:nvSpPr>
+        <p:spPr>
+          <a:xfrm>
+            <a:off x="330200" y="1737913"/>
+            <a:ext cx="6096000" cy="4031104"/>
+          </a:xfrm>
+          <a:prstGeom prst="rect">
+            <a:avLst/>
+          </a:prstGeom>
+          <a:noFill/>
+          <a:ln w="9525" cap="flat" cmpd="sng">
+            <a:solidFill>
+              <a:schemeClr val="dk1"/>
+            </a:solidFill>
+            <a:prstDash val="solid"/>
+            <a:round/>
+            <a:headEnd type="none" w="sm" len="sm"/>
+            <a:tailEnd type="none" w="sm" len="sm"/>
+          </a:ln>
+        </p:spPr>
+        <p:txBody>
+          <a:bodyPr spcFirstLastPara="1" wrap="square" lIns="91425" tIns="45700" rIns="91425" bIns="45700" anchor="t" anchorCtr="0">
+            <a:spAutoFit/>
+          </a:bodyPr>
+          <a:lstStyle/>
+          <a:p>
+            <a:pPr marL="0" marR="0" lvl="0" indent="0" algn="l" rtl="0">
+              <a:lnSpc>
+                <a:spcPct val="100000"/>
+              </a:lnSpc>
+              <a:spcBef>
+                <a:spcPts val="0"/>
+              </a:spcBef>
+              <a:spcAft>
+                <a:spcPts val="0"/>
+              </a:spcAft>
+              <a:buNone/>
+            </a:pPr>
+            <a:br>
+              <a:rPr lang="en-US" sz="2133" b="0" i="0" u="none" strike="noStrike" cap="none">
+                <a:solidFill>
+                  <a:srgbClr val="000000"/>
+                </a:solidFill>
+                <a:latin typeface="Arial"/>
+                <a:ea typeface="Arial"/>
+                <a:cs typeface="Arial"/>
+                <a:sym typeface="Arial"/>
+              </a:rPr>
+            </a:br>
+            <a:r>
+              <a:rPr lang="en-US" sz="2133" b="1" i="0" u="none" strike="noStrike" cap="none">
+                <a:solidFill>
+                  <a:srgbClr val="000000"/>
+                </a:solidFill>
+                <a:latin typeface="Arial"/>
+                <a:ea typeface="Arial"/>
+                <a:cs typeface="Arial"/>
+                <a:sym typeface="Arial"/>
+              </a:rPr>
+              <a:t>Continuous Variables</a:t>
+            </a:r>
+            <a:endParaRPr sz="2133" b="0" i="0" u="none" strike="noStrike" cap="none">
+              <a:solidFill>
+                <a:srgbClr val="000000"/>
+              </a:solidFill>
+              <a:latin typeface="Arial"/>
+              <a:ea typeface="Arial"/>
+              <a:cs typeface="Arial"/>
+              <a:sym typeface="Arial"/>
+            </a:endParaRPr>
+          </a:p>
+          <a:p>
+            <a:pPr marL="0" marR="0" lvl="0" indent="0" algn="l" rtl="0">
+              <a:lnSpc>
+                <a:spcPct val="100000"/>
+              </a:lnSpc>
+              <a:spcBef>
+                <a:spcPts val="0"/>
+              </a:spcBef>
+              <a:spcAft>
+                <a:spcPts val="0"/>
+              </a:spcAft>
+              <a:buNone/>
+            </a:pPr>
+            <a:br>
+              <a:rPr lang="en-US" sz="2133" b="0" i="0" u="none" strike="noStrike" cap="none">
+                <a:solidFill>
+                  <a:srgbClr val="000000"/>
+                </a:solidFill>
+                <a:latin typeface="Arial"/>
+                <a:ea typeface="Arial"/>
+                <a:cs typeface="Arial"/>
+                <a:sym typeface="Arial"/>
+              </a:rPr>
+            </a:br>
+            <a:r>
+              <a:rPr lang="en-US" sz="2133" b="0" i="0" u="none" strike="noStrike" cap="none">
+                <a:solidFill>
+                  <a:srgbClr val="000000"/>
+                </a:solidFill>
+                <a:latin typeface="Arial"/>
+                <a:ea typeface="Arial"/>
+                <a:cs typeface="Arial"/>
+                <a:sym typeface="Arial"/>
+              </a:rPr>
+              <a:t>T-Test</a:t>
+            </a:r>
+            <a:endParaRPr sz="2133" b="0" i="0" u="none" strike="noStrike" cap="none">
+              <a:solidFill>
+                <a:srgbClr val="000000"/>
+              </a:solidFill>
+              <a:latin typeface="Arial"/>
+              <a:ea typeface="Arial"/>
+              <a:cs typeface="Arial"/>
+              <a:sym typeface="Arial"/>
+            </a:endParaRPr>
+          </a:p>
+          <a:p>
+            <a:pPr marL="0" marR="0" lvl="0" indent="0" algn="l" rtl="0">
+              <a:lnSpc>
+                <a:spcPct val="100000"/>
+              </a:lnSpc>
+              <a:spcBef>
+                <a:spcPts val="0"/>
+              </a:spcBef>
+              <a:spcAft>
+                <a:spcPts val="0"/>
+              </a:spcAft>
+              <a:buNone/>
+            </a:pPr>
+            <a:r>
+              <a:rPr lang="en-US" sz="2133" b="0" i="0" u="none" strike="noStrike" cap="none">
+                <a:solidFill>
+                  <a:srgbClr val="000000"/>
+                </a:solidFill>
+                <a:latin typeface="Arial"/>
+                <a:ea typeface="Arial"/>
+                <a:cs typeface="Arial"/>
+                <a:sym typeface="Arial"/>
+              </a:rPr>
+              <a:t>Null-Hypothesis: The feature mean in the high-risk group is the same as in the low-risk group</a:t>
+            </a:r>
+            <a:endParaRPr sz="2133" b="0" i="0" u="none" strike="noStrike" cap="none">
+              <a:solidFill>
+                <a:srgbClr val="000000"/>
+              </a:solidFill>
+              <a:latin typeface="Arial"/>
+              <a:ea typeface="Arial"/>
+              <a:cs typeface="Arial"/>
+              <a:sym typeface="Arial"/>
+            </a:endParaRPr>
+          </a:p>
+          <a:p>
+            <a:pPr marL="0" marR="0" lvl="0" indent="0" algn="l" rtl="0">
+              <a:lnSpc>
+                <a:spcPct val="100000"/>
+              </a:lnSpc>
+              <a:spcBef>
+                <a:spcPts val="0"/>
+              </a:spcBef>
+              <a:spcAft>
+                <a:spcPts val="0"/>
+              </a:spcAft>
+              <a:buNone/>
+            </a:pPr>
+            <a:br>
+              <a:rPr lang="en-US" sz="2133" b="0" i="0" u="none" strike="noStrike" cap="none">
+                <a:solidFill>
+                  <a:srgbClr val="000000"/>
+                </a:solidFill>
+                <a:latin typeface="Arial"/>
+                <a:ea typeface="Arial"/>
+                <a:cs typeface="Arial"/>
+                <a:sym typeface="Arial"/>
+              </a:rPr>
+            </a:br>
+            <a:r>
+              <a:rPr lang="en-US" sz="2133" b="0" i="0" u="none" strike="noStrike" cap="none">
+                <a:solidFill>
+                  <a:srgbClr val="000000"/>
+                </a:solidFill>
+                <a:latin typeface="Arial"/>
+                <a:ea typeface="Arial"/>
+                <a:cs typeface="Arial"/>
+                <a:sym typeface="Arial"/>
+              </a:rPr>
+              <a:t>KS-Test</a:t>
+            </a:r>
+            <a:endParaRPr sz="2133" b="0" i="0" u="none" strike="noStrike" cap="none">
+              <a:solidFill>
+                <a:srgbClr val="000000"/>
+              </a:solidFill>
+              <a:latin typeface="Arial"/>
+              <a:ea typeface="Arial"/>
+              <a:cs typeface="Arial"/>
+              <a:sym typeface="Arial"/>
+            </a:endParaRPr>
+          </a:p>
+          <a:p>
+            <a:pPr marL="0" marR="0" lvl="0" indent="0" algn="l" rtl="0">
+              <a:lnSpc>
+                <a:spcPct val="100000"/>
+              </a:lnSpc>
+              <a:spcBef>
+                <a:spcPts val="0"/>
+              </a:spcBef>
+              <a:spcAft>
+                <a:spcPts val="0"/>
+              </a:spcAft>
+              <a:buNone/>
+            </a:pPr>
+            <a:r>
+              <a:rPr lang="en-US" sz="2133" b="0" i="0" u="none" strike="noStrike" cap="none">
+                <a:solidFill>
+                  <a:srgbClr val="000000"/>
+                </a:solidFill>
+                <a:latin typeface="Arial"/>
+                <a:ea typeface="Arial"/>
+                <a:cs typeface="Arial"/>
+                <a:sym typeface="Arial"/>
+              </a:rPr>
+              <a:t>Null-Hypothesis: The feature distribution in the high-risk group is the same as in the low-risk group.</a:t>
+            </a:r>
+            <a:endParaRPr sz="2133" b="0" i="0" u="none" strike="noStrike" cap="none">
+              <a:solidFill>
+                <a:srgbClr val="000000"/>
+              </a:solidFill>
+              <a:latin typeface="Arial"/>
+              <a:ea typeface="Arial"/>
+              <a:cs typeface="Arial"/>
+              <a:sym typeface="Arial"/>
+            </a:endParaRPr>
+          </a:p>
+          <a:p>
+            <a:pPr marL="0" marR="0" lvl="0" indent="0" algn="l" rtl="0">
+              <a:lnSpc>
+                <a:spcPct val="100000"/>
+              </a:lnSpc>
+              <a:spcBef>
+                <a:spcPts val="0"/>
+              </a:spcBef>
+              <a:spcAft>
+                <a:spcPts val="0"/>
+              </a:spcAft>
+              <a:buNone/>
+            </a:pPr>
+            <a:endParaRPr sz="2133" b="0" i="0" u="none" strike="noStrike" cap="none">
+              <a:solidFill>
+                <a:srgbClr val="000000"/>
+              </a:solidFill>
+              <a:latin typeface="Arial"/>
+              <a:ea typeface="Arial"/>
+              <a:cs typeface="Arial"/>
+              <a:sym typeface="Arial"/>
+            </a:endParaRPr>
+          </a:p>
+        </p:txBody>
+      </p:sp>
+      <p:sp>
+        <p:nvSpPr>
+          <p:cNvPr id="160" name="Google Shape;160;p13"/>
+          <p:cNvSpPr/>
+          <p:nvPr/>
+        </p:nvSpPr>
+        <p:spPr>
+          <a:xfrm>
+            <a:off x="6616700" y="1737912"/>
+            <a:ext cx="5334000" cy="1733488"/>
+          </a:xfrm>
+          <a:prstGeom prst="rect">
+            <a:avLst/>
+          </a:prstGeom>
+          <a:noFill/>
+          <a:ln w="9525" cap="flat" cmpd="sng">
+            <a:solidFill>
+              <a:schemeClr val="dk1"/>
+            </a:solidFill>
+            <a:prstDash val="solid"/>
+            <a:round/>
+            <a:headEnd type="none" w="sm" len="sm"/>
+            <a:tailEnd type="none" w="sm" len="sm"/>
+          </a:ln>
+        </p:spPr>
+        <p:txBody>
+          <a:bodyPr spcFirstLastPara="1" wrap="square" lIns="91425" tIns="45700" rIns="91425" bIns="45700" anchor="t" anchorCtr="0">
+            <a:spAutoFit/>
+          </a:bodyPr>
+          <a:lstStyle/>
+          <a:p>
+            <a:pPr marL="0" marR="0" lvl="0" indent="0" algn="l" rtl="0">
+              <a:lnSpc>
+                <a:spcPct val="100000"/>
+              </a:lnSpc>
+              <a:spcBef>
+                <a:spcPts val="0"/>
+              </a:spcBef>
+              <a:spcAft>
+                <a:spcPts val="0"/>
+              </a:spcAft>
+              <a:buNone/>
+            </a:pPr>
+            <a:r>
+              <a:rPr lang="en-US" sz="2133" b="1" i="0" u="none" strike="noStrike" cap="none">
+                <a:solidFill>
+                  <a:srgbClr val="000000"/>
+                </a:solidFill>
+                <a:latin typeface="Arial"/>
+                <a:ea typeface="Arial"/>
+                <a:cs typeface="Arial"/>
+                <a:sym typeface="Arial"/>
+              </a:rPr>
+              <a:t>Categorical Variables</a:t>
+            </a:r>
+            <a:endParaRPr sz="2133" b="0" i="0" u="none" strike="noStrike" cap="none">
+              <a:solidFill>
+                <a:srgbClr val="000000"/>
+              </a:solidFill>
+              <a:latin typeface="Arial"/>
+              <a:ea typeface="Arial"/>
+              <a:cs typeface="Arial"/>
+              <a:sym typeface="Arial"/>
+            </a:endParaRPr>
+          </a:p>
+          <a:p>
+            <a:pPr marL="0" marR="0" lvl="0" indent="0" algn="l" rtl="0">
+              <a:lnSpc>
+                <a:spcPct val="100000"/>
+              </a:lnSpc>
+              <a:spcBef>
+                <a:spcPts val="0"/>
+              </a:spcBef>
+              <a:spcAft>
+                <a:spcPts val="0"/>
+              </a:spcAft>
+              <a:buNone/>
+            </a:pPr>
+            <a:br>
+              <a:rPr lang="en-US" sz="2133" b="0" i="0" u="none" strike="noStrike" cap="none">
+                <a:solidFill>
+                  <a:srgbClr val="000000"/>
+                </a:solidFill>
+                <a:latin typeface="Arial"/>
+                <a:ea typeface="Arial"/>
+                <a:cs typeface="Arial"/>
+                <a:sym typeface="Arial"/>
+              </a:rPr>
+            </a:br>
+            <a:r>
+              <a:rPr lang="en-US" sz="2133" b="0" i="0" u="none" strike="noStrike" cap="none">
+                <a:solidFill>
+                  <a:srgbClr val="000000"/>
+                </a:solidFill>
+                <a:latin typeface="Arial"/>
+                <a:ea typeface="Arial"/>
+                <a:cs typeface="Arial"/>
+                <a:sym typeface="Arial"/>
+              </a:rPr>
+              <a:t>Chi-Square Test / Fisher’s Exact Test</a:t>
+            </a:r>
+            <a:endParaRPr sz="2133" b="0" i="0" u="none" strike="noStrike" cap="none">
+              <a:solidFill>
+                <a:srgbClr val="000000"/>
+              </a:solidFill>
+              <a:latin typeface="Arial"/>
+              <a:ea typeface="Arial"/>
+              <a:cs typeface="Arial"/>
+              <a:sym typeface="Arial"/>
+            </a:endParaRPr>
+          </a:p>
+          <a:p>
+            <a:pPr marL="0" marR="0" lvl="0" indent="0" algn="l" rtl="0">
+              <a:lnSpc>
+                <a:spcPct val="100000"/>
+              </a:lnSpc>
+              <a:spcBef>
+                <a:spcPts val="0"/>
+              </a:spcBef>
+              <a:spcAft>
+                <a:spcPts val="0"/>
+              </a:spcAft>
+              <a:buNone/>
+            </a:pPr>
+            <a:r>
+              <a:rPr lang="en-US" sz="2133" b="0" i="0" u="none" strike="noStrike" cap="none">
+                <a:solidFill>
+                  <a:srgbClr val="000000"/>
+                </a:solidFill>
+                <a:latin typeface="Arial"/>
+                <a:ea typeface="Arial"/>
+                <a:cs typeface="Arial"/>
+                <a:sym typeface="Arial"/>
+              </a:rPr>
+              <a:t>Null Hypothesis: The high-risk and low-risk groups have the same feature distribution.</a:t>
+            </a:r>
+            <a:endParaRPr sz="2133" b="0" i="0" u="none" strike="noStrike" cap="none">
+              <a:solidFill>
+                <a:srgbClr val="000000"/>
+              </a:solidFill>
+              <a:latin typeface="Arial"/>
+              <a:ea typeface="Arial"/>
+              <a:cs typeface="Arial"/>
+              <a:sym typeface="Arial"/>
+            </a:endParaRPr>
+          </a:p>
+        </p:txBody>
+      </p:sp>
+    </p:spTree>
+    <p:extLst>
+      <p:ext uri="{BB962C8B-B14F-4D97-AF65-F5344CB8AC3E}">
+        <p14:creationId xmlns:p14="http://schemas.microsoft.com/office/powerpoint/2010/main" val="40856700"/>
+      </p:ext>
+    </p:extLst>
+  </p:cSld>
+  <p:clrMapOvr>
+    <a:masterClrMapping/>
+  </p:clrMapOvr>
+</p:sld>
+</file>
+
+<file path=ppt/slides/slide13.xml><?xml version="1.0" encoding="utf-8"?>
+<p:sld xmlns:a="http://schemas.openxmlformats.org/drawingml/2006/main" xmlns:r="http://schemas.openxmlformats.org/officeDocument/2006/relationships" xmlns:p="http://schemas.openxmlformats.org/presentationml/2006/main">
+  <p:cSld>
+    <p:spTree>
+      <p:nvGrpSpPr>
+        <p:cNvPr id="1" name="Shape 120"/>
+        <p:cNvGrpSpPr/>
+        <p:nvPr/>
+      </p:nvGrpSpPr>
+      <p:grpSpPr>
+        <a:xfrm>
+          <a:off x="0" y="0"/>
+          <a:ext cx="0" cy="0"/>
+          <a:chOff x="0" y="0"/>
+          <a:chExt cx="0" cy="0"/>
+        </a:xfrm>
+      </p:grpSpPr>
+      <p:sp>
+        <p:nvSpPr>
+          <p:cNvPr id="121" name="Google Shape;121;g71c382910d_0_6"/>
+          <p:cNvSpPr txBox="1">
+            <a:spLocks noGrp="1"/>
+          </p:cNvSpPr>
+          <p:nvPr>
+            <p:ph type="title"/>
+          </p:nvPr>
+        </p:nvSpPr>
+        <p:spPr>
+          <a:xfrm>
+            <a:off x="415600" y="86563"/>
+            <a:ext cx="11360700" cy="763500"/>
+          </a:xfrm>
+          <a:prstGeom prst="rect">
+            <a:avLst/>
+          </a:prstGeom>
+        </p:spPr>
+        <p:txBody>
+          <a:bodyPr spcFirstLastPara="1" wrap="square" lIns="121900" tIns="121900" rIns="121900" bIns="121900" anchor="t" anchorCtr="0">
+            <a:noAutofit/>
+          </a:bodyPr>
+          <a:lstStyle/>
+          <a:p>
+            <a:pPr marL="0" lvl="0" indent="0" algn="l" rtl="0">
+              <a:spcBef>
+                <a:spcPts val="0"/>
+              </a:spcBef>
+              <a:spcAft>
+                <a:spcPts val="0"/>
+              </a:spcAft>
+              <a:buNone/>
+            </a:pPr>
+            <a:r>
+              <a:rPr lang="en-US"/>
+              <a:t>Error Analysis</a:t>
+            </a:r>
+            <a:endParaRPr/>
+          </a:p>
+        </p:txBody>
+      </p:sp>
+      <p:sp>
+        <p:nvSpPr>
+          <p:cNvPr id="122" name="Google Shape;122;g71c382910d_0_6"/>
+          <p:cNvSpPr txBox="1">
+            <a:spLocks noGrp="1"/>
+          </p:cNvSpPr>
+          <p:nvPr>
+            <p:ph type="body" idx="1"/>
+          </p:nvPr>
+        </p:nvSpPr>
+        <p:spPr>
+          <a:xfrm>
+            <a:off x="415600" y="1536633"/>
+            <a:ext cx="11360700" cy="4555200"/>
+          </a:xfrm>
+          <a:prstGeom prst="rect">
+            <a:avLst/>
+          </a:prstGeom>
+        </p:spPr>
+        <p:txBody>
+          <a:bodyPr spcFirstLastPara="1" wrap="square" lIns="121900" tIns="121900" rIns="121900" bIns="121900" anchor="t" anchorCtr="0">
+            <a:noAutofit/>
+          </a:bodyPr>
+          <a:lstStyle/>
+          <a:p>
+            <a:pPr marL="457200" lvl="0" indent="-381000" algn="l" rtl="0">
+              <a:spcBef>
+                <a:spcPts val="0"/>
+              </a:spcBef>
+              <a:spcAft>
+                <a:spcPts val="0"/>
+              </a:spcAft>
+              <a:buSzPts val="2400"/>
+              <a:buChar char="●"/>
+            </a:pPr>
+            <a:r>
+              <a:rPr lang="en-US"/>
+              <a:t>Error Trees</a:t>
+            </a:r>
+            <a:br>
+              <a:rPr lang="en-US"/>
+            </a:br>
+            <a:endParaRPr/>
+          </a:p>
+          <a:p>
+            <a:pPr marL="457200" lvl="0" indent="-381000" algn="l" rtl="0">
+              <a:spcBef>
+                <a:spcPts val="0"/>
+              </a:spcBef>
+              <a:spcAft>
+                <a:spcPts val="0"/>
+              </a:spcAft>
+              <a:buSzPts val="2400"/>
+              <a:buChar char="●"/>
+            </a:pPr>
+            <a:r>
+              <a:rPr lang="en-US"/>
+              <a:t>Clustering</a:t>
+            </a:r>
+            <a:br>
+              <a:rPr lang="en-US"/>
+            </a:br>
+            <a:endParaRPr/>
+          </a:p>
+          <a:p>
+            <a:pPr marL="457200" lvl="0" indent="-381000" algn="l" rtl="0">
+              <a:spcBef>
+                <a:spcPts val="0"/>
+              </a:spcBef>
+              <a:spcAft>
+                <a:spcPts val="0"/>
+              </a:spcAft>
+              <a:buSzPts val="2400"/>
+              <a:buChar char="●"/>
+            </a:pPr>
+            <a:r>
+              <a:rPr lang="en-US"/>
+              <a:t>Individual Feature Importances</a:t>
+            </a:r>
+            <a:endParaRPr/>
+          </a:p>
+        </p:txBody>
+      </p:sp>
+    </p:spTree>
+    <p:extLst>
+      <p:ext uri="{BB962C8B-B14F-4D97-AF65-F5344CB8AC3E}">
+        <p14:creationId xmlns:p14="http://schemas.microsoft.com/office/powerpoint/2010/main" val="1694156912"/>
+      </p:ext>
+    </p:extLst>
+  </p:cSld>
+  <p:clrMapOvr>
+    <a:masterClrMapping/>
+  </p:clrMapOvr>
+</p:sld>
+</file>
+
+<file path=ppt/slides/slide14.xml><?xml version="1.0" encoding="utf-8"?>
+<p:sld xmlns:a="http://schemas.openxmlformats.org/drawingml/2006/main" xmlns:r="http://schemas.openxmlformats.org/officeDocument/2006/relationships" xmlns:p="http://schemas.openxmlformats.org/presentationml/2006/main">
+  <p:cSld>
+    <p:spTree>
+      <p:nvGrpSpPr>
+        <p:cNvPr id="1" name=""/>
+        <p:cNvGrpSpPr/>
+        <p:nvPr/>
+      </p:nvGrpSpPr>
+      <p:grpSpPr>
+        <a:xfrm>
+          <a:off x="0" y="0"/>
+          <a:ext cx="0" cy="0"/>
+          <a:chOff x="0" y="0"/>
+          <a:chExt cx="0" cy="0"/>
+        </a:xfrm>
+      </p:grpSpPr>
+      <p:sp>
+        <p:nvSpPr>
+          <p:cNvPr id="3" name="Title 2">
+            <a:extLst>
+              <a:ext uri="{FF2B5EF4-FFF2-40B4-BE49-F238E27FC236}">
+                <a16:creationId xmlns:a16="http://schemas.microsoft.com/office/drawing/2014/main" id="{9323871C-7CA8-1448-8FFC-1AE6E1838941}"/>
+              </a:ext>
+            </a:extLst>
+          </p:cNvPr>
+          <p:cNvSpPr>
+            <a:spLocks noGrp="1"/>
+          </p:cNvSpPr>
+          <p:nvPr>
+            <p:ph type="title"/>
+          </p:nvPr>
+        </p:nvSpPr>
+        <p:spPr/>
+        <p:txBody>
+          <a:bodyPr/>
+          <a:lstStyle/>
+          <a:p>
+            <a:r>
+              <a:rPr lang="en-US" dirty="0"/>
+              <a:t>Reminders</a:t>
+            </a:r>
+          </a:p>
+        </p:txBody>
+      </p:sp>
+      <p:sp>
+        <p:nvSpPr>
+          <p:cNvPr id="5" name="Text Placeholder 4">
+            <a:extLst>
+              <a:ext uri="{FF2B5EF4-FFF2-40B4-BE49-F238E27FC236}">
+                <a16:creationId xmlns:a16="http://schemas.microsoft.com/office/drawing/2014/main" id="{F4E0A5F0-1D89-954D-91FB-596CD9E690F2}"/>
+              </a:ext>
+            </a:extLst>
+          </p:cNvPr>
+          <p:cNvSpPr>
+            <a:spLocks noGrp="1"/>
+          </p:cNvSpPr>
+          <p:nvPr>
+            <p:ph type="body" idx="1"/>
+          </p:nvPr>
+        </p:nvSpPr>
+        <p:spPr/>
+        <p:txBody>
+          <a:bodyPr/>
+          <a:lstStyle/>
+          <a:p>
+            <a:pPr marL="76200" indent="0">
+              <a:buNone/>
+            </a:pPr>
+            <a:endParaRPr lang="en-US" b="1" dirty="0"/>
+          </a:p>
+          <a:p>
+            <a:pPr marL="76200" indent="0">
+              <a:buNone/>
+            </a:pPr>
+            <a:r>
+              <a:rPr lang="en-US" b="1" dirty="0"/>
+              <a:t>This week:</a:t>
+            </a:r>
+          </a:p>
+          <a:p>
+            <a:r>
+              <a:rPr lang="en-US" dirty="0"/>
+              <a:t>Thursday: Module 2 Presentations</a:t>
+            </a:r>
+          </a:p>
+          <a:p>
+            <a:pPr marL="76200" indent="0">
+              <a:buNone/>
+            </a:pPr>
+            <a:endParaRPr lang="en-US" dirty="0"/>
+          </a:p>
+          <a:p>
+            <a:pPr marL="76200" indent="0">
+              <a:buNone/>
+            </a:pPr>
+            <a:r>
+              <a:rPr lang="en-US" b="1" dirty="0"/>
+              <a:t>Coming up next week:</a:t>
+            </a:r>
+          </a:p>
+          <a:p>
+            <a:r>
+              <a:rPr lang="en-US" dirty="0"/>
+              <a:t>Tuesday: Feedback Form</a:t>
+            </a:r>
+          </a:p>
+          <a:p>
+            <a:r>
+              <a:rPr lang="en-US" dirty="0"/>
+              <a:t>Tuesday/Thursday: Module 2 Presentations</a:t>
+            </a:r>
+          </a:p>
+          <a:p>
+            <a:r>
+              <a:rPr lang="en-US" dirty="0">
+                <a:solidFill>
+                  <a:srgbClr val="C00000"/>
+                </a:solidFill>
+              </a:rPr>
+              <a:t>Friday: Extended Abstract on Interpretability</a:t>
+            </a:r>
+          </a:p>
+        </p:txBody>
+      </p:sp>
+    </p:spTree>
+    <p:extLst>
+      <p:ext uri="{BB962C8B-B14F-4D97-AF65-F5344CB8AC3E}">
+        <p14:creationId xmlns:p14="http://schemas.microsoft.com/office/powerpoint/2010/main" val="2772368304"/>
+      </p:ext>
+    </p:extLst>
+  </p:cSld>
+  <p:clrMapOvr>
+    <a:masterClrMapping/>
+  </p:clrMapOvr>
+</p:sld>
+</file>
+
+<file path=ppt/slides/slide2.xml><?xml version="1.0" encoding="utf-8"?>
+<p:sld xmlns:a="http://schemas.openxmlformats.org/drawingml/2006/main" xmlns:r="http://schemas.openxmlformats.org/officeDocument/2006/relationships" xmlns:p="http://schemas.openxmlformats.org/presentationml/2006/main">
+  <p:cSld>
+    <p:spTree>
+      <p:nvGrpSpPr>
+        <p:cNvPr id="1" name=""/>
+        <p:cNvGrpSpPr/>
+        <p:nvPr/>
+      </p:nvGrpSpPr>
+      <p:grpSpPr>
+        <a:xfrm>
+          <a:off x="0" y="0"/>
+          <a:ext cx="0" cy="0"/>
+          <a:chOff x="0" y="0"/>
+          <a:chExt cx="0" cy="0"/>
+        </a:xfrm>
+      </p:grpSpPr>
+      <p:sp>
+        <p:nvSpPr>
+          <p:cNvPr id="3" name="Title 2">
+            <a:extLst>
+              <a:ext uri="{FF2B5EF4-FFF2-40B4-BE49-F238E27FC236}">
+                <a16:creationId xmlns:a16="http://schemas.microsoft.com/office/drawing/2014/main" id="{9323871C-7CA8-1448-8FFC-1AE6E1838941}"/>
+              </a:ext>
+            </a:extLst>
+          </p:cNvPr>
+          <p:cNvSpPr>
+            <a:spLocks noGrp="1"/>
+          </p:cNvSpPr>
+          <p:nvPr>
+            <p:ph type="title"/>
+          </p:nvPr>
+        </p:nvSpPr>
+        <p:spPr/>
+        <p:txBody>
+          <a:bodyPr/>
+          <a:lstStyle/>
+          <a:p>
+            <a:r>
+              <a:rPr lang="en-US" dirty="0"/>
+              <a:t>Reminders</a:t>
+            </a:r>
+          </a:p>
+        </p:txBody>
+      </p:sp>
+      <p:sp>
+        <p:nvSpPr>
+          <p:cNvPr id="5" name="Text Placeholder 4">
+            <a:extLst>
+              <a:ext uri="{FF2B5EF4-FFF2-40B4-BE49-F238E27FC236}">
+                <a16:creationId xmlns:a16="http://schemas.microsoft.com/office/drawing/2014/main" id="{F4E0A5F0-1D89-954D-91FB-596CD9E690F2}"/>
+              </a:ext>
+            </a:extLst>
+          </p:cNvPr>
+          <p:cNvSpPr>
+            <a:spLocks noGrp="1"/>
+          </p:cNvSpPr>
+          <p:nvPr>
+            <p:ph type="body" idx="1"/>
+          </p:nvPr>
+        </p:nvSpPr>
+        <p:spPr/>
+        <p:txBody>
+          <a:bodyPr/>
+          <a:lstStyle/>
+          <a:p>
+            <a:pPr marL="76200" indent="0">
+              <a:buNone/>
+            </a:pPr>
+            <a:endParaRPr lang="en-US" b="1" dirty="0"/>
+          </a:p>
+          <a:p>
+            <a:pPr marL="76200" indent="0">
+              <a:buNone/>
+            </a:pPr>
+            <a:r>
+              <a:rPr lang="en-US" b="1" dirty="0"/>
+              <a:t>This week:</a:t>
+            </a:r>
+          </a:p>
+          <a:p>
+            <a:r>
+              <a:rPr lang="en-US" dirty="0"/>
+              <a:t>Thursday: Module 2 Presentations</a:t>
+            </a:r>
+          </a:p>
+          <a:p>
+            <a:pPr marL="76200" indent="0">
+              <a:buNone/>
+            </a:pPr>
+            <a:endParaRPr lang="en-US" dirty="0"/>
+          </a:p>
+          <a:p>
+            <a:pPr marL="76200" indent="0">
+              <a:buNone/>
+            </a:pPr>
+            <a:r>
+              <a:rPr lang="en-US" b="1" dirty="0"/>
+              <a:t>Coming up next week:</a:t>
+            </a:r>
+          </a:p>
+          <a:p>
+            <a:r>
+              <a:rPr lang="en-US" dirty="0"/>
+              <a:t>Tuesday: Feedback Form</a:t>
+            </a:r>
+          </a:p>
+          <a:p>
+            <a:r>
+              <a:rPr lang="en-US" dirty="0"/>
+              <a:t>Tuesday/Thursday: Module 2 Presentations</a:t>
+            </a:r>
+          </a:p>
+          <a:p>
+            <a:r>
+              <a:rPr lang="en-US" dirty="0">
+                <a:solidFill>
+                  <a:srgbClr val="C00000"/>
+                </a:solidFill>
+              </a:rPr>
+              <a:t>Friday: Extended Abstract on Interpretability</a:t>
+            </a:r>
+          </a:p>
+        </p:txBody>
+      </p:sp>
+    </p:spTree>
+    <p:extLst>
+      <p:ext uri="{BB962C8B-B14F-4D97-AF65-F5344CB8AC3E}">
+        <p14:creationId xmlns:p14="http://schemas.microsoft.com/office/powerpoint/2010/main" val="850274891"/>
+      </p:ext>
+    </p:extLst>
+  </p:cSld>
+  <p:clrMapOvr>
+    <a:masterClrMapping/>
+  </p:clrMapOvr>
+</p:sld>
+</file>
+
+<file path=ppt/slides/slide3.xml><?xml version="1.0" encoding="utf-8"?>
+<p:sld xmlns:a="http://schemas.openxmlformats.org/drawingml/2006/main" xmlns:r="http://schemas.openxmlformats.org/officeDocument/2006/relationships" xmlns:p="http://schemas.openxmlformats.org/presentationml/2006/main">
+  <p:cSld>
+    <p:spTree>
+      <p:nvGrpSpPr>
+        <p:cNvPr id="1" name=""/>
+        <p:cNvGrpSpPr/>
+        <p:nvPr/>
+      </p:nvGrpSpPr>
+      <p:grpSpPr>
+        <a:xfrm>
+          <a:off x="0" y="0"/>
+          <a:ext cx="0" cy="0"/>
+          <a:chOff x="0" y="0"/>
+          <a:chExt cx="0" cy="0"/>
+        </a:xfrm>
+      </p:grpSpPr>
+      <p:sp>
+        <p:nvSpPr>
+          <p:cNvPr id="2" name="Title 1">
+            <a:extLst>
+              <a:ext uri="{FF2B5EF4-FFF2-40B4-BE49-F238E27FC236}">
+                <a16:creationId xmlns:a16="http://schemas.microsoft.com/office/drawing/2014/main" id="{94CF2A94-A63F-6149-AA28-2E35B60E3D3E}"/>
+              </a:ext>
+            </a:extLst>
+          </p:cNvPr>
+          <p:cNvSpPr>
+            <a:spLocks noGrp="1"/>
+          </p:cNvSpPr>
+          <p:nvPr>
+            <p:ph type="title"/>
+          </p:nvPr>
+        </p:nvSpPr>
+        <p:spPr/>
+        <p:txBody>
+          <a:bodyPr/>
+          <a:lstStyle/>
+          <a:p>
+            <a:endParaRPr lang="en-US"/>
+          </a:p>
+        </p:txBody>
+      </p:sp>
+      <p:graphicFrame>
+        <p:nvGraphicFramePr>
+          <p:cNvPr id="3" name="Diagram 2">
+            <a:extLst>
+              <a:ext uri="{FF2B5EF4-FFF2-40B4-BE49-F238E27FC236}">
+                <a16:creationId xmlns:a16="http://schemas.microsoft.com/office/drawing/2014/main" id="{8E902576-68A9-6E48-B0FE-5B1889953DC8}"/>
+              </a:ext>
+            </a:extLst>
+          </p:cNvPr>
+          <p:cNvGraphicFramePr/>
+          <p:nvPr/>
+        </p:nvGraphicFramePr>
+        <p:xfrm>
+          <a:off x="180467" y="0"/>
+          <a:ext cx="11776400" cy="6858000"/>
+        </p:xfrm>
+        <a:graphic>
+          <a:graphicData uri="http://schemas.openxmlformats.org/drawingml/2006/diagram">
+            <dgm:relIds xmlns:dgm="http://schemas.openxmlformats.org/drawingml/2006/diagram" xmlns:r="http://schemas.openxmlformats.org/officeDocument/2006/relationships" r:dm="rId2" r:lo="rId3" r:qs="rId4" r:cs="rId5"/>
+          </a:graphicData>
+        </a:graphic>
+      </p:graphicFrame>
+      <p:sp>
+        <p:nvSpPr>
+          <p:cNvPr id="4" name="Rectangle 3">
+            <a:extLst>
+              <a:ext uri="{FF2B5EF4-FFF2-40B4-BE49-F238E27FC236}">
+                <a16:creationId xmlns:a16="http://schemas.microsoft.com/office/drawing/2014/main" id="{E2C99BF2-C81A-5246-89D3-E49BCDCAD699}"/>
+              </a:ext>
+            </a:extLst>
+          </p:cNvPr>
+          <p:cNvSpPr/>
+          <p:nvPr/>
+        </p:nvSpPr>
+        <p:spPr>
+          <a:xfrm>
+            <a:off x="6388892" y="2534144"/>
+            <a:ext cx="2534195" cy="1789611"/>
+          </a:xfrm>
+          <a:prstGeom prst="rect">
+            <a:avLst/>
+          </a:prstGeom>
+          <a:noFill/>
+          <a:ln w="76200">
+            <a:solidFill>
+              <a:srgbClr val="C00000"/>
+            </a:solidFill>
+          </a:ln>
+        </p:spPr>
+        <p:style>
+          <a:lnRef idx="2">
+            <a:schemeClr val="accent1">
+              <a:shade val="50000"/>
+            </a:schemeClr>
+          </a:lnRef>
+          <a:fillRef idx="1">
+            <a:schemeClr val="accent1"/>
+          </a:fillRef>
+          <a:effectRef idx="0">
+            <a:schemeClr val="accent1"/>
+          </a:effectRef>
+          <a:fontRef idx="minor">
+            <a:schemeClr val="lt1"/>
+          </a:fontRef>
+        </p:style>
+        <p:txBody>
+          <a:bodyPr rtlCol="0" anchor="ctr"/>
+          <a:lstStyle/>
+          <a:p>
+            <a:pPr algn="ctr"/>
+            <a:endParaRPr lang="en-US"/>
+          </a:p>
+        </p:txBody>
+      </p:sp>
+    </p:spTree>
+    <p:extLst>
+      <p:ext uri="{BB962C8B-B14F-4D97-AF65-F5344CB8AC3E}">
+        <p14:creationId xmlns:p14="http://schemas.microsoft.com/office/powerpoint/2010/main" val="1582547232"/>
+      </p:ext>
+    </p:extLst>
+  </p:cSld>
+  <p:clrMapOvr>
+    <a:masterClrMapping/>
+  </p:clrMapOvr>
+</p:sld>
+</file>
+
+<file path=ppt/slides/slide4.xml><?xml version="1.0" encoding="utf-8"?>
+<p:sld xmlns:a="http://schemas.openxmlformats.org/drawingml/2006/main" xmlns:r="http://schemas.openxmlformats.org/officeDocument/2006/relationships" xmlns:p="http://schemas.openxmlformats.org/presentationml/2006/main">
+  <p:cSld>
+    <p:spTree>
+      <p:nvGrpSpPr>
+        <p:cNvPr id="1" name="Shape 94"/>
+        <p:cNvGrpSpPr/>
+        <p:nvPr/>
+      </p:nvGrpSpPr>
+      <p:grpSpPr>
+        <a:xfrm>
+          <a:off x="0" y="0"/>
+          <a:ext cx="0" cy="0"/>
+          <a:chOff x="0" y="0"/>
+          <a:chExt cx="0" cy="0"/>
+        </a:xfrm>
+      </p:grpSpPr>
+      <p:sp>
+        <p:nvSpPr>
+          <p:cNvPr id="95" name="Google Shape;95;p6"/>
+          <p:cNvSpPr txBox="1">
+            <a:spLocks noGrp="1"/>
+          </p:cNvSpPr>
+          <p:nvPr>
+            <p:ph type="title"/>
+          </p:nvPr>
+        </p:nvSpPr>
+        <p:spPr>
+          <a:xfrm>
+            <a:off x="415600" y="86563"/>
+            <a:ext cx="11360700" cy="763500"/>
+          </a:xfrm>
+          <a:prstGeom prst="rect">
+            <a:avLst/>
+          </a:prstGeom>
+          <a:noFill/>
+          <a:ln>
+            <a:noFill/>
+          </a:ln>
+        </p:spPr>
+        <p:txBody>
+          <a:bodyPr spcFirstLastPara="1" wrap="square" lIns="121900" tIns="121900" rIns="121900" bIns="121900" anchor="t" anchorCtr="0">
+            <a:noAutofit/>
+          </a:bodyPr>
+          <a:lstStyle/>
+          <a:p>
+            <a:pPr marL="0" lvl="0" indent="0" algn="l" rtl="0">
+              <a:lnSpc>
+                <a:spcPct val="100000"/>
+              </a:lnSpc>
+              <a:spcBef>
+                <a:spcPts val="0"/>
+              </a:spcBef>
+              <a:spcAft>
+                <a:spcPts val="0"/>
+              </a:spcAft>
+              <a:buClr>
+                <a:srgbClr val="FFFFFF"/>
+              </a:buClr>
+              <a:buSzPts val="3700"/>
+              <a:buNone/>
+            </a:pPr>
+            <a:r>
+              <a:rPr lang="en-US"/>
+              <a:t>Understanding what the model is doing</a:t>
+            </a:r>
+            <a:endParaRPr/>
+          </a:p>
+        </p:txBody>
+      </p:sp>
+      <p:sp>
+        <p:nvSpPr>
+          <p:cNvPr id="96" name="Google Shape;96;p6"/>
+          <p:cNvSpPr txBox="1">
+            <a:spLocks noGrp="1"/>
+          </p:cNvSpPr>
+          <p:nvPr>
+            <p:ph type="body" idx="1"/>
+          </p:nvPr>
+        </p:nvSpPr>
+        <p:spPr>
+          <a:xfrm>
+            <a:off x="415600" y="1536633"/>
+            <a:ext cx="11360700" cy="4555200"/>
+          </a:xfrm>
+          <a:prstGeom prst="rect">
+            <a:avLst/>
+          </a:prstGeom>
+          <a:noFill/>
+          <a:ln>
+            <a:noFill/>
+          </a:ln>
+        </p:spPr>
+        <p:txBody>
+          <a:bodyPr spcFirstLastPara="1" wrap="square" lIns="121900" tIns="121900" rIns="121900" bIns="121900" anchor="t" anchorCtr="0">
+            <a:noAutofit/>
+          </a:bodyPr>
+          <a:lstStyle/>
+          <a:p>
+            <a:pPr marL="457200" lvl="0" indent="-381000" algn="l" rtl="0">
+              <a:lnSpc>
+                <a:spcPct val="115000"/>
+              </a:lnSpc>
+              <a:spcBef>
+                <a:spcPts val="0"/>
+              </a:spcBef>
+              <a:spcAft>
+                <a:spcPts val="0"/>
+              </a:spcAft>
+              <a:buClr>
+                <a:srgbClr val="434343"/>
+              </a:buClr>
+              <a:buSzPts val="2400"/>
+              <a:buChar char="●"/>
+            </a:pPr>
+            <a:r>
+              <a:rPr lang="en-US"/>
+              <a:t>Look at the model</a:t>
+            </a:r>
+            <a:endParaRPr/>
+          </a:p>
+          <a:p>
+            <a:pPr marL="457200" lvl="0" indent="-381000" algn="l" rtl="0">
+              <a:lnSpc>
+                <a:spcPct val="115000"/>
+              </a:lnSpc>
+              <a:spcBef>
+                <a:spcPts val="0"/>
+              </a:spcBef>
+              <a:spcAft>
+                <a:spcPts val="0"/>
+              </a:spcAft>
+              <a:buClr>
+                <a:srgbClr val="434343"/>
+              </a:buClr>
+              <a:buSzPts val="2400"/>
+              <a:buChar char="●"/>
+            </a:pPr>
+            <a:r>
+              <a:rPr lang="en-US"/>
+              <a:t>Look at score distributions and calibration</a:t>
+            </a:r>
+            <a:endParaRPr/>
+          </a:p>
+          <a:p>
+            <a:pPr marL="457200" lvl="0" indent="-381000" algn="l" rtl="0">
+              <a:lnSpc>
+                <a:spcPct val="115000"/>
+              </a:lnSpc>
+              <a:spcBef>
+                <a:spcPts val="0"/>
+              </a:spcBef>
+              <a:spcAft>
+                <a:spcPts val="0"/>
+              </a:spcAft>
+              <a:buClr>
+                <a:srgbClr val="434343"/>
+              </a:buClr>
+              <a:buSzPts val="2400"/>
+              <a:buChar char="●"/>
+            </a:pPr>
+            <a:r>
+              <a:rPr lang="en-US"/>
+              <a:t>Look at Feature Importances</a:t>
+            </a:r>
+            <a:endParaRPr/>
+          </a:p>
+          <a:p>
+            <a:pPr marL="457200" lvl="0" indent="-381000" algn="l" rtl="0">
+              <a:lnSpc>
+                <a:spcPct val="115000"/>
+              </a:lnSpc>
+              <a:spcBef>
+                <a:spcPts val="0"/>
+              </a:spcBef>
+              <a:spcAft>
+                <a:spcPts val="0"/>
+              </a:spcAft>
+              <a:buClr>
+                <a:srgbClr val="434343"/>
+              </a:buClr>
+              <a:buSzPts val="2400"/>
+              <a:buChar char="●"/>
+            </a:pPr>
+            <a:r>
+              <a:rPr lang="en-US"/>
+              <a:t>Look at contributions of feature groups </a:t>
+            </a:r>
+            <a:endParaRPr/>
+          </a:p>
+          <a:p>
+            <a:pPr marL="457200" lvl="0" indent="0" algn="l" rtl="0">
+              <a:lnSpc>
+                <a:spcPct val="115000"/>
+              </a:lnSpc>
+              <a:spcBef>
+                <a:spcPts val="0"/>
+              </a:spcBef>
+              <a:spcAft>
+                <a:spcPts val="0"/>
+              </a:spcAft>
+              <a:buNone/>
+            </a:pPr>
+            <a:endParaRPr/>
+          </a:p>
+          <a:p>
+            <a:pPr marL="457200" lvl="0" indent="-381000" algn="l" rtl="0">
+              <a:lnSpc>
+                <a:spcPct val="115000"/>
+              </a:lnSpc>
+              <a:spcBef>
+                <a:spcPts val="0"/>
+              </a:spcBef>
+              <a:spcAft>
+                <a:spcPts val="0"/>
+              </a:spcAft>
+              <a:buClr>
+                <a:srgbClr val="434343"/>
+              </a:buClr>
+              <a:buSzPts val="2400"/>
+              <a:buChar char="●"/>
+            </a:pPr>
+            <a:r>
+              <a:rPr lang="en-US"/>
+              <a:t>Cross-Tabs on the “predictions”</a:t>
+            </a:r>
+            <a:endParaRPr/>
+          </a:p>
+          <a:p>
+            <a:pPr marL="457200" lvl="0" indent="-381000" algn="l" rtl="0">
+              <a:lnSpc>
+                <a:spcPct val="115000"/>
+              </a:lnSpc>
+              <a:spcBef>
+                <a:spcPts val="0"/>
+              </a:spcBef>
+              <a:spcAft>
+                <a:spcPts val="0"/>
+              </a:spcAft>
+              <a:buClr>
+                <a:srgbClr val="434343"/>
+              </a:buClr>
+              <a:buSzPts val="2400"/>
+              <a:buChar char="●"/>
+            </a:pPr>
+            <a:r>
+              <a:rPr lang="en-US"/>
+              <a:t>Error Analysis</a:t>
+            </a:r>
+            <a:endParaRPr/>
+          </a:p>
+          <a:p>
+            <a:pPr marL="457200" lvl="0" indent="-228600" algn="l" rtl="0">
+              <a:lnSpc>
+                <a:spcPct val="115000"/>
+              </a:lnSpc>
+              <a:spcBef>
+                <a:spcPts val="0"/>
+              </a:spcBef>
+              <a:spcAft>
+                <a:spcPts val="0"/>
+              </a:spcAft>
+              <a:buClr>
+                <a:srgbClr val="434343"/>
+              </a:buClr>
+              <a:buSzPts val="2400"/>
+              <a:buNone/>
+            </a:pPr>
+            <a:endParaRPr/>
+          </a:p>
+        </p:txBody>
+      </p:sp>
+    </p:spTree>
+    <p:extLst>
+      <p:ext uri="{BB962C8B-B14F-4D97-AF65-F5344CB8AC3E}">
+        <p14:creationId xmlns:p14="http://schemas.microsoft.com/office/powerpoint/2010/main" val="1431794210"/>
+      </p:ext>
+    </p:extLst>
+  </p:cSld>
+  <p:clrMapOvr>
+    <a:masterClrMapping/>
+  </p:clrMapOvr>
+</p:sld>
+</file>
+
+<file path=ppt/slides/slide5.xml><?xml version="1.0" encoding="utf-8"?>
+<p:sld xmlns:a="http://schemas.openxmlformats.org/drawingml/2006/main" xmlns:r="http://schemas.openxmlformats.org/officeDocument/2006/relationships" xmlns:p="http://schemas.openxmlformats.org/presentationml/2006/main">
+  <p:cSld>
+    <p:spTree>
+      <p:nvGrpSpPr>
+        <p:cNvPr id="1" name="Shape 100"/>
+        <p:cNvGrpSpPr/>
+        <p:nvPr/>
+      </p:nvGrpSpPr>
+      <p:grpSpPr>
+        <a:xfrm>
+          <a:off x="0" y="0"/>
+          <a:ext cx="0" cy="0"/>
+          <a:chOff x="0" y="0"/>
+          <a:chExt cx="0" cy="0"/>
+        </a:xfrm>
+      </p:grpSpPr>
+      <p:sp>
+        <p:nvSpPr>
+          <p:cNvPr id="101" name="Google Shape;101;p29"/>
+          <p:cNvSpPr txBox="1">
+            <a:spLocks noGrp="1"/>
+          </p:cNvSpPr>
+          <p:nvPr>
+            <p:ph type="title"/>
+          </p:nvPr>
+        </p:nvSpPr>
+        <p:spPr>
+          <a:xfrm>
+            <a:off x="415600" y="86563"/>
+            <a:ext cx="11360700" cy="763500"/>
+          </a:xfrm>
+          <a:prstGeom prst="rect">
+            <a:avLst/>
+          </a:prstGeom>
+          <a:noFill/>
+          <a:ln>
+            <a:noFill/>
+          </a:ln>
+        </p:spPr>
+        <p:txBody>
+          <a:bodyPr spcFirstLastPara="1" wrap="square" lIns="121900" tIns="121900" rIns="121900" bIns="121900" anchor="t" anchorCtr="0">
+            <a:noAutofit/>
+          </a:bodyPr>
+          <a:lstStyle/>
+          <a:p>
+            <a:pPr marL="0" lvl="0" indent="0" algn="l" rtl="0">
+              <a:lnSpc>
+                <a:spcPct val="100000"/>
+              </a:lnSpc>
+              <a:spcBef>
+                <a:spcPts val="0"/>
+              </a:spcBef>
+              <a:spcAft>
+                <a:spcPts val="0"/>
+              </a:spcAft>
+              <a:buClr>
+                <a:srgbClr val="FFFFFF"/>
+              </a:buClr>
+              <a:buSzPts val="3700"/>
+              <a:buNone/>
+            </a:pPr>
+            <a:r>
+              <a:rPr lang="en-US"/>
+              <a:t>How to interpret specific models</a:t>
+            </a:r>
+            <a:endParaRPr/>
+          </a:p>
+        </p:txBody>
+      </p:sp>
+      <p:sp>
+        <p:nvSpPr>
+          <p:cNvPr id="102" name="Google Shape;102;p29"/>
+          <p:cNvSpPr txBox="1">
+            <a:spLocks noGrp="1"/>
+          </p:cNvSpPr>
+          <p:nvPr>
+            <p:ph type="body" idx="1"/>
+          </p:nvPr>
+        </p:nvSpPr>
+        <p:spPr>
+          <a:xfrm>
+            <a:off x="415600" y="1536633"/>
+            <a:ext cx="11360700" cy="4555200"/>
+          </a:xfrm>
+          <a:prstGeom prst="rect">
+            <a:avLst/>
+          </a:prstGeom>
+          <a:noFill/>
+          <a:ln>
+            <a:noFill/>
+          </a:ln>
+        </p:spPr>
+        <p:txBody>
+          <a:bodyPr spcFirstLastPara="1" wrap="square" lIns="121900" tIns="121900" rIns="121900" bIns="121900" anchor="t" anchorCtr="0">
+            <a:noAutofit/>
+          </a:bodyPr>
+          <a:lstStyle/>
+          <a:p>
+            <a:pPr marL="457200" lvl="0" indent="-381000" algn="l" rtl="0">
+              <a:lnSpc>
+                <a:spcPct val="115000"/>
+              </a:lnSpc>
+              <a:spcBef>
+                <a:spcPts val="0"/>
+              </a:spcBef>
+              <a:spcAft>
+                <a:spcPts val="0"/>
+              </a:spcAft>
+              <a:buClr>
+                <a:srgbClr val="434343"/>
+              </a:buClr>
+              <a:buSzPts val="2400"/>
+              <a:buChar char="●"/>
+            </a:pPr>
+            <a:r>
+              <a:rPr lang="en-US"/>
+              <a:t>Decision Trees</a:t>
+            </a:r>
+            <a:endParaRPr/>
+          </a:p>
+          <a:p>
+            <a:pPr marL="457200" lvl="0" indent="-381000" algn="l" rtl="0">
+              <a:lnSpc>
+                <a:spcPct val="115000"/>
+              </a:lnSpc>
+              <a:spcBef>
+                <a:spcPts val="0"/>
+              </a:spcBef>
+              <a:spcAft>
+                <a:spcPts val="0"/>
+              </a:spcAft>
+              <a:buClr>
+                <a:srgbClr val="434343"/>
+              </a:buClr>
+              <a:buSzPts val="2400"/>
+              <a:buChar char="●"/>
+            </a:pPr>
+            <a:r>
+              <a:rPr lang="en-US"/>
+              <a:t>KNN</a:t>
+            </a:r>
+            <a:endParaRPr/>
+          </a:p>
+          <a:p>
+            <a:pPr marL="457200" lvl="0" indent="-381000" algn="l" rtl="0">
+              <a:lnSpc>
+                <a:spcPct val="115000"/>
+              </a:lnSpc>
+              <a:spcBef>
+                <a:spcPts val="0"/>
+              </a:spcBef>
+              <a:spcAft>
+                <a:spcPts val="0"/>
+              </a:spcAft>
+              <a:buClr>
+                <a:srgbClr val="434343"/>
+              </a:buClr>
+              <a:buSzPts val="2400"/>
+              <a:buChar char="●"/>
+            </a:pPr>
+            <a:r>
+              <a:rPr lang="en-US"/>
+              <a:t>SVMs</a:t>
+            </a:r>
+            <a:endParaRPr/>
+          </a:p>
+          <a:p>
+            <a:pPr marL="457200" lvl="0" indent="-381000" algn="l" rtl="0">
+              <a:lnSpc>
+                <a:spcPct val="115000"/>
+              </a:lnSpc>
+              <a:spcBef>
+                <a:spcPts val="0"/>
+              </a:spcBef>
+              <a:spcAft>
+                <a:spcPts val="0"/>
+              </a:spcAft>
+              <a:buClr>
+                <a:srgbClr val="434343"/>
+              </a:buClr>
+              <a:buSzPts val="2400"/>
+              <a:buChar char="●"/>
+            </a:pPr>
+            <a:r>
+              <a:rPr lang="en-US"/>
+              <a:t>RFs</a:t>
+            </a:r>
+            <a:endParaRPr/>
+          </a:p>
+          <a:p>
+            <a:pPr marL="457200" lvl="0" indent="-381000" algn="l" rtl="0">
+              <a:lnSpc>
+                <a:spcPct val="115000"/>
+              </a:lnSpc>
+              <a:spcBef>
+                <a:spcPts val="0"/>
+              </a:spcBef>
+              <a:spcAft>
+                <a:spcPts val="0"/>
+              </a:spcAft>
+              <a:buClr>
+                <a:srgbClr val="434343"/>
+              </a:buClr>
+              <a:buSzPts val="2400"/>
+              <a:buChar char="●"/>
+            </a:pPr>
+            <a:r>
+              <a:rPr lang="en-US"/>
+              <a:t>NNs</a:t>
+            </a:r>
+            <a:endParaRPr/>
+          </a:p>
+        </p:txBody>
+      </p:sp>
+    </p:spTree>
+    <p:extLst>
+      <p:ext uri="{BB962C8B-B14F-4D97-AF65-F5344CB8AC3E}">
+        <p14:creationId xmlns:p14="http://schemas.microsoft.com/office/powerpoint/2010/main" val="214034800"/>
+      </p:ext>
+    </p:extLst>
+  </p:cSld>
+  <p:clrMapOvr>
+    <a:masterClrMapping/>
+  </p:clrMapOvr>
+</p:sld>
+</file>
+
+<file path=ppt/slides/slide6.xml><?xml version="1.0" encoding="utf-8"?>
+<p:sld xmlns:a="http://schemas.openxmlformats.org/drawingml/2006/main" xmlns:r="http://schemas.openxmlformats.org/officeDocument/2006/relationships" xmlns:p="http://schemas.openxmlformats.org/presentationml/2006/main">
+  <p:cSld>
+    <p:spTree>
+      <p:nvGrpSpPr>
+        <p:cNvPr id="1" name="Shape 107"/>
+        <p:cNvGrpSpPr/>
+        <p:nvPr/>
+      </p:nvGrpSpPr>
+      <p:grpSpPr>
+        <a:xfrm>
+          <a:off x="0" y="0"/>
+          <a:ext cx="0" cy="0"/>
+          <a:chOff x="0" y="0"/>
+          <a:chExt cx="0" cy="0"/>
+        </a:xfrm>
+      </p:grpSpPr>
+      <p:sp>
+        <p:nvSpPr>
+          <p:cNvPr id="108" name="Google Shape;108;g71c382910d_0_0"/>
+          <p:cNvSpPr txBox="1">
+            <a:spLocks noGrp="1"/>
+          </p:cNvSpPr>
+          <p:nvPr>
+            <p:ph type="title"/>
+          </p:nvPr>
+        </p:nvSpPr>
+        <p:spPr>
+          <a:xfrm>
+            <a:off x="415600" y="86563"/>
+            <a:ext cx="11360700" cy="763500"/>
+          </a:xfrm>
+          <a:prstGeom prst="rect">
+            <a:avLst/>
+          </a:prstGeom>
+        </p:spPr>
+        <p:txBody>
+          <a:bodyPr spcFirstLastPara="1" wrap="square" lIns="121900" tIns="121900" rIns="121900" bIns="121900" anchor="t" anchorCtr="0">
+            <a:noAutofit/>
+          </a:bodyPr>
+          <a:lstStyle/>
+          <a:p>
+            <a:pPr marL="0" lvl="0" indent="0" algn="l" rtl="0">
+              <a:spcBef>
+                <a:spcPts val="0"/>
+              </a:spcBef>
+              <a:spcAft>
+                <a:spcPts val="0"/>
+              </a:spcAft>
+              <a:buNone/>
+            </a:pPr>
+            <a:r>
+              <a:rPr lang="en-US"/>
+              <a:t>Feature Importances</a:t>
+            </a:r>
+            <a:endParaRPr/>
+          </a:p>
+        </p:txBody>
+      </p:sp>
+      <p:sp>
+        <p:nvSpPr>
+          <p:cNvPr id="109" name="Google Shape;109;g71c382910d_0_0"/>
+          <p:cNvSpPr txBox="1">
+            <a:spLocks noGrp="1"/>
+          </p:cNvSpPr>
+          <p:nvPr>
+            <p:ph type="body" idx="1"/>
+          </p:nvPr>
+        </p:nvSpPr>
+        <p:spPr>
+          <a:xfrm>
+            <a:off x="415600" y="1536633"/>
+            <a:ext cx="11360700" cy="4555200"/>
+          </a:xfrm>
+          <a:prstGeom prst="rect">
+            <a:avLst/>
+          </a:prstGeom>
+        </p:spPr>
+        <p:txBody>
+          <a:bodyPr spcFirstLastPara="1" wrap="square" lIns="121900" tIns="121900" rIns="121900" bIns="121900" anchor="t" anchorCtr="0">
+            <a:noAutofit/>
+          </a:bodyPr>
+          <a:lstStyle/>
+          <a:p>
+            <a:pPr marL="0" lvl="0" indent="0" algn="l" rtl="0">
+              <a:spcBef>
+                <a:spcPts val="0"/>
+              </a:spcBef>
+              <a:spcAft>
+                <a:spcPts val="0"/>
+              </a:spcAft>
+              <a:buNone/>
+            </a:pPr>
+            <a:endParaRPr/>
+          </a:p>
+        </p:txBody>
+      </p:sp>
+    </p:spTree>
+    <p:extLst>
+      <p:ext uri="{BB962C8B-B14F-4D97-AF65-F5344CB8AC3E}">
+        <p14:creationId xmlns:p14="http://schemas.microsoft.com/office/powerpoint/2010/main" val="31147705"/>
+      </p:ext>
+    </p:extLst>
+  </p:cSld>
+  <p:clrMapOvr>
+    <a:masterClrMapping/>
+  </p:clrMapOvr>
+</p:sld>
+</file>
+
+<file path=ppt/slides/slide7.xml><?xml version="1.0" encoding="utf-8"?>
+<p:sld xmlns:a="http://schemas.openxmlformats.org/drawingml/2006/main" xmlns:r="http://schemas.openxmlformats.org/officeDocument/2006/relationships" xmlns:p="http://schemas.openxmlformats.org/presentationml/2006/main">
+  <p:cSld>
+    <p:spTree>
+      <p:nvGrpSpPr>
+        <p:cNvPr id="1" name="Shape 113"/>
+        <p:cNvGrpSpPr/>
+        <p:nvPr/>
+      </p:nvGrpSpPr>
+      <p:grpSpPr>
+        <a:xfrm>
+          <a:off x="0" y="0"/>
+          <a:ext cx="0" cy="0"/>
+          <a:chOff x="0" y="0"/>
+          <a:chExt cx="0" cy="0"/>
+        </a:xfrm>
+      </p:grpSpPr>
+      <p:sp>
+        <p:nvSpPr>
+          <p:cNvPr id="114" name="Google Shape;114;p8"/>
+          <p:cNvSpPr txBox="1">
+            <a:spLocks noGrp="1"/>
+          </p:cNvSpPr>
+          <p:nvPr>
+            <p:ph type="title"/>
+          </p:nvPr>
+        </p:nvSpPr>
+        <p:spPr>
+          <a:xfrm>
+            <a:off x="415600" y="86563"/>
+            <a:ext cx="11360700" cy="763500"/>
+          </a:xfrm>
+          <a:prstGeom prst="rect">
+            <a:avLst/>
+          </a:prstGeom>
+          <a:noFill/>
+          <a:ln>
+            <a:noFill/>
+          </a:ln>
+        </p:spPr>
+        <p:txBody>
+          <a:bodyPr spcFirstLastPara="1" wrap="square" lIns="121900" tIns="121900" rIns="121900" bIns="121900" anchor="t" anchorCtr="0">
+            <a:noAutofit/>
+          </a:bodyPr>
+          <a:lstStyle/>
+          <a:p>
+            <a:pPr marL="0" lvl="0" indent="0" algn="l" rtl="0">
+              <a:lnSpc>
+                <a:spcPct val="100000"/>
+              </a:lnSpc>
+              <a:spcBef>
+                <a:spcPts val="0"/>
+              </a:spcBef>
+              <a:spcAft>
+                <a:spcPts val="0"/>
+              </a:spcAft>
+              <a:buClr>
+                <a:srgbClr val="FFFFFF"/>
+              </a:buClr>
+              <a:buSzPts val="3700"/>
+              <a:buNone/>
+            </a:pPr>
+            <a:r>
+              <a:rPr lang="en-US"/>
+              <a:t>Leave one out feature groups</a:t>
+            </a:r>
+            <a:endParaRPr/>
+          </a:p>
+        </p:txBody>
+      </p:sp>
+      <p:sp>
+        <p:nvSpPr>
+          <p:cNvPr id="115" name="Google Shape;115;p8"/>
+          <p:cNvSpPr txBox="1">
+            <a:spLocks noGrp="1"/>
+          </p:cNvSpPr>
+          <p:nvPr>
+            <p:ph type="body" idx="1"/>
+          </p:nvPr>
+        </p:nvSpPr>
+        <p:spPr>
+          <a:xfrm>
+            <a:off x="415600" y="1536633"/>
+            <a:ext cx="11360700" cy="4555200"/>
+          </a:xfrm>
+          <a:prstGeom prst="rect">
+            <a:avLst/>
+          </a:prstGeom>
+          <a:noFill/>
+          <a:ln>
+            <a:noFill/>
+          </a:ln>
+        </p:spPr>
+        <p:txBody>
+          <a:bodyPr spcFirstLastPara="1" wrap="square" lIns="121900" tIns="121900" rIns="121900" bIns="121900" anchor="t" anchorCtr="0">
+            <a:noAutofit/>
+          </a:bodyPr>
+          <a:lstStyle/>
+          <a:p>
+            <a:pPr marL="457200" lvl="0" indent="-381000" algn="l" rtl="0">
+              <a:lnSpc>
+                <a:spcPct val="115000"/>
+              </a:lnSpc>
+              <a:spcBef>
+                <a:spcPts val="0"/>
+              </a:spcBef>
+              <a:spcAft>
+                <a:spcPts val="0"/>
+              </a:spcAft>
+              <a:buClr>
+                <a:srgbClr val="434343"/>
+              </a:buClr>
+              <a:buSzPts val="2400"/>
+              <a:buChar char="●"/>
+            </a:pPr>
+            <a:r>
+              <a:rPr lang="en-US"/>
+              <a:t>Predictive Utility of a Feature Group:</a:t>
+            </a:r>
+            <a:endParaRPr/>
+          </a:p>
+          <a:p>
+            <a:pPr marL="914400" lvl="1" indent="-349250" algn="l" rtl="0">
+              <a:lnSpc>
+                <a:spcPct val="115000"/>
+              </a:lnSpc>
+              <a:spcBef>
+                <a:spcPts val="2100"/>
+              </a:spcBef>
+              <a:spcAft>
+                <a:spcPts val="0"/>
+              </a:spcAft>
+              <a:buSzPts val="1900"/>
+              <a:buChar char="○"/>
+            </a:pPr>
+            <a:r>
+              <a:rPr lang="en-US"/>
+              <a:t>Run models with all feature groups</a:t>
+            </a:r>
+            <a:endParaRPr/>
+          </a:p>
+          <a:p>
+            <a:pPr marL="914400" lvl="1" indent="-349250" algn="l" rtl="0">
+              <a:lnSpc>
+                <a:spcPct val="115000"/>
+              </a:lnSpc>
+              <a:spcBef>
+                <a:spcPts val="2100"/>
+              </a:spcBef>
+              <a:spcAft>
+                <a:spcPts val="0"/>
+              </a:spcAft>
+              <a:buSzPts val="1900"/>
+              <a:buChar char="○"/>
+            </a:pPr>
+            <a:r>
+              <a:rPr lang="en-US"/>
+              <a:t>Run models with only 1 feature group</a:t>
+            </a:r>
+            <a:endParaRPr/>
+          </a:p>
+          <a:p>
+            <a:pPr marL="914400" lvl="1" indent="-349250" algn="l" rtl="0">
+              <a:lnSpc>
+                <a:spcPct val="115000"/>
+              </a:lnSpc>
+              <a:spcBef>
+                <a:spcPts val="2100"/>
+              </a:spcBef>
+              <a:spcAft>
+                <a:spcPts val="0"/>
+              </a:spcAft>
+              <a:buSzPts val="1900"/>
+              <a:buChar char="○"/>
+            </a:pPr>
+            <a:r>
+              <a:rPr lang="en-US"/>
+              <a:t>Run models with all except 1 feature group</a:t>
+            </a:r>
+            <a:endParaRPr/>
+          </a:p>
+        </p:txBody>
+      </p:sp>
+    </p:spTree>
+    <p:extLst>
+      <p:ext uri="{BB962C8B-B14F-4D97-AF65-F5344CB8AC3E}">
+        <p14:creationId xmlns:p14="http://schemas.microsoft.com/office/powerpoint/2010/main" val="2494711182"/>
+      </p:ext>
+    </p:extLst>
+  </p:cSld>
+  <p:clrMapOvr>
+    <a:masterClrMapping/>
+  </p:clrMapOvr>
+</p:sld>
+</file>
+
+<file path=ppt/slides/slide8.xml><?xml version="1.0" encoding="utf-8"?>
+<p:sld xmlns:a="http://schemas.openxmlformats.org/drawingml/2006/main" xmlns:r="http://schemas.openxmlformats.org/officeDocument/2006/relationships" xmlns:p="http://schemas.openxmlformats.org/presentationml/2006/main">
+  <p:cSld>
+    <p:spTree>
+      <p:nvGrpSpPr>
+        <p:cNvPr id="1" name="Shape 126"/>
+        <p:cNvGrpSpPr/>
+        <p:nvPr/>
+      </p:nvGrpSpPr>
+      <p:grpSpPr>
+        <a:xfrm>
+          <a:off x="0" y="0"/>
+          <a:ext cx="0" cy="0"/>
+          <a:chOff x="0" y="0"/>
+          <a:chExt cx="0" cy="0"/>
+        </a:xfrm>
+      </p:grpSpPr>
+      <p:sp>
+        <p:nvSpPr>
+          <p:cNvPr id="127" name="Google Shape;127;p28"/>
+          <p:cNvSpPr txBox="1">
+            <a:spLocks noGrp="1"/>
+          </p:cNvSpPr>
+          <p:nvPr>
+            <p:ph type="title"/>
+          </p:nvPr>
+        </p:nvSpPr>
+        <p:spPr>
+          <a:xfrm>
+            <a:off x="415600" y="86563"/>
+            <a:ext cx="11360700" cy="763500"/>
+          </a:xfrm>
+          <a:prstGeom prst="rect">
+            <a:avLst/>
+          </a:prstGeom>
+          <a:noFill/>
+          <a:ln>
+            <a:noFill/>
+          </a:ln>
+        </p:spPr>
+        <p:txBody>
+          <a:bodyPr spcFirstLastPara="1" wrap="square" lIns="121900" tIns="121900" rIns="121900" bIns="121900" anchor="t" anchorCtr="0">
+            <a:noAutofit/>
+          </a:bodyPr>
+          <a:lstStyle/>
+          <a:p>
+            <a:pPr marL="0" lvl="0" indent="0" algn="l" rtl="0">
+              <a:lnSpc>
+                <a:spcPct val="100000"/>
+              </a:lnSpc>
+              <a:spcBef>
+                <a:spcPts val="0"/>
+              </a:spcBef>
+              <a:spcAft>
+                <a:spcPts val="0"/>
+              </a:spcAft>
+              <a:buClr>
+                <a:srgbClr val="FFFFFF"/>
+              </a:buClr>
+              <a:buSzPts val="3700"/>
+              <a:buNone/>
+            </a:pPr>
+            <a:r>
+              <a:rPr lang="en-US"/>
+              <a:t>Understanding Predictions</a:t>
+            </a:r>
+            <a:endParaRPr/>
+          </a:p>
+        </p:txBody>
+      </p:sp>
+      <p:sp>
+        <p:nvSpPr>
+          <p:cNvPr id="128" name="Google Shape;128;p28"/>
+          <p:cNvSpPr txBox="1">
+            <a:spLocks noGrp="1"/>
+          </p:cNvSpPr>
+          <p:nvPr>
+            <p:ph type="body" idx="1"/>
+          </p:nvPr>
+        </p:nvSpPr>
+        <p:spPr>
+          <a:xfrm>
+            <a:off x="415600" y="1536633"/>
+            <a:ext cx="11360700" cy="4555200"/>
+          </a:xfrm>
+          <a:prstGeom prst="rect">
+            <a:avLst/>
+          </a:prstGeom>
+          <a:noFill/>
+          <a:ln>
+            <a:noFill/>
+          </a:ln>
+        </p:spPr>
+        <p:txBody>
+          <a:bodyPr spcFirstLastPara="1" wrap="square" lIns="121900" tIns="121900" rIns="121900" bIns="121900" anchor="t" anchorCtr="0">
+            <a:noAutofit/>
+          </a:bodyPr>
+          <a:lstStyle/>
+          <a:p>
+            <a:pPr marL="457200" lvl="0" indent="-381000" algn="l" rtl="0">
+              <a:lnSpc>
+                <a:spcPct val="115000"/>
+              </a:lnSpc>
+              <a:spcBef>
+                <a:spcPts val="0"/>
+              </a:spcBef>
+              <a:spcAft>
+                <a:spcPts val="0"/>
+              </a:spcAft>
+              <a:buClr>
+                <a:srgbClr val="434343"/>
+              </a:buClr>
+              <a:buSzPts val="2400"/>
+              <a:buChar char="●"/>
+            </a:pPr>
+            <a:r>
+              <a:rPr lang="en-US"/>
+              <a:t>Score Distributions</a:t>
+            </a:r>
+            <a:br>
+              <a:rPr lang="en-US"/>
+            </a:br>
+            <a:endParaRPr/>
+          </a:p>
+          <a:p>
+            <a:pPr marL="457200" lvl="0" indent="-381000" algn="l" rtl="0">
+              <a:lnSpc>
+                <a:spcPct val="115000"/>
+              </a:lnSpc>
+              <a:spcBef>
+                <a:spcPts val="0"/>
+              </a:spcBef>
+              <a:spcAft>
+                <a:spcPts val="0"/>
+              </a:spcAft>
+              <a:buSzPts val="2400"/>
+              <a:buChar char="●"/>
+            </a:pPr>
+            <a:r>
+              <a:rPr lang="en-US"/>
+              <a:t>Stack-Ranking and Calibration</a:t>
+            </a:r>
+            <a:br>
+              <a:rPr lang="en-US"/>
+            </a:br>
+            <a:endParaRPr/>
+          </a:p>
+          <a:p>
+            <a:pPr marL="457200" lvl="0" indent="-381000" algn="l" rtl="0">
+              <a:lnSpc>
+                <a:spcPct val="115000"/>
+              </a:lnSpc>
+              <a:spcBef>
+                <a:spcPts val="0"/>
+              </a:spcBef>
+              <a:spcAft>
+                <a:spcPts val="0"/>
+              </a:spcAft>
+              <a:buClr>
+                <a:srgbClr val="434343"/>
+              </a:buClr>
+              <a:buSzPts val="2400"/>
+              <a:buChar char="●"/>
+            </a:pPr>
+            <a:r>
+              <a:rPr lang="en-US"/>
+              <a:t>Cross-Tabs</a:t>
+            </a:r>
+            <a:br>
+              <a:rPr lang="en-US"/>
+            </a:br>
+            <a:endParaRPr/>
+          </a:p>
+          <a:p>
+            <a:pPr marL="457200" lvl="0" indent="-381000" algn="l" rtl="0">
+              <a:lnSpc>
+                <a:spcPct val="115000"/>
+              </a:lnSpc>
+              <a:spcBef>
+                <a:spcPts val="0"/>
+              </a:spcBef>
+              <a:spcAft>
+                <a:spcPts val="0"/>
+              </a:spcAft>
+              <a:buSzPts val="2400"/>
+              <a:buChar char="●"/>
+            </a:pPr>
+            <a:r>
+              <a:rPr lang="en-US"/>
+              <a:t>Clustering</a:t>
+            </a:r>
+            <a:endParaRPr/>
+          </a:p>
+        </p:txBody>
+      </p:sp>
+    </p:spTree>
+    <p:extLst>
+      <p:ext uri="{BB962C8B-B14F-4D97-AF65-F5344CB8AC3E}">
+        <p14:creationId xmlns:p14="http://schemas.microsoft.com/office/powerpoint/2010/main" val="3328185221"/>
+      </p:ext>
+    </p:extLst>
+  </p:cSld>
+  <p:clrMapOvr>
+    <a:masterClrMapping/>
+  </p:clrMapOvr>
+</p:sld>
+</file>
+
+<file path=ppt/slides/slide9.xml><?xml version="1.0" encoding="utf-8"?>
 <p:sld xmlns:a="http://schemas.openxmlformats.org/drawingml/2006/main" xmlns:r="http://schemas.openxmlformats.org/officeDocument/2006/relationships" xmlns:p="http://schemas.openxmlformats.org/presentationml/2006/main">
   <p:cSld>
     <p:spTree>
@@ -14597,2273 +17021,6 @@
 </p:sld>
 </file>
 
-<file path=ppt/slides/slide11.xml><?xml version="1.0" encoding="utf-8"?>
-<p:sld xmlns:a="http://schemas.openxmlformats.org/drawingml/2006/main" xmlns:r="http://schemas.openxmlformats.org/officeDocument/2006/relationships" xmlns:p="http://schemas.openxmlformats.org/presentationml/2006/main">
-  <p:cSld>
-    <p:spTree>
-      <p:nvGrpSpPr>
-        <p:cNvPr id="1" name="Shape 142"/>
-        <p:cNvGrpSpPr/>
-        <p:nvPr/>
-      </p:nvGrpSpPr>
-      <p:grpSpPr>
-        <a:xfrm>
-          <a:off x="0" y="0"/>
-          <a:ext cx="0" cy="0"/>
-          <a:chOff x="0" y="0"/>
-          <a:chExt cx="0" cy="0"/>
-        </a:xfrm>
-      </p:grpSpPr>
-      <p:sp>
-        <p:nvSpPr>
-          <p:cNvPr id="143" name="Google Shape;143;p12"/>
-          <p:cNvSpPr txBox="1">
-            <a:spLocks noGrp="1"/>
-          </p:cNvSpPr>
-          <p:nvPr>
-            <p:ph type="title"/>
-          </p:nvPr>
-        </p:nvSpPr>
-        <p:spPr>
-          <a:xfrm>
-            <a:off x="415600" y="86563"/>
-            <a:ext cx="11360700" cy="763500"/>
-          </a:xfrm>
-          <a:prstGeom prst="rect">
-            <a:avLst/>
-          </a:prstGeom>
-          <a:noFill/>
-          <a:ln>
-            <a:noFill/>
-          </a:ln>
-        </p:spPr>
-        <p:txBody>
-          <a:bodyPr spcFirstLastPara="1" wrap="square" lIns="121900" tIns="121900" rIns="121900" bIns="121900" anchor="t" anchorCtr="0">
-            <a:noAutofit/>
-          </a:bodyPr>
-          <a:lstStyle/>
-          <a:p>
-            <a:pPr marL="0" lvl="0" indent="0" algn="l" rtl="0">
-              <a:lnSpc>
-                <a:spcPct val="100000"/>
-              </a:lnSpc>
-              <a:spcBef>
-                <a:spcPts val="0"/>
-              </a:spcBef>
-              <a:spcAft>
-                <a:spcPts val="0"/>
-              </a:spcAft>
-              <a:buClr>
-                <a:srgbClr val="FFFFFF"/>
-              </a:buClr>
-              <a:buSzPts val="3700"/>
-              <a:buNone/>
-            </a:pPr>
-            <a:endParaRPr/>
-          </a:p>
-        </p:txBody>
-      </p:sp>
-      <p:sp>
-        <p:nvSpPr>
-          <p:cNvPr id="144" name="Google Shape;144;p12"/>
-          <p:cNvSpPr txBox="1">
-            <a:spLocks noGrp="1"/>
-          </p:cNvSpPr>
-          <p:nvPr>
-            <p:ph type="body" idx="1"/>
-          </p:nvPr>
-        </p:nvSpPr>
-        <p:spPr>
-          <a:xfrm>
-            <a:off x="415600" y="1536633"/>
-            <a:ext cx="11360700" cy="4555200"/>
-          </a:xfrm>
-          <a:prstGeom prst="rect">
-            <a:avLst/>
-          </a:prstGeom>
-          <a:noFill/>
-          <a:ln>
-            <a:noFill/>
-          </a:ln>
-        </p:spPr>
-        <p:txBody>
-          <a:bodyPr spcFirstLastPara="1" wrap="square" lIns="121900" tIns="121900" rIns="121900" bIns="121900" anchor="t" anchorCtr="0">
-            <a:noAutofit/>
-          </a:bodyPr>
-          <a:lstStyle/>
-          <a:p>
-            <a:pPr marL="457200" lvl="0" indent="-228600" algn="l" rtl="0">
-              <a:lnSpc>
-                <a:spcPct val="115000"/>
-              </a:lnSpc>
-              <a:spcBef>
-                <a:spcPts val="0"/>
-              </a:spcBef>
-              <a:spcAft>
-                <a:spcPts val="0"/>
-              </a:spcAft>
-              <a:buClr>
-                <a:srgbClr val="434343"/>
-              </a:buClr>
-              <a:buSzPts val="2400"/>
-              <a:buNone/>
-            </a:pPr>
-            <a:endParaRPr/>
-          </a:p>
-        </p:txBody>
-      </p:sp>
-      <p:pic>
-        <p:nvPicPr>
-          <p:cNvPr id="145" name="Google Shape;145;p12" descr="https://lh6.googleusercontent.com/J9csIAg3Em8INTi6dtkJOZYjPqT-yzUNF-ozlkmq8XOOm12VdBC4YT4T9W0vZVXr6VZHLBddAZVsL4IG0DRgsVRcLw5aTlCyHTIRmlr8cy8LSCqzvEOeOncabJ4smWyhYm7WdpmRKSM"/>
-          <p:cNvPicPr preferRelativeResize="0"/>
-          <p:nvPr/>
-        </p:nvPicPr>
-        <p:blipFill rotWithShape="1">
-          <a:blip r:embed="rId3">
-            <a:alphaModFix/>
-          </a:blip>
-          <a:srcRect/>
-          <a:stretch/>
-        </p:blipFill>
-        <p:spPr>
-          <a:xfrm>
-            <a:off x="0" y="1712385"/>
-            <a:ext cx="12192000" cy="4040716"/>
-          </a:xfrm>
-          <a:prstGeom prst="rect">
-            <a:avLst/>
-          </a:prstGeom>
-          <a:noFill/>
-          <a:ln>
-            <a:noFill/>
-          </a:ln>
-        </p:spPr>
-      </p:pic>
-    </p:spTree>
-    <p:extLst>
-      <p:ext uri="{BB962C8B-B14F-4D97-AF65-F5344CB8AC3E}">
-        <p14:creationId xmlns:p14="http://schemas.microsoft.com/office/powerpoint/2010/main" val="2633421027"/>
-      </p:ext>
-    </p:extLst>
-  </p:cSld>
-  <p:clrMapOvr>
-    <a:masterClrMapping/>
-  </p:clrMapOvr>
-</p:sld>
-</file>
-
-<file path=ppt/slides/slide12.xml><?xml version="1.0" encoding="utf-8"?>
-<p:sld xmlns:a="http://schemas.openxmlformats.org/drawingml/2006/main" xmlns:r="http://schemas.openxmlformats.org/officeDocument/2006/relationships" xmlns:p="http://schemas.openxmlformats.org/presentationml/2006/main">
-  <p:cSld>
-    <p:spTree>
-      <p:nvGrpSpPr>
-        <p:cNvPr id="1" name="Shape 149"/>
-        <p:cNvGrpSpPr/>
-        <p:nvPr/>
-      </p:nvGrpSpPr>
-      <p:grpSpPr>
-        <a:xfrm>
-          <a:off x="0" y="0"/>
-          <a:ext cx="0" cy="0"/>
-          <a:chOff x="0" y="0"/>
-          <a:chExt cx="0" cy="0"/>
-        </a:xfrm>
-      </p:grpSpPr>
-      <p:sp>
-        <p:nvSpPr>
-          <p:cNvPr id="150" name="Google Shape;150;p10"/>
-          <p:cNvSpPr txBox="1">
-            <a:spLocks noGrp="1"/>
-          </p:cNvSpPr>
-          <p:nvPr>
-            <p:ph type="title"/>
-          </p:nvPr>
-        </p:nvSpPr>
-        <p:spPr>
-          <a:xfrm>
-            <a:off x="415600" y="86563"/>
-            <a:ext cx="11360700" cy="763500"/>
-          </a:xfrm>
-          <a:prstGeom prst="rect">
-            <a:avLst/>
-          </a:prstGeom>
-          <a:noFill/>
-          <a:ln>
-            <a:noFill/>
-          </a:ln>
-        </p:spPr>
-        <p:txBody>
-          <a:bodyPr spcFirstLastPara="1" wrap="square" lIns="121900" tIns="121900" rIns="121900" bIns="121900" anchor="t" anchorCtr="0">
-            <a:noAutofit/>
-          </a:bodyPr>
-          <a:lstStyle/>
-          <a:p>
-            <a:pPr marL="0" lvl="0" indent="0" algn="l" rtl="0">
-              <a:lnSpc>
-                <a:spcPct val="100000"/>
-              </a:lnSpc>
-              <a:spcBef>
-                <a:spcPts val="0"/>
-              </a:spcBef>
-              <a:spcAft>
-                <a:spcPts val="0"/>
-              </a:spcAft>
-              <a:buClr>
-                <a:srgbClr val="FFFFFF"/>
-              </a:buClr>
-              <a:buSzPts val="3700"/>
-              <a:buNone/>
-            </a:pPr>
-            <a:r>
-              <a:rPr lang="en-US"/>
-              <a:t>Cross-Tabs</a:t>
-            </a:r>
-            <a:endParaRPr/>
-          </a:p>
-        </p:txBody>
-      </p:sp>
-      <p:sp>
-        <p:nvSpPr>
-          <p:cNvPr id="151" name="Google Shape;151;p10"/>
-          <p:cNvSpPr txBox="1">
-            <a:spLocks noGrp="1"/>
-          </p:cNvSpPr>
-          <p:nvPr>
-            <p:ph type="body" idx="1"/>
-          </p:nvPr>
-        </p:nvSpPr>
-        <p:spPr>
-          <a:xfrm>
-            <a:off x="415600" y="1536633"/>
-            <a:ext cx="11360700" cy="4555200"/>
-          </a:xfrm>
-          <a:prstGeom prst="rect">
-            <a:avLst/>
-          </a:prstGeom>
-          <a:noFill/>
-          <a:ln>
-            <a:noFill/>
-          </a:ln>
-        </p:spPr>
-        <p:txBody>
-          <a:bodyPr spcFirstLastPara="1" wrap="square" lIns="121900" tIns="121900" rIns="121900" bIns="121900" anchor="t" anchorCtr="0">
-            <a:noAutofit/>
-          </a:bodyPr>
-          <a:lstStyle/>
-          <a:p>
-            <a:pPr marL="457200" lvl="0" indent="-228600" algn="l" rtl="0">
-              <a:lnSpc>
-                <a:spcPct val="115000"/>
-              </a:lnSpc>
-              <a:spcBef>
-                <a:spcPts val="0"/>
-              </a:spcBef>
-              <a:spcAft>
-                <a:spcPts val="0"/>
-              </a:spcAft>
-              <a:buClr>
-                <a:srgbClr val="434343"/>
-              </a:buClr>
-              <a:buSzPts val="2400"/>
-              <a:buNone/>
-            </a:pPr>
-            <a:endParaRPr/>
-          </a:p>
-        </p:txBody>
-      </p:sp>
-      <p:pic>
-        <p:nvPicPr>
-          <p:cNvPr id="152" name="Google Shape;152;p10" descr="https://lh6.googleusercontent.com/maF9IXafZ9w1hZhmAj8Yk2CSKgTJj0zpcICZrABSbZ7TX7jo8ND8lpTX5AY6Uz62qEyp9FmnGVi5Wq-fwYOZkSQOU0uIOz3Fh5tUWzVqBc5JIm0jboaY9ioG5hjhKR4EjN8jtFwVVqA"/>
-          <p:cNvPicPr preferRelativeResize="0"/>
-          <p:nvPr/>
-        </p:nvPicPr>
-        <p:blipFill rotWithShape="1">
-          <a:blip r:embed="rId3">
-            <a:alphaModFix/>
-          </a:blip>
-          <a:srcRect/>
-          <a:stretch/>
-        </p:blipFill>
-        <p:spPr>
-          <a:xfrm>
-            <a:off x="249768" y="1608667"/>
-            <a:ext cx="5033433" cy="3120536"/>
-          </a:xfrm>
-          <a:prstGeom prst="rect">
-            <a:avLst/>
-          </a:prstGeom>
-          <a:noFill/>
-          <a:ln>
-            <a:noFill/>
-          </a:ln>
-        </p:spPr>
-      </p:pic>
-      <p:pic>
-        <p:nvPicPr>
-          <p:cNvPr id="153" name="Google Shape;153;p10"/>
-          <p:cNvPicPr preferRelativeResize="0"/>
-          <p:nvPr/>
-        </p:nvPicPr>
-        <p:blipFill>
-          <a:blip r:embed="rId4">
-            <a:alphaModFix/>
-          </a:blip>
-          <a:stretch>
-            <a:fillRect/>
-          </a:stretch>
-        </p:blipFill>
-        <p:spPr>
-          <a:xfrm>
-            <a:off x="5487053" y="1608675"/>
-            <a:ext cx="5989008" cy="3120525"/>
-          </a:xfrm>
-          <a:prstGeom prst="rect">
-            <a:avLst/>
-          </a:prstGeom>
-          <a:noFill/>
-          <a:ln>
-            <a:noFill/>
-          </a:ln>
-        </p:spPr>
-      </p:pic>
-    </p:spTree>
-    <p:extLst>
-      <p:ext uri="{BB962C8B-B14F-4D97-AF65-F5344CB8AC3E}">
-        <p14:creationId xmlns:p14="http://schemas.microsoft.com/office/powerpoint/2010/main" val="4026461533"/>
-      </p:ext>
-    </p:extLst>
-  </p:cSld>
-  <p:clrMapOvr>
-    <a:masterClrMapping/>
-  </p:clrMapOvr>
-</p:sld>
-</file>
-
-<file path=ppt/slides/slide13.xml><?xml version="1.0" encoding="utf-8"?>
-<p:sld xmlns:a="http://schemas.openxmlformats.org/drawingml/2006/main" xmlns:r="http://schemas.openxmlformats.org/officeDocument/2006/relationships" xmlns:p="http://schemas.openxmlformats.org/presentationml/2006/main">
-  <p:cSld>
-    <p:spTree>
-      <p:nvGrpSpPr>
-        <p:cNvPr id="1" name="Shape 157"/>
-        <p:cNvGrpSpPr/>
-        <p:nvPr/>
-      </p:nvGrpSpPr>
-      <p:grpSpPr>
-        <a:xfrm>
-          <a:off x="0" y="0"/>
-          <a:ext cx="0" cy="0"/>
-          <a:chOff x="0" y="0"/>
-          <a:chExt cx="0" cy="0"/>
-        </a:xfrm>
-      </p:grpSpPr>
-      <p:sp>
-        <p:nvSpPr>
-          <p:cNvPr id="158" name="Google Shape;158;p13"/>
-          <p:cNvSpPr txBox="1">
-            <a:spLocks noGrp="1"/>
-          </p:cNvSpPr>
-          <p:nvPr>
-            <p:ph type="title"/>
-          </p:nvPr>
-        </p:nvSpPr>
-        <p:spPr>
-          <a:xfrm>
-            <a:off x="415600" y="86563"/>
-            <a:ext cx="11360700" cy="763500"/>
-          </a:xfrm>
-          <a:prstGeom prst="rect">
-            <a:avLst/>
-          </a:prstGeom>
-          <a:noFill/>
-          <a:ln>
-            <a:noFill/>
-          </a:ln>
-        </p:spPr>
-        <p:txBody>
-          <a:bodyPr spcFirstLastPara="1" wrap="square" lIns="121900" tIns="121900" rIns="121900" bIns="121900" anchor="t" anchorCtr="0">
-            <a:noAutofit/>
-          </a:bodyPr>
-          <a:lstStyle/>
-          <a:p>
-            <a:pPr marL="0" lvl="0" indent="0" algn="l" rtl="0">
-              <a:lnSpc>
-                <a:spcPct val="100000"/>
-              </a:lnSpc>
-              <a:spcBef>
-                <a:spcPts val="0"/>
-              </a:spcBef>
-              <a:spcAft>
-                <a:spcPts val="0"/>
-              </a:spcAft>
-              <a:buClr>
-                <a:srgbClr val="FFFFFF"/>
-              </a:buClr>
-              <a:buSzPts val="3700"/>
-              <a:buNone/>
-            </a:pPr>
-            <a:r>
-              <a:rPr lang="en-US"/>
-              <a:t>Cross-Tabs</a:t>
-            </a:r>
-            <a:endParaRPr/>
-          </a:p>
-        </p:txBody>
-      </p:sp>
-      <p:sp>
-        <p:nvSpPr>
-          <p:cNvPr id="159" name="Google Shape;159;p13"/>
-          <p:cNvSpPr/>
-          <p:nvPr/>
-        </p:nvSpPr>
-        <p:spPr>
-          <a:xfrm>
-            <a:off x="330200" y="1737913"/>
-            <a:ext cx="6096000" cy="4031104"/>
-          </a:xfrm>
-          <a:prstGeom prst="rect">
-            <a:avLst/>
-          </a:prstGeom>
-          <a:noFill/>
-          <a:ln w="9525" cap="flat" cmpd="sng">
-            <a:solidFill>
-              <a:schemeClr val="dk1"/>
-            </a:solidFill>
-            <a:prstDash val="solid"/>
-            <a:round/>
-            <a:headEnd type="none" w="sm" len="sm"/>
-            <a:tailEnd type="none" w="sm" len="sm"/>
-          </a:ln>
-        </p:spPr>
-        <p:txBody>
-          <a:bodyPr spcFirstLastPara="1" wrap="square" lIns="91425" tIns="45700" rIns="91425" bIns="45700" anchor="t" anchorCtr="0">
-            <a:spAutoFit/>
-          </a:bodyPr>
-          <a:lstStyle/>
-          <a:p>
-            <a:pPr marL="0" marR="0" lvl="0" indent="0" algn="l" rtl="0">
-              <a:lnSpc>
-                <a:spcPct val="100000"/>
-              </a:lnSpc>
-              <a:spcBef>
-                <a:spcPts val="0"/>
-              </a:spcBef>
-              <a:spcAft>
-                <a:spcPts val="0"/>
-              </a:spcAft>
-              <a:buNone/>
-            </a:pPr>
-            <a:br>
-              <a:rPr lang="en-US" sz="2133" b="0" i="0" u="none" strike="noStrike" cap="none">
-                <a:solidFill>
-                  <a:srgbClr val="000000"/>
-                </a:solidFill>
-                <a:latin typeface="Arial"/>
-                <a:ea typeface="Arial"/>
-                <a:cs typeface="Arial"/>
-                <a:sym typeface="Arial"/>
-              </a:rPr>
-            </a:br>
-            <a:r>
-              <a:rPr lang="en-US" sz="2133" b="1" i="0" u="none" strike="noStrike" cap="none">
-                <a:solidFill>
-                  <a:srgbClr val="000000"/>
-                </a:solidFill>
-                <a:latin typeface="Arial"/>
-                <a:ea typeface="Arial"/>
-                <a:cs typeface="Arial"/>
-                <a:sym typeface="Arial"/>
-              </a:rPr>
-              <a:t>Continuous Variables</a:t>
-            </a:r>
-            <a:endParaRPr sz="2133" b="0" i="0" u="none" strike="noStrike" cap="none">
-              <a:solidFill>
-                <a:srgbClr val="000000"/>
-              </a:solidFill>
-              <a:latin typeface="Arial"/>
-              <a:ea typeface="Arial"/>
-              <a:cs typeface="Arial"/>
-              <a:sym typeface="Arial"/>
-            </a:endParaRPr>
-          </a:p>
-          <a:p>
-            <a:pPr marL="0" marR="0" lvl="0" indent="0" algn="l" rtl="0">
-              <a:lnSpc>
-                <a:spcPct val="100000"/>
-              </a:lnSpc>
-              <a:spcBef>
-                <a:spcPts val="0"/>
-              </a:spcBef>
-              <a:spcAft>
-                <a:spcPts val="0"/>
-              </a:spcAft>
-              <a:buNone/>
-            </a:pPr>
-            <a:br>
-              <a:rPr lang="en-US" sz="2133" b="0" i="0" u="none" strike="noStrike" cap="none">
-                <a:solidFill>
-                  <a:srgbClr val="000000"/>
-                </a:solidFill>
-                <a:latin typeface="Arial"/>
-                <a:ea typeface="Arial"/>
-                <a:cs typeface="Arial"/>
-                <a:sym typeface="Arial"/>
-              </a:rPr>
-            </a:br>
-            <a:r>
-              <a:rPr lang="en-US" sz="2133" b="0" i="0" u="none" strike="noStrike" cap="none">
-                <a:solidFill>
-                  <a:srgbClr val="000000"/>
-                </a:solidFill>
-                <a:latin typeface="Arial"/>
-                <a:ea typeface="Arial"/>
-                <a:cs typeface="Arial"/>
-                <a:sym typeface="Arial"/>
-              </a:rPr>
-              <a:t>T-Test</a:t>
-            </a:r>
-            <a:endParaRPr sz="2133" b="0" i="0" u="none" strike="noStrike" cap="none">
-              <a:solidFill>
-                <a:srgbClr val="000000"/>
-              </a:solidFill>
-              <a:latin typeface="Arial"/>
-              <a:ea typeface="Arial"/>
-              <a:cs typeface="Arial"/>
-              <a:sym typeface="Arial"/>
-            </a:endParaRPr>
-          </a:p>
-          <a:p>
-            <a:pPr marL="0" marR="0" lvl="0" indent="0" algn="l" rtl="0">
-              <a:lnSpc>
-                <a:spcPct val="100000"/>
-              </a:lnSpc>
-              <a:spcBef>
-                <a:spcPts val="0"/>
-              </a:spcBef>
-              <a:spcAft>
-                <a:spcPts val="0"/>
-              </a:spcAft>
-              <a:buNone/>
-            </a:pPr>
-            <a:r>
-              <a:rPr lang="en-US" sz="2133" b="0" i="0" u="none" strike="noStrike" cap="none">
-                <a:solidFill>
-                  <a:srgbClr val="000000"/>
-                </a:solidFill>
-                <a:latin typeface="Arial"/>
-                <a:ea typeface="Arial"/>
-                <a:cs typeface="Arial"/>
-                <a:sym typeface="Arial"/>
-              </a:rPr>
-              <a:t>Null-Hypothesis: The feature mean in the high-risk group is the same as in the low-risk group</a:t>
-            </a:r>
-            <a:endParaRPr sz="2133" b="0" i="0" u="none" strike="noStrike" cap="none">
-              <a:solidFill>
-                <a:srgbClr val="000000"/>
-              </a:solidFill>
-              <a:latin typeface="Arial"/>
-              <a:ea typeface="Arial"/>
-              <a:cs typeface="Arial"/>
-              <a:sym typeface="Arial"/>
-            </a:endParaRPr>
-          </a:p>
-          <a:p>
-            <a:pPr marL="0" marR="0" lvl="0" indent="0" algn="l" rtl="0">
-              <a:lnSpc>
-                <a:spcPct val="100000"/>
-              </a:lnSpc>
-              <a:spcBef>
-                <a:spcPts val="0"/>
-              </a:spcBef>
-              <a:spcAft>
-                <a:spcPts val="0"/>
-              </a:spcAft>
-              <a:buNone/>
-            </a:pPr>
-            <a:br>
-              <a:rPr lang="en-US" sz="2133" b="0" i="0" u="none" strike="noStrike" cap="none">
-                <a:solidFill>
-                  <a:srgbClr val="000000"/>
-                </a:solidFill>
-                <a:latin typeface="Arial"/>
-                <a:ea typeface="Arial"/>
-                <a:cs typeface="Arial"/>
-                <a:sym typeface="Arial"/>
-              </a:rPr>
-            </a:br>
-            <a:r>
-              <a:rPr lang="en-US" sz="2133" b="0" i="0" u="none" strike="noStrike" cap="none">
-                <a:solidFill>
-                  <a:srgbClr val="000000"/>
-                </a:solidFill>
-                <a:latin typeface="Arial"/>
-                <a:ea typeface="Arial"/>
-                <a:cs typeface="Arial"/>
-                <a:sym typeface="Arial"/>
-              </a:rPr>
-              <a:t>KS-Test</a:t>
-            </a:r>
-            <a:endParaRPr sz="2133" b="0" i="0" u="none" strike="noStrike" cap="none">
-              <a:solidFill>
-                <a:srgbClr val="000000"/>
-              </a:solidFill>
-              <a:latin typeface="Arial"/>
-              <a:ea typeface="Arial"/>
-              <a:cs typeface="Arial"/>
-              <a:sym typeface="Arial"/>
-            </a:endParaRPr>
-          </a:p>
-          <a:p>
-            <a:pPr marL="0" marR="0" lvl="0" indent="0" algn="l" rtl="0">
-              <a:lnSpc>
-                <a:spcPct val="100000"/>
-              </a:lnSpc>
-              <a:spcBef>
-                <a:spcPts val="0"/>
-              </a:spcBef>
-              <a:spcAft>
-                <a:spcPts val="0"/>
-              </a:spcAft>
-              <a:buNone/>
-            </a:pPr>
-            <a:r>
-              <a:rPr lang="en-US" sz="2133" b="0" i="0" u="none" strike="noStrike" cap="none">
-                <a:solidFill>
-                  <a:srgbClr val="000000"/>
-                </a:solidFill>
-                <a:latin typeface="Arial"/>
-                <a:ea typeface="Arial"/>
-                <a:cs typeface="Arial"/>
-                <a:sym typeface="Arial"/>
-              </a:rPr>
-              <a:t>Null-Hypothesis: The feature distribution in the high-risk group is the same as in the low-risk group.</a:t>
-            </a:r>
-            <a:endParaRPr sz="2133" b="0" i="0" u="none" strike="noStrike" cap="none">
-              <a:solidFill>
-                <a:srgbClr val="000000"/>
-              </a:solidFill>
-              <a:latin typeface="Arial"/>
-              <a:ea typeface="Arial"/>
-              <a:cs typeface="Arial"/>
-              <a:sym typeface="Arial"/>
-            </a:endParaRPr>
-          </a:p>
-          <a:p>
-            <a:pPr marL="0" marR="0" lvl="0" indent="0" algn="l" rtl="0">
-              <a:lnSpc>
-                <a:spcPct val="100000"/>
-              </a:lnSpc>
-              <a:spcBef>
-                <a:spcPts val="0"/>
-              </a:spcBef>
-              <a:spcAft>
-                <a:spcPts val="0"/>
-              </a:spcAft>
-              <a:buNone/>
-            </a:pPr>
-            <a:endParaRPr sz="2133" b="0" i="0" u="none" strike="noStrike" cap="none">
-              <a:solidFill>
-                <a:srgbClr val="000000"/>
-              </a:solidFill>
-              <a:latin typeface="Arial"/>
-              <a:ea typeface="Arial"/>
-              <a:cs typeface="Arial"/>
-              <a:sym typeface="Arial"/>
-            </a:endParaRPr>
-          </a:p>
-        </p:txBody>
-      </p:sp>
-      <p:sp>
-        <p:nvSpPr>
-          <p:cNvPr id="160" name="Google Shape;160;p13"/>
-          <p:cNvSpPr/>
-          <p:nvPr/>
-        </p:nvSpPr>
-        <p:spPr>
-          <a:xfrm>
-            <a:off x="6616700" y="1737912"/>
-            <a:ext cx="5334000" cy="1733488"/>
-          </a:xfrm>
-          <a:prstGeom prst="rect">
-            <a:avLst/>
-          </a:prstGeom>
-          <a:noFill/>
-          <a:ln w="9525" cap="flat" cmpd="sng">
-            <a:solidFill>
-              <a:schemeClr val="dk1"/>
-            </a:solidFill>
-            <a:prstDash val="solid"/>
-            <a:round/>
-            <a:headEnd type="none" w="sm" len="sm"/>
-            <a:tailEnd type="none" w="sm" len="sm"/>
-          </a:ln>
-        </p:spPr>
-        <p:txBody>
-          <a:bodyPr spcFirstLastPara="1" wrap="square" lIns="91425" tIns="45700" rIns="91425" bIns="45700" anchor="t" anchorCtr="0">
-            <a:spAutoFit/>
-          </a:bodyPr>
-          <a:lstStyle/>
-          <a:p>
-            <a:pPr marL="0" marR="0" lvl="0" indent="0" algn="l" rtl="0">
-              <a:lnSpc>
-                <a:spcPct val="100000"/>
-              </a:lnSpc>
-              <a:spcBef>
-                <a:spcPts val="0"/>
-              </a:spcBef>
-              <a:spcAft>
-                <a:spcPts val="0"/>
-              </a:spcAft>
-              <a:buNone/>
-            </a:pPr>
-            <a:r>
-              <a:rPr lang="en-US" sz="2133" b="1" i="0" u="none" strike="noStrike" cap="none">
-                <a:solidFill>
-                  <a:srgbClr val="000000"/>
-                </a:solidFill>
-                <a:latin typeface="Arial"/>
-                <a:ea typeface="Arial"/>
-                <a:cs typeface="Arial"/>
-                <a:sym typeface="Arial"/>
-              </a:rPr>
-              <a:t>Categorical Variables</a:t>
-            </a:r>
-            <a:endParaRPr sz="2133" b="0" i="0" u="none" strike="noStrike" cap="none">
-              <a:solidFill>
-                <a:srgbClr val="000000"/>
-              </a:solidFill>
-              <a:latin typeface="Arial"/>
-              <a:ea typeface="Arial"/>
-              <a:cs typeface="Arial"/>
-              <a:sym typeface="Arial"/>
-            </a:endParaRPr>
-          </a:p>
-          <a:p>
-            <a:pPr marL="0" marR="0" lvl="0" indent="0" algn="l" rtl="0">
-              <a:lnSpc>
-                <a:spcPct val="100000"/>
-              </a:lnSpc>
-              <a:spcBef>
-                <a:spcPts val="0"/>
-              </a:spcBef>
-              <a:spcAft>
-                <a:spcPts val="0"/>
-              </a:spcAft>
-              <a:buNone/>
-            </a:pPr>
-            <a:br>
-              <a:rPr lang="en-US" sz="2133" b="0" i="0" u="none" strike="noStrike" cap="none">
-                <a:solidFill>
-                  <a:srgbClr val="000000"/>
-                </a:solidFill>
-                <a:latin typeface="Arial"/>
-                <a:ea typeface="Arial"/>
-                <a:cs typeface="Arial"/>
-                <a:sym typeface="Arial"/>
-              </a:rPr>
-            </a:br>
-            <a:r>
-              <a:rPr lang="en-US" sz="2133" b="0" i="0" u="none" strike="noStrike" cap="none">
-                <a:solidFill>
-                  <a:srgbClr val="000000"/>
-                </a:solidFill>
-                <a:latin typeface="Arial"/>
-                <a:ea typeface="Arial"/>
-                <a:cs typeface="Arial"/>
-                <a:sym typeface="Arial"/>
-              </a:rPr>
-              <a:t>Chi-Square Test / Fisher’s Exact Test</a:t>
-            </a:r>
-            <a:endParaRPr sz="2133" b="0" i="0" u="none" strike="noStrike" cap="none">
-              <a:solidFill>
-                <a:srgbClr val="000000"/>
-              </a:solidFill>
-              <a:latin typeface="Arial"/>
-              <a:ea typeface="Arial"/>
-              <a:cs typeface="Arial"/>
-              <a:sym typeface="Arial"/>
-            </a:endParaRPr>
-          </a:p>
-          <a:p>
-            <a:pPr marL="0" marR="0" lvl="0" indent="0" algn="l" rtl="0">
-              <a:lnSpc>
-                <a:spcPct val="100000"/>
-              </a:lnSpc>
-              <a:spcBef>
-                <a:spcPts val="0"/>
-              </a:spcBef>
-              <a:spcAft>
-                <a:spcPts val="0"/>
-              </a:spcAft>
-              <a:buNone/>
-            </a:pPr>
-            <a:r>
-              <a:rPr lang="en-US" sz="2133" b="0" i="0" u="none" strike="noStrike" cap="none">
-                <a:solidFill>
-                  <a:srgbClr val="000000"/>
-                </a:solidFill>
-                <a:latin typeface="Arial"/>
-                <a:ea typeface="Arial"/>
-                <a:cs typeface="Arial"/>
-                <a:sym typeface="Arial"/>
-              </a:rPr>
-              <a:t>Null Hypothesis: The high-risk and low-risk groups have the same feature distribution.</a:t>
-            </a:r>
-            <a:endParaRPr sz="2133" b="0" i="0" u="none" strike="noStrike" cap="none">
-              <a:solidFill>
-                <a:srgbClr val="000000"/>
-              </a:solidFill>
-              <a:latin typeface="Arial"/>
-              <a:ea typeface="Arial"/>
-              <a:cs typeface="Arial"/>
-              <a:sym typeface="Arial"/>
-            </a:endParaRPr>
-          </a:p>
-        </p:txBody>
-      </p:sp>
-    </p:spTree>
-    <p:extLst>
-      <p:ext uri="{BB962C8B-B14F-4D97-AF65-F5344CB8AC3E}">
-        <p14:creationId xmlns:p14="http://schemas.microsoft.com/office/powerpoint/2010/main" val="40856700"/>
-      </p:ext>
-    </p:extLst>
-  </p:cSld>
-  <p:clrMapOvr>
-    <a:masterClrMapping/>
-  </p:clrMapOvr>
-</p:sld>
-</file>
-
-<file path=ppt/slides/slide2.xml><?xml version="1.0" encoding="utf-8"?>
-<p:sld xmlns:a="http://schemas.openxmlformats.org/drawingml/2006/main" xmlns:r="http://schemas.openxmlformats.org/officeDocument/2006/relationships" xmlns:p="http://schemas.openxmlformats.org/presentationml/2006/main">
-  <p:cSld>
-    <p:spTree>
-      <p:nvGrpSpPr>
-        <p:cNvPr id="1" name=""/>
-        <p:cNvGrpSpPr/>
-        <p:nvPr/>
-      </p:nvGrpSpPr>
-      <p:grpSpPr>
-        <a:xfrm>
-          <a:off x="0" y="0"/>
-          <a:ext cx="0" cy="0"/>
-          <a:chOff x="0" y="0"/>
-          <a:chExt cx="0" cy="0"/>
-        </a:xfrm>
-      </p:grpSpPr>
-      <p:sp>
-        <p:nvSpPr>
-          <p:cNvPr id="3" name="Title 2">
-            <a:extLst>
-              <a:ext uri="{FF2B5EF4-FFF2-40B4-BE49-F238E27FC236}">
-                <a16:creationId xmlns:a16="http://schemas.microsoft.com/office/drawing/2014/main" id="{9323871C-7CA8-1448-8FFC-1AE6E1838941}"/>
-              </a:ext>
-            </a:extLst>
-          </p:cNvPr>
-          <p:cNvSpPr>
-            <a:spLocks noGrp="1"/>
-          </p:cNvSpPr>
-          <p:nvPr>
-            <p:ph type="title"/>
-          </p:nvPr>
-        </p:nvSpPr>
-        <p:spPr/>
-        <p:txBody>
-          <a:bodyPr/>
-          <a:lstStyle/>
-          <a:p>
-            <a:r>
-              <a:rPr lang="en-US" dirty="0"/>
-              <a:t>Reminders</a:t>
-            </a:r>
-          </a:p>
-        </p:txBody>
-      </p:sp>
-      <p:sp>
-        <p:nvSpPr>
-          <p:cNvPr id="5" name="Text Placeholder 4">
-            <a:extLst>
-              <a:ext uri="{FF2B5EF4-FFF2-40B4-BE49-F238E27FC236}">
-                <a16:creationId xmlns:a16="http://schemas.microsoft.com/office/drawing/2014/main" id="{F4E0A5F0-1D89-954D-91FB-596CD9E690F2}"/>
-              </a:ext>
-            </a:extLst>
-          </p:cNvPr>
-          <p:cNvSpPr>
-            <a:spLocks noGrp="1"/>
-          </p:cNvSpPr>
-          <p:nvPr>
-            <p:ph type="body" idx="1"/>
-          </p:nvPr>
-        </p:nvSpPr>
-        <p:spPr/>
-        <p:txBody>
-          <a:bodyPr/>
-          <a:lstStyle/>
-          <a:p>
-            <a:pPr marL="76200" indent="0">
-              <a:buNone/>
-            </a:pPr>
-            <a:r>
-              <a:rPr lang="en-US" b="1" dirty="0"/>
-              <a:t>This week:</a:t>
-            </a:r>
-            <a:endParaRPr lang="en-US" dirty="0"/>
-          </a:p>
-          <a:p>
-            <a:endParaRPr lang="en-US" dirty="0"/>
-          </a:p>
-          <a:p>
-            <a:pPr marL="76200" indent="0">
-              <a:buNone/>
-            </a:pPr>
-            <a:endParaRPr lang="en-US" dirty="0"/>
-          </a:p>
-          <a:p>
-            <a:pPr marL="76200" indent="0">
-              <a:buNone/>
-            </a:pPr>
-            <a:r>
-              <a:rPr lang="en-US" b="1" dirty="0"/>
-              <a:t>Coming up next week:</a:t>
-            </a:r>
-          </a:p>
-          <a:p>
-            <a:pPr marL="76200" indent="0">
-              <a:buNone/>
-            </a:pPr>
-            <a:endParaRPr lang="en-US" b="1" dirty="0"/>
-          </a:p>
-          <a:p>
-            <a:pPr marL="76200" indent="0">
-              <a:buNone/>
-            </a:pPr>
-            <a:endParaRPr lang="en-US" b="1" dirty="0"/>
-          </a:p>
-        </p:txBody>
-      </p:sp>
-    </p:spTree>
-    <p:extLst>
-      <p:ext uri="{BB962C8B-B14F-4D97-AF65-F5344CB8AC3E}">
-        <p14:creationId xmlns:p14="http://schemas.microsoft.com/office/powerpoint/2010/main" val="2772368304"/>
-      </p:ext>
-    </p:extLst>
-  </p:cSld>
-  <p:clrMapOvr>
-    <a:masterClrMapping/>
-  </p:clrMapOvr>
-</p:sld>
-</file>
-
-<file path=ppt/slides/slide3.xml><?xml version="1.0" encoding="utf-8"?>
-<p:sld xmlns:a="http://schemas.openxmlformats.org/drawingml/2006/main" xmlns:r="http://schemas.openxmlformats.org/officeDocument/2006/relationships" xmlns:p="http://schemas.openxmlformats.org/presentationml/2006/main">
-  <p:cSld>
-    <p:spTree>
-      <p:nvGrpSpPr>
-        <p:cNvPr id="1" name=""/>
-        <p:cNvGrpSpPr/>
-        <p:nvPr/>
-      </p:nvGrpSpPr>
-      <p:grpSpPr>
-        <a:xfrm>
-          <a:off x="0" y="0"/>
-          <a:ext cx="0" cy="0"/>
-          <a:chOff x="0" y="0"/>
-          <a:chExt cx="0" cy="0"/>
-        </a:xfrm>
-      </p:grpSpPr>
-      <p:sp>
-        <p:nvSpPr>
-          <p:cNvPr id="2" name="Title 1">
-            <a:extLst>
-              <a:ext uri="{FF2B5EF4-FFF2-40B4-BE49-F238E27FC236}">
-                <a16:creationId xmlns:a16="http://schemas.microsoft.com/office/drawing/2014/main" id="{94CF2A94-A63F-6149-AA28-2E35B60E3D3E}"/>
-              </a:ext>
-            </a:extLst>
-          </p:cNvPr>
-          <p:cNvSpPr>
-            <a:spLocks noGrp="1"/>
-          </p:cNvSpPr>
-          <p:nvPr>
-            <p:ph type="title"/>
-          </p:nvPr>
-        </p:nvSpPr>
-        <p:spPr/>
-        <p:txBody>
-          <a:bodyPr/>
-          <a:lstStyle/>
-          <a:p>
-            <a:endParaRPr lang="en-US"/>
-          </a:p>
-        </p:txBody>
-      </p:sp>
-      <p:graphicFrame>
-        <p:nvGraphicFramePr>
-          <p:cNvPr id="3" name="Diagram 2">
-            <a:extLst>
-              <a:ext uri="{FF2B5EF4-FFF2-40B4-BE49-F238E27FC236}">
-                <a16:creationId xmlns:a16="http://schemas.microsoft.com/office/drawing/2014/main" id="{8E902576-68A9-6E48-B0FE-5B1889953DC8}"/>
-              </a:ext>
-            </a:extLst>
-          </p:cNvPr>
-          <p:cNvGraphicFramePr/>
-          <p:nvPr/>
-        </p:nvGraphicFramePr>
-        <p:xfrm>
-          <a:off x="180467" y="0"/>
-          <a:ext cx="11776400" cy="6858000"/>
-        </p:xfrm>
-        <a:graphic>
-          <a:graphicData uri="http://schemas.openxmlformats.org/drawingml/2006/diagram">
-            <dgm:relIds xmlns:dgm="http://schemas.openxmlformats.org/drawingml/2006/diagram" xmlns:r="http://schemas.openxmlformats.org/officeDocument/2006/relationships" r:dm="rId2" r:lo="rId3" r:qs="rId4" r:cs="rId5"/>
-          </a:graphicData>
-        </a:graphic>
-      </p:graphicFrame>
-      <p:sp>
-        <p:nvSpPr>
-          <p:cNvPr id="4" name="Rectangle 3">
-            <a:extLst>
-              <a:ext uri="{FF2B5EF4-FFF2-40B4-BE49-F238E27FC236}">
-                <a16:creationId xmlns:a16="http://schemas.microsoft.com/office/drawing/2014/main" id="{E2C99BF2-C81A-5246-89D3-E49BCDCAD699}"/>
-              </a:ext>
-            </a:extLst>
-          </p:cNvPr>
-          <p:cNvSpPr/>
-          <p:nvPr/>
-        </p:nvSpPr>
-        <p:spPr>
-          <a:xfrm>
-            <a:off x="6388892" y="2534144"/>
-            <a:ext cx="2534195" cy="1789611"/>
-          </a:xfrm>
-          <a:prstGeom prst="rect">
-            <a:avLst/>
-          </a:prstGeom>
-          <a:noFill/>
-          <a:ln w="76200">
-            <a:solidFill>
-              <a:srgbClr val="C00000"/>
-            </a:solidFill>
-          </a:ln>
-        </p:spPr>
-        <p:style>
-          <a:lnRef idx="2">
-            <a:schemeClr val="accent1">
-              <a:shade val="50000"/>
-            </a:schemeClr>
-          </a:lnRef>
-          <a:fillRef idx="1">
-            <a:schemeClr val="accent1"/>
-          </a:fillRef>
-          <a:effectRef idx="0">
-            <a:schemeClr val="accent1"/>
-          </a:effectRef>
-          <a:fontRef idx="minor">
-            <a:schemeClr val="lt1"/>
-          </a:fontRef>
-        </p:style>
-        <p:txBody>
-          <a:bodyPr rtlCol="0" anchor="ctr"/>
-          <a:lstStyle/>
-          <a:p>
-            <a:pPr algn="ctr"/>
-            <a:endParaRPr lang="en-US"/>
-          </a:p>
-        </p:txBody>
-      </p:sp>
-    </p:spTree>
-    <p:extLst>
-      <p:ext uri="{BB962C8B-B14F-4D97-AF65-F5344CB8AC3E}">
-        <p14:creationId xmlns:p14="http://schemas.microsoft.com/office/powerpoint/2010/main" val="1582547232"/>
-      </p:ext>
-    </p:extLst>
-  </p:cSld>
-  <p:clrMapOvr>
-    <a:masterClrMapping/>
-  </p:clrMapOvr>
-</p:sld>
-</file>
-
-<file path=ppt/slides/slide4.xml><?xml version="1.0" encoding="utf-8"?>
-<p:sld xmlns:a="http://schemas.openxmlformats.org/drawingml/2006/main" xmlns:r="http://schemas.openxmlformats.org/officeDocument/2006/relationships" xmlns:p="http://schemas.openxmlformats.org/presentationml/2006/main">
-  <p:cSld>
-    <p:spTree>
-      <p:nvGrpSpPr>
-        <p:cNvPr id="1" name="Shape 94"/>
-        <p:cNvGrpSpPr/>
-        <p:nvPr/>
-      </p:nvGrpSpPr>
-      <p:grpSpPr>
-        <a:xfrm>
-          <a:off x="0" y="0"/>
-          <a:ext cx="0" cy="0"/>
-          <a:chOff x="0" y="0"/>
-          <a:chExt cx="0" cy="0"/>
-        </a:xfrm>
-      </p:grpSpPr>
-      <p:sp>
-        <p:nvSpPr>
-          <p:cNvPr id="95" name="Google Shape;95;p6"/>
-          <p:cNvSpPr txBox="1">
-            <a:spLocks noGrp="1"/>
-          </p:cNvSpPr>
-          <p:nvPr>
-            <p:ph type="title"/>
-          </p:nvPr>
-        </p:nvSpPr>
-        <p:spPr>
-          <a:xfrm>
-            <a:off x="415600" y="86563"/>
-            <a:ext cx="11360700" cy="763500"/>
-          </a:xfrm>
-          <a:prstGeom prst="rect">
-            <a:avLst/>
-          </a:prstGeom>
-          <a:noFill/>
-          <a:ln>
-            <a:noFill/>
-          </a:ln>
-        </p:spPr>
-        <p:txBody>
-          <a:bodyPr spcFirstLastPara="1" wrap="square" lIns="121900" tIns="121900" rIns="121900" bIns="121900" anchor="t" anchorCtr="0">
-            <a:noAutofit/>
-          </a:bodyPr>
-          <a:lstStyle/>
-          <a:p>
-            <a:pPr marL="0" lvl="0" indent="0" algn="l" rtl="0">
-              <a:lnSpc>
-                <a:spcPct val="100000"/>
-              </a:lnSpc>
-              <a:spcBef>
-                <a:spcPts val="0"/>
-              </a:spcBef>
-              <a:spcAft>
-                <a:spcPts val="0"/>
-              </a:spcAft>
-              <a:buClr>
-                <a:srgbClr val="FFFFFF"/>
-              </a:buClr>
-              <a:buSzPts val="3700"/>
-              <a:buNone/>
-            </a:pPr>
-            <a:r>
-              <a:rPr lang="en-US"/>
-              <a:t>Understanding what the model is doing</a:t>
-            </a:r>
-            <a:endParaRPr/>
-          </a:p>
-        </p:txBody>
-      </p:sp>
-      <p:sp>
-        <p:nvSpPr>
-          <p:cNvPr id="96" name="Google Shape;96;p6"/>
-          <p:cNvSpPr txBox="1">
-            <a:spLocks noGrp="1"/>
-          </p:cNvSpPr>
-          <p:nvPr>
-            <p:ph type="body" idx="1"/>
-          </p:nvPr>
-        </p:nvSpPr>
-        <p:spPr>
-          <a:xfrm>
-            <a:off x="415600" y="1536633"/>
-            <a:ext cx="11360700" cy="4555200"/>
-          </a:xfrm>
-          <a:prstGeom prst="rect">
-            <a:avLst/>
-          </a:prstGeom>
-          <a:noFill/>
-          <a:ln>
-            <a:noFill/>
-          </a:ln>
-        </p:spPr>
-        <p:txBody>
-          <a:bodyPr spcFirstLastPara="1" wrap="square" lIns="121900" tIns="121900" rIns="121900" bIns="121900" anchor="t" anchorCtr="0">
-            <a:noAutofit/>
-          </a:bodyPr>
-          <a:lstStyle/>
-          <a:p>
-            <a:pPr marL="457200" lvl="0" indent="-381000" algn="l" rtl="0">
-              <a:lnSpc>
-                <a:spcPct val="115000"/>
-              </a:lnSpc>
-              <a:spcBef>
-                <a:spcPts val="0"/>
-              </a:spcBef>
-              <a:spcAft>
-                <a:spcPts val="0"/>
-              </a:spcAft>
-              <a:buClr>
-                <a:srgbClr val="434343"/>
-              </a:buClr>
-              <a:buSzPts val="2400"/>
-              <a:buChar char="●"/>
-            </a:pPr>
-            <a:r>
-              <a:rPr lang="en-US"/>
-              <a:t>Look at the model</a:t>
-            </a:r>
-            <a:endParaRPr/>
-          </a:p>
-          <a:p>
-            <a:pPr marL="457200" lvl="0" indent="-381000" algn="l" rtl="0">
-              <a:lnSpc>
-                <a:spcPct val="115000"/>
-              </a:lnSpc>
-              <a:spcBef>
-                <a:spcPts val="0"/>
-              </a:spcBef>
-              <a:spcAft>
-                <a:spcPts val="0"/>
-              </a:spcAft>
-              <a:buClr>
-                <a:srgbClr val="434343"/>
-              </a:buClr>
-              <a:buSzPts val="2400"/>
-              <a:buChar char="●"/>
-            </a:pPr>
-            <a:r>
-              <a:rPr lang="en-US"/>
-              <a:t>Look at score distributions and calibration</a:t>
-            </a:r>
-            <a:endParaRPr/>
-          </a:p>
-          <a:p>
-            <a:pPr marL="457200" lvl="0" indent="-381000" algn="l" rtl="0">
-              <a:lnSpc>
-                <a:spcPct val="115000"/>
-              </a:lnSpc>
-              <a:spcBef>
-                <a:spcPts val="0"/>
-              </a:spcBef>
-              <a:spcAft>
-                <a:spcPts val="0"/>
-              </a:spcAft>
-              <a:buClr>
-                <a:srgbClr val="434343"/>
-              </a:buClr>
-              <a:buSzPts val="2400"/>
-              <a:buChar char="●"/>
-            </a:pPr>
-            <a:r>
-              <a:rPr lang="en-US"/>
-              <a:t>Look at Feature Importances</a:t>
-            </a:r>
-            <a:endParaRPr/>
-          </a:p>
-          <a:p>
-            <a:pPr marL="457200" lvl="0" indent="-381000" algn="l" rtl="0">
-              <a:lnSpc>
-                <a:spcPct val="115000"/>
-              </a:lnSpc>
-              <a:spcBef>
-                <a:spcPts val="0"/>
-              </a:spcBef>
-              <a:spcAft>
-                <a:spcPts val="0"/>
-              </a:spcAft>
-              <a:buClr>
-                <a:srgbClr val="434343"/>
-              </a:buClr>
-              <a:buSzPts val="2400"/>
-              <a:buChar char="●"/>
-            </a:pPr>
-            <a:r>
-              <a:rPr lang="en-US"/>
-              <a:t>Look at contributions of feature groups </a:t>
-            </a:r>
-            <a:endParaRPr/>
-          </a:p>
-          <a:p>
-            <a:pPr marL="457200" lvl="0" indent="0" algn="l" rtl="0">
-              <a:lnSpc>
-                <a:spcPct val="115000"/>
-              </a:lnSpc>
-              <a:spcBef>
-                <a:spcPts val="0"/>
-              </a:spcBef>
-              <a:spcAft>
-                <a:spcPts val="0"/>
-              </a:spcAft>
-              <a:buNone/>
-            </a:pPr>
-            <a:endParaRPr/>
-          </a:p>
-          <a:p>
-            <a:pPr marL="457200" lvl="0" indent="-381000" algn="l" rtl="0">
-              <a:lnSpc>
-                <a:spcPct val="115000"/>
-              </a:lnSpc>
-              <a:spcBef>
-                <a:spcPts val="0"/>
-              </a:spcBef>
-              <a:spcAft>
-                <a:spcPts val="0"/>
-              </a:spcAft>
-              <a:buClr>
-                <a:srgbClr val="434343"/>
-              </a:buClr>
-              <a:buSzPts val="2400"/>
-              <a:buChar char="●"/>
-            </a:pPr>
-            <a:r>
-              <a:rPr lang="en-US"/>
-              <a:t>Cross-Tabs on the “predictions”</a:t>
-            </a:r>
-            <a:endParaRPr/>
-          </a:p>
-          <a:p>
-            <a:pPr marL="457200" lvl="0" indent="-381000" algn="l" rtl="0">
-              <a:lnSpc>
-                <a:spcPct val="115000"/>
-              </a:lnSpc>
-              <a:spcBef>
-                <a:spcPts val="0"/>
-              </a:spcBef>
-              <a:spcAft>
-                <a:spcPts val="0"/>
-              </a:spcAft>
-              <a:buClr>
-                <a:srgbClr val="434343"/>
-              </a:buClr>
-              <a:buSzPts val="2400"/>
-              <a:buChar char="●"/>
-            </a:pPr>
-            <a:r>
-              <a:rPr lang="en-US"/>
-              <a:t>Error Analysis</a:t>
-            </a:r>
-            <a:endParaRPr/>
-          </a:p>
-          <a:p>
-            <a:pPr marL="457200" lvl="0" indent="-228600" algn="l" rtl="0">
-              <a:lnSpc>
-                <a:spcPct val="115000"/>
-              </a:lnSpc>
-              <a:spcBef>
-                <a:spcPts val="0"/>
-              </a:spcBef>
-              <a:spcAft>
-                <a:spcPts val="0"/>
-              </a:spcAft>
-              <a:buClr>
-                <a:srgbClr val="434343"/>
-              </a:buClr>
-              <a:buSzPts val="2400"/>
-              <a:buNone/>
-            </a:pPr>
-            <a:endParaRPr/>
-          </a:p>
-        </p:txBody>
-      </p:sp>
-    </p:spTree>
-    <p:extLst>
-      <p:ext uri="{BB962C8B-B14F-4D97-AF65-F5344CB8AC3E}">
-        <p14:creationId xmlns:p14="http://schemas.microsoft.com/office/powerpoint/2010/main" val="1431794210"/>
-      </p:ext>
-    </p:extLst>
-  </p:cSld>
-  <p:clrMapOvr>
-    <a:masterClrMapping/>
-  </p:clrMapOvr>
-</p:sld>
-</file>
-
-<file path=ppt/slides/slide5.xml><?xml version="1.0" encoding="utf-8"?>
-<p:sld xmlns:a="http://schemas.openxmlformats.org/drawingml/2006/main" xmlns:r="http://schemas.openxmlformats.org/officeDocument/2006/relationships" xmlns:p="http://schemas.openxmlformats.org/presentationml/2006/main">
-  <p:cSld>
-    <p:spTree>
-      <p:nvGrpSpPr>
-        <p:cNvPr id="1" name="Shape 100"/>
-        <p:cNvGrpSpPr/>
-        <p:nvPr/>
-      </p:nvGrpSpPr>
-      <p:grpSpPr>
-        <a:xfrm>
-          <a:off x="0" y="0"/>
-          <a:ext cx="0" cy="0"/>
-          <a:chOff x="0" y="0"/>
-          <a:chExt cx="0" cy="0"/>
-        </a:xfrm>
-      </p:grpSpPr>
-      <p:sp>
-        <p:nvSpPr>
-          <p:cNvPr id="101" name="Google Shape;101;p29"/>
-          <p:cNvSpPr txBox="1">
-            <a:spLocks noGrp="1"/>
-          </p:cNvSpPr>
-          <p:nvPr>
-            <p:ph type="title"/>
-          </p:nvPr>
-        </p:nvSpPr>
-        <p:spPr>
-          <a:xfrm>
-            <a:off x="415600" y="86563"/>
-            <a:ext cx="11360700" cy="763500"/>
-          </a:xfrm>
-          <a:prstGeom prst="rect">
-            <a:avLst/>
-          </a:prstGeom>
-          <a:noFill/>
-          <a:ln>
-            <a:noFill/>
-          </a:ln>
-        </p:spPr>
-        <p:txBody>
-          <a:bodyPr spcFirstLastPara="1" wrap="square" lIns="121900" tIns="121900" rIns="121900" bIns="121900" anchor="t" anchorCtr="0">
-            <a:noAutofit/>
-          </a:bodyPr>
-          <a:lstStyle/>
-          <a:p>
-            <a:pPr marL="0" lvl="0" indent="0" algn="l" rtl="0">
-              <a:lnSpc>
-                <a:spcPct val="100000"/>
-              </a:lnSpc>
-              <a:spcBef>
-                <a:spcPts val="0"/>
-              </a:spcBef>
-              <a:spcAft>
-                <a:spcPts val="0"/>
-              </a:spcAft>
-              <a:buClr>
-                <a:srgbClr val="FFFFFF"/>
-              </a:buClr>
-              <a:buSzPts val="3700"/>
-              <a:buNone/>
-            </a:pPr>
-            <a:r>
-              <a:rPr lang="en-US"/>
-              <a:t>How to interpret specific models</a:t>
-            </a:r>
-            <a:endParaRPr/>
-          </a:p>
-        </p:txBody>
-      </p:sp>
-      <p:sp>
-        <p:nvSpPr>
-          <p:cNvPr id="102" name="Google Shape;102;p29"/>
-          <p:cNvSpPr txBox="1">
-            <a:spLocks noGrp="1"/>
-          </p:cNvSpPr>
-          <p:nvPr>
-            <p:ph type="body" idx="1"/>
-          </p:nvPr>
-        </p:nvSpPr>
-        <p:spPr>
-          <a:xfrm>
-            <a:off x="415600" y="1536633"/>
-            <a:ext cx="11360700" cy="4555200"/>
-          </a:xfrm>
-          <a:prstGeom prst="rect">
-            <a:avLst/>
-          </a:prstGeom>
-          <a:noFill/>
-          <a:ln>
-            <a:noFill/>
-          </a:ln>
-        </p:spPr>
-        <p:txBody>
-          <a:bodyPr spcFirstLastPara="1" wrap="square" lIns="121900" tIns="121900" rIns="121900" bIns="121900" anchor="t" anchorCtr="0">
-            <a:noAutofit/>
-          </a:bodyPr>
-          <a:lstStyle/>
-          <a:p>
-            <a:pPr marL="457200" lvl="0" indent="-381000" algn="l" rtl="0">
-              <a:lnSpc>
-                <a:spcPct val="115000"/>
-              </a:lnSpc>
-              <a:spcBef>
-                <a:spcPts val="0"/>
-              </a:spcBef>
-              <a:spcAft>
-                <a:spcPts val="0"/>
-              </a:spcAft>
-              <a:buClr>
-                <a:srgbClr val="434343"/>
-              </a:buClr>
-              <a:buSzPts val="2400"/>
-              <a:buChar char="●"/>
-            </a:pPr>
-            <a:r>
-              <a:rPr lang="en-US"/>
-              <a:t>Decision Trees</a:t>
-            </a:r>
-            <a:endParaRPr/>
-          </a:p>
-          <a:p>
-            <a:pPr marL="457200" lvl="0" indent="-381000" algn="l" rtl="0">
-              <a:lnSpc>
-                <a:spcPct val="115000"/>
-              </a:lnSpc>
-              <a:spcBef>
-                <a:spcPts val="0"/>
-              </a:spcBef>
-              <a:spcAft>
-                <a:spcPts val="0"/>
-              </a:spcAft>
-              <a:buClr>
-                <a:srgbClr val="434343"/>
-              </a:buClr>
-              <a:buSzPts val="2400"/>
-              <a:buChar char="●"/>
-            </a:pPr>
-            <a:r>
-              <a:rPr lang="en-US"/>
-              <a:t>KNN</a:t>
-            </a:r>
-            <a:endParaRPr/>
-          </a:p>
-          <a:p>
-            <a:pPr marL="457200" lvl="0" indent="-381000" algn="l" rtl="0">
-              <a:lnSpc>
-                <a:spcPct val="115000"/>
-              </a:lnSpc>
-              <a:spcBef>
-                <a:spcPts val="0"/>
-              </a:spcBef>
-              <a:spcAft>
-                <a:spcPts val="0"/>
-              </a:spcAft>
-              <a:buClr>
-                <a:srgbClr val="434343"/>
-              </a:buClr>
-              <a:buSzPts val="2400"/>
-              <a:buChar char="●"/>
-            </a:pPr>
-            <a:r>
-              <a:rPr lang="en-US"/>
-              <a:t>SVMs</a:t>
-            </a:r>
-            <a:endParaRPr/>
-          </a:p>
-          <a:p>
-            <a:pPr marL="457200" lvl="0" indent="-381000" algn="l" rtl="0">
-              <a:lnSpc>
-                <a:spcPct val="115000"/>
-              </a:lnSpc>
-              <a:spcBef>
-                <a:spcPts val="0"/>
-              </a:spcBef>
-              <a:spcAft>
-                <a:spcPts val="0"/>
-              </a:spcAft>
-              <a:buClr>
-                <a:srgbClr val="434343"/>
-              </a:buClr>
-              <a:buSzPts val="2400"/>
-              <a:buChar char="●"/>
-            </a:pPr>
-            <a:r>
-              <a:rPr lang="en-US"/>
-              <a:t>RFs</a:t>
-            </a:r>
-            <a:endParaRPr/>
-          </a:p>
-          <a:p>
-            <a:pPr marL="457200" lvl="0" indent="-381000" algn="l" rtl="0">
-              <a:lnSpc>
-                <a:spcPct val="115000"/>
-              </a:lnSpc>
-              <a:spcBef>
-                <a:spcPts val="0"/>
-              </a:spcBef>
-              <a:spcAft>
-                <a:spcPts val="0"/>
-              </a:spcAft>
-              <a:buClr>
-                <a:srgbClr val="434343"/>
-              </a:buClr>
-              <a:buSzPts val="2400"/>
-              <a:buChar char="●"/>
-            </a:pPr>
-            <a:r>
-              <a:rPr lang="en-US"/>
-              <a:t>NNs</a:t>
-            </a:r>
-            <a:endParaRPr/>
-          </a:p>
-        </p:txBody>
-      </p:sp>
-    </p:spTree>
-    <p:extLst>
-      <p:ext uri="{BB962C8B-B14F-4D97-AF65-F5344CB8AC3E}">
-        <p14:creationId xmlns:p14="http://schemas.microsoft.com/office/powerpoint/2010/main" val="214034800"/>
-      </p:ext>
-    </p:extLst>
-  </p:cSld>
-  <p:clrMapOvr>
-    <a:masterClrMapping/>
-  </p:clrMapOvr>
-</p:sld>
-</file>
-
-<file path=ppt/slides/slide6.xml><?xml version="1.0" encoding="utf-8"?>
-<p:sld xmlns:a="http://schemas.openxmlformats.org/drawingml/2006/main" xmlns:r="http://schemas.openxmlformats.org/officeDocument/2006/relationships" xmlns:p="http://schemas.openxmlformats.org/presentationml/2006/main">
-  <p:cSld>
-    <p:spTree>
-      <p:nvGrpSpPr>
-        <p:cNvPr id="1" name="Shape 107"/>
-        <p:cNvGrpSpPr/>
-        <p:nvPr/>
-      </p:nvGrpSpPr>
-      <p:grpSpPr>
-        <a:xfrm>
-          <a:off x="0" y="0"/>
-          <a:ext cx="0" cy="0"/>
-          <a:chOff x="0" y="0"/>
-          <a:chExt cx="0" cy="0"/>
-        </a:xfrm>
-      </p:grpSpPr>
-      <p:sp>
-        <p:nvSpPr>
-          <p:cNvPr id="108" name="Google Shape;108;g71c382910d_0_0"/>
-          <p:cNvSpPr txBox="1">
-            <a:spLocks noGrp="1"/>
-          </p:cNvSpPr>
-          <p:nvPr>
-            <p:ph type="title"/>
-          </p:nvPr>
-        </p:nvSpPr>
-        <p:spPr>
-          <a:xfrm>
-            <a:off x="415600" y="86563"/>
-            <a:ext cx="11360700" cy="763500"/>
-          </a:xfrm>
-          <a:prstGeom prst="rect">
-            <a:avLst/>
-          </a:prstGeom>
-        </p:spPr>
-        <p:txBody>
-          <a:bodyPr spcFirstLastPara="1" wrap="square" lIns="121900" tIns="121900" rIns="121900" bIns="121900" anchor="t" anchorCtr="0">
-            <a:noAutofit/>
-          </a:bodyPr>
-          <a:lstStyle/>
-          <a:p>
-            <a:pPr marL="0" lvl="0" indent="0" algn="l" rtl="0">
-              <a:spcBef>
-                <a:spcPts val="0"/>
-              </a:spcBef>
-              <a:spcAft>
-                <a:spcPts val="0"/>
-              </a:spcAft>
-              <a:buNone/>
-            </a:pPr>
-            <a:r>
-              <a:rPr lang="en-US"/>
-              <a:t>Feature Importances</a:t>
-            </a:r>
-            <a:endParaRPr/>
-          </a:p>
-        </p:txBody>
-      </p:sp>
-      <p:sp>
-        <p:nvSpPr>
-          <p:cNvPr id="109" name="Google Shape;109;g71c382910d_0_0"/>
-          <p:cNvSpPr txBox="1">
-            <a:spLocks noGrp="1"/>
-          </p:cNvSpPr>
-          <p:nvPr>
-            <p:ph type="body" idx="1"/>
-          </p:nvPr>
-        </p:nvSpPr>
-        <p:spPr>
-          <a:xfrm>
-            <a:off x="415600" y="1536633"/>
-            <a:ext cx="11360700" cy="4555200"/>
-          </a:xfrm>
-          <a:prstGeom prst="rect">
-            <a:avLst/>
-          </a:prstGeom>
-        </p:spPr>
-        <p:txBody>
-          <a:bodyPr spcFirstLastPara="1" wrap="square" lIns="121900" tIns="121900" rIns="121900" bIns="121900" anchor="t" anchorCtr="0">
-            <a:noAutofit/>
-          </a:bodyPr>
-          <a:lstStyle/>
-          <a:p>
-            <a:pPr marL="0" lvl="0" indent="0" algn="l" rtl="0">
-              <a:spcBef>
-                <a:spcPts val="0"/>
-              </a:spcBef>
-              <a:spcAft>
-                <a:spcPts val="0"/>
-              </a:spcAft>
-              <a:buNone/>
-            </a:pPr>
-            <a:endParaRPr/>
-          </a:p>
-        </p:txBody>
-      </p:sp>
-    </p:spTree>
-    <p:extLst>
-      <p:ext uri="{BB962C8B-B14F-4D97-AF65-F5344CB8AC3E}">
-        <p14:creationId xmlns:p14="http://schemas.microsoft.com/office/powerpoint/2010/main" val="31147705"/>
-      </p:ext>
-    </p:extLst>
-  </p:cSld>
-  <p:clrMapOvr>
-    <a:masterClrMapping/>
-  </p:clrMapOvr>
-</p:sld>
-</file>
-
-<file path=ppt/slides/slide7.xml><?xml version="1.0" encoding="utf-8"?>
-<p:sld xmlns:a="http://schemas.openxmlformats.org/drawingml/2006/main" xmlns:r="http://schemas.openxmlformats.org/officeDocument/2006/relationships" xmlns:p="http://schemas.openxmlformats.org/presentationml/2006/main">
-  <p:cSld>
-    <p:spTree>
-      <p:nvGrpSpPr>
-        <p:cNvPr id="1" name="Shape 113"/>
-        <p:cNvGrpSpPr/>
-        <p:nvPr/>
-      </p:nvGrpSpPr>
-      <p:grpSpPr>
-        <a:xfrm>
-          <a:off x="0" y="0"/>
-          <a:ext cx="0" cy="0"/>
-          <a:chOff x="0" y="0"/>
-          <a:chExt cx="0" cy="0"/>
-        </a:xfrm>
-      </p:grpSpPr>
-      <p:sp>
-        <p:nvSpPr>
-          <p:cNvPr id="114" name="Google Shape;114;p8"/>
-          <p:cNvSpPr txBox="1">
-            <a:spLocks noGrp="1"/>
-          </p:cNvSpPr>
-          <p:nvPr>
-            <p:ph type="title"/>
-          </p:nvPr>
-        </p:nvSpPr>
-        <p:spPr>
-          <a:xfrm>
-            <a:off x="415600" y="86563"/>
-            <a:ext cx="11360700" cy="763500"/>
-          </a:xfrm>
-          <a:prstGeom prst="rect">
-            <a:avLst/>
-          </a:prstGeom>
-          <a:noFill/>
-          <a:ln>
-            <a:noFill/>
-          </a:ln>
-        </p:spPr>
-        <p:txBody>
-          <a:bodyPr spcFirstLastPara="1" wrap="square" lIns="121900" tIns="121900" rIns="121900" bIns="121900" anchor="t" anchorCtr="0">
-            <a:noAutofit/>
-          </a:bodyPr>
-          <a:lstStyle/>
-          <a:p>
-            <a:pPr marL="0" lvl="0" indent="0" algn="l" rtl="0">
-              <a:lnSpc>
-                <a:spcPct val="100000"/>
-              </a:lnSpc>
-              <a:spcBef>
-                <a:spcPts val="0"/>
-              </a:spcBef>
-              <a:spcAft>
-                <a:spcPts val="0"/>
-              </a:spcAft>
-              <a:buClr>
-                <a:srgbClr val="FFFFFF"/>
-              </a:buClr>
-              <a:buSzPts val="3700"/>
-              <a:buNone/>
-            </a:pPr>
-            <a:r>
-              <a:rPr lang="en-US"/>
-              <a:t>Leave one out feature groups</a:t>
-            </a:r>
-            <a:endParaRPr/>
-          </a:p>
-        </p:txBody>
-      </p:sp>
-      <p:sp>
-        <p:nvSpPr>
-          <p:cNvPr id="115" name="Google Shape;115;p8"/>
-          <p:cNvSpPr txBox="1">
-            <a:spLocks noGrp="1"/>
-          </p:cNvSpPr>
-          <p:nvPr>
-            <p:ph type="body" idx="1"/>
-          </p:nvPr>
-        </p:nvSpPr>
-        <p:spPr>
-          <a:xfrm>
-            <a:off x="415600" y="1536633"/>
-            <a:ext cx="11360700" cy="4555200"/>
-          </a:xfrm>
-          <a:prstGeom prst="rect">
-            <a:avLst/>
-          </a:prstGeom>
-          <a:noFill/>
-          <a:ln>
-            <a:noFill/>
-          </a:ln>
-        </p:spPr>
-        <p:txBody>
-          <a:bodyPr spcFirstLastPara="1" wrap="square" lIns="121900" tIns="121900" rIns="121900" bIns="121900" anchor="t" anchorCtr="0">
-            <a:noAutofit/>
-          </a:bodyPr>
-          <a:lstStyle/>
-          <a:p>
-            <a:pPr marL="457200" lvl="0" indent="-381000" algn="l" rtl="0">
-              <a:lnSpc>
-                <a:spcPct val="115000"/>
-              </a:lnSpc>
-              <a:spcBef>
-                <a:spcPts val="0"/>
-              </a:spcBef>
-              <a:spcAft>
-                <a:spcPts val="0"/>
-              </a:spcAft>
-              <a:buClr>
-                <a:srgbClr val="434343"/>
-              </a:buClr>
-              <a:buSzPts val="2400"/>
-              <a:buChar char="●"/>
-            </a:pPr>
-            <a:r>
-              <a:rPr lang="en-US"/>
-              <a:t>Predictive Utility of a Feature Group:</a:t>
-            </a:r>
-            <a:endParaRPr/>
-          </a:p>
-          <a:p>
-            <a:pPr marL="914400" lvl="1" indent="-349250" algn="l" rtl="0">
-              <a:lnSpc>
-                <a:spcPct val="115000"/>
-              </a:lnSpc>
-              <a:spcBef>
-                <a:spcPts val="2100"/>
-              </a:spcBef>
-              <a:spcAft>
-                <a:spcPts val="0"/>
-              </a:spcAft>
-              <a:buSzPts val="1900"/>
-              <a:buChar char="○"/>
-            </a:pPr>
-            <a:r>
-              <a:rPr lang="en-US"/>
-              <a:t>Run models with all feature groups</a:t>
-            </a:r>
-            <a:endParaRPr/>
-          </a:p>
-          <a:p>
-            <a:pPr marL="914400" lvl="1" indent="-349250" algn="l" rtl="0">
-              <a:lnSpc>
-                <a:spcPct val="115000"/>
-              </a:lnSpc>
-              <a:spcBef>
-                <a:spcPts val="2100"/>
-              </a:spcBef>
-              <a:spcAft>
-                <a:spcPts val="0"/>
-              </a:spcAft>
-              <a:buSzPts val="1900"/>
-              <a:buChar char="○"/>
-            </a:pPr>
-            <a:r>
-              <a:rPr lang="en-US"/>
-              <a:t>Run models with only 1 feature group</a:t>
-            </a:r>
-            <a:endParaRPr/>
-          </a:p>
-          <a:p>
-            <a:pPr marL="914400" lvl="1" indent="-349250" algn="l" rtl="0">
-              <a:lnSpc>
-                <a:spcPct val="115000"/>
-              </a:lnSpc>
-              <a:spcBef>
-                <a:spcPts val="2100"/>
-              </a:spcBef>
-              <a:spcAft>
-                <a:spcPts val="0"/>
-              </a:spcAft>
-              <a:buSzPts val="1900"/>
-              <a:buChar char="○"/>
-            </a:pPr>
-            <a:r>
-              <a:rPr lang="en-US"/>
-              <a:t>Run models with all except 1 feature group</a:t>
-            </a:r>
-            <a:endParaRPr/>
-          </a:p>
-        </p:txBody>
-      </p:sp>
-    </p:spTree>
-    <p:extLst>
-      <p:ext uri="{BB962C8B-B14F-4D97-AF65-F5344CB8AC3E}">
-        <p14:creationId xmlns:p14="http://schemas.microsoft.com/office/powerpoint/2010/main" val="2494711182"/>
-      </p:ext>
-    </p:extLst>
-  </p:cSld>
-  <p:clrMapOvr>
-    <a:masterClrMapping/>
-  </p:clrMapOvr>
-</p:sld>
-</file>
-
-<file path=ppt/slides/slide8.xml><?xml version="1.0" encoding="utf-8"?>
-<p:sld xmlns:a="http://schemas.openxmlformats.org/drawingml/2006/main" xmlns:r="http://schemas.openxmlformats.org/officeDocument/2006/relationships" xmlns:p="http://schemas.openxmlformats.org/presentationml/2006/main">
-  <p:cSld>
-    <p:spTree>
-      <p:nvGrpSpPr>
-        <p:cNvPr id="1" name="Shape 120"/>
-        <p:cNvGrpSpPr/>
-        <p:nvPr/>
-      </p:nvGrpSpPr>
-      <p:grpSpPr>
-        <a:xfrm>
-          <a:off x="0" y="0"/>
-          <a:ext cx="0" cy="0"/>
-          <a:chOff x="0" y="0"/>
-          <a:chExt cx="0" cy="0"/>
-        </a:xfrm>
-      </p:grpSpPr>
-      <p:sp>
-        <p:nvSpPr>
-          <p:cNvPr id="121" name="Google Shape;121;g71c382910d_0_6"/>
-          <p:cNvSpPr txBox="1">
-            <a:spLocks noGrp="1"/>
-          </p:cNvSpPr>
-          <p:nvPr>
-            <p:ph type="title"/>
-          </p:nvPr>
-        </p:nvSpPr>
-        <p:spPr>
-          <a:xfrm>
-            <a:off x="415600" y="86563"/>
-            <a:ext cx="11360700" cy="763500"/>
-          </a:xfrm>
-          <a:prstGeom prst="rect">
-            <a:avLst/>
-          </a:prstGeom>
-        </p:spPr>
-        <p:txBody>
-          <a:bodyPr spcFirstLastPara="1" wrap="square" lIns="121900" tIns="121900" rIns="121900" bIns="121900" anchor="t" anchorCtr="0">
-            <a:noAutofit/>
-          </a:bodyPr>
-          <a:lstStyle/>
-          <a:p>
-            <a:pPr marL="0" lvl="0" indent="0" algn="l" rtl="0">
-              <a:spcBef>
-                <a:spcPts val="0"/>
-              </a:spcBef>
-              <a:spcAft>
-                <a:spcPts val="0"/>
-              </a:spcAft>
-              <a:buNone/>
-            </a:pPr>
-            <a:r>
-              <a:rPr lang="en-US"/>
-              <a:t>Error Analysis</a:t>
-            </a:r>
-            <a:endParaRPr/>
-          </a:p>
-        </p:txBody>
-      </p:sp>
-      <p:sp>
-        <p:nvSpPr>
-          <p:cNvPr id="122" name="Google Shape;122;g71c382910d_0_6"/>
-          <p:cNvSpPr txBox="1">
-            <a:spLocks noGrp="1"/>
-          </p:cNvSpPr>
-          <p:nvPr>
-            <p:ph type="body" idx="1"/>
-          </p:nvPr>
-        </p:nvSpPr>
-        <p:spPr>
-          <a:xfrm>
-            <a:off x="415600" y="1536633"/>
-            <a:ext cx="11360700" cy="4555200"/>
-          </a:xfrm>
-          <a:prstGeom prst="rect">
-            <a:avLst/>
-          </a:prstGeom>
-        </p:spPr>
-        <p:txBody>
-          <a:bodyPr spcFirstLastPara="1" wrap="square" lIns="121900" tIns="121900" rIns="121900" bIns="121900" anchor="t" anchorCtr="0">
-            <a:noAutofit/>
-          </a:bodyPr>
-          <a:lstStyle/>
-          <a:p>
-            <a:pPr marL="457200" lvl="0" indent="-381000" algn="l" rtl="0">
-              <a:spcBef>
-                <a:spcPts val="0"/>
-              </a:spcBef>
-              <a:spcAft>
-                <a:spcPts val="0"/>
-              </a:spcAft>
-              <a:buSzPts val="2400"/>
-              <a:buChar char="●"/>
-            </a:pPr>
-            <a:r>
-              <a:rPr lang="en-US"/>
-              <a:t>Error Trees</a:t>
-            </a:r>
-            <a:br>
-              <a:rPr lang="en-US"/>
-            </a:br>
-            <a:endParaRPr/>
-          </a:p>
-          <a:p>
-            <a:pPr marL="457200" lvl="0" indent="-381000" algn="l" rtl="0">
-              <a:spcBef>
-                <a:spcPts val="0"/>
-              </a:spcBef>
-              <a:spcAft>
-                <a:spcPts val="0"/>
-              </a:spcAft>
-              <a:buSzPts val="2400"/>
-              <a:buChar char="●"/>
-            </a:pPr>
-            <a:r>
-              <a:rPr lang="en-US"/>
-              <a:t>Clustering</a:t>
-            </a:r>
-            <a:br>
-              <a:rPr lang="en-US"/>
-            </a:br>
-            <a:endParaRPr/>
-          </a:p>
-          <a:p>
-            <a:pPr marL="457200" lvl="0" indent="-381000" algn="l" rtl="0">
-              <a:spcBef>
-                <a:spcPts val="0"/>
-              </a:spcBef>
-              <a:spcAft>
-                <a:spcPts val="0"/>
-              </a:spcAft>
-              <a:buSzPts val="2400"/>
-              <a:buChar char="●"/>
-            </a:pPr>
-            <a:r>
-              <a:rPr lang="en-US"/>
-              <a:t>Individual Feature Importances</a:t>
-            </a:r>
-            <a:endParaRPr/>
-          </a:p>
-        </p:txBody>
-      </p:sp>
-    </p:spTree>
-    <p:extLst>
-      <p:ext uri="{BB962C8B-B14F-4D97-AF65-F5344CB8AC3E}">
-        <p14:creationId xmlns:p14="http://schemas.microsoft.com/office/powerpoint/2010/main" val="1694156912"/>
-      </p:ext>
-    </p:extLst>
-  </p:cSld>
-  <p:clrMapOvr>
-    <a:masterClrMapping/>
-  </p:clrMapOvr>
-</p:sld>
-</file>
-
-<file path=ppt/slides/slide9.xml><?xml version="1.0" encoding="utf-8"?>
-<p:sld xmlns:a="http://schemas.openxmlformats.org/drawingml/2006/main" xmlns:r="http://schemas.openxmlformats.org/officeDocument/2006/relationships" xmlns:p="http://schemas.openxmlformats.org/presentationml/2006/main">
-  <p:cSld>
-    <p:spTree>
-      <p:nvGrpSpPr>
-        <p:cNvPr id="1" name="Shape 126"/>
-        <p:cNvGrpSpPr/>
-        <p:nvPr/>
-      </p:nvGrpSpPr>
-      <p:grpSpPr>
-        <a:xfrm>
-          <a:off x="0" y="0"/>
-          <a:ext cx="0" cy="0"/>
-          <a:chOff x="0" y="0"/>
-          <a:chExt cx="0" cy="0"/>
-        </a:xfrm>
-      </p:grpSpPr>
-      <p:sp>
-        <p:nvSpPr>
-          <p:cNvPr id="127" name="Google Shape;127;p28"/>
-          <p:cNvSpPr txBox="1">
-            <a:spLocks noGrp="1"/>
-          </p:cNvSpPr>
-          <p:nvPr>
-            <p:ph type="title"/>
-          </p:nvPr>
-        </p:nvSpPr>
-        <p:spPr>
-          <a:xfrm>
-            <a:off x="415600" y="86563"/>
-            <a:ext cx="11360700" cy="763500"/>
-          </a:xfrm>
-          <a:prstGeom prst="rect">
-            <a:avLst/>
-          </a:prstGeom>
-          <a:noFill/>
-          <a:ln>
-            <a:noFill/>
-          </a:ln>
-        </p:spPr>
-        <p:txBody>
-          <a:bodyPr spcFirstLastPara="1" wrap="square" lIns="121900" tIns="121900" rIns="121900" bIns="121900" anchor="t" anchorCtr="0">
-            <a:noAutofit/>
-          </a:bodyPr>
-          <a:lstStyle/>
-          <a:p>
-            <a:pPr marL="0" lvl="0" indent="0" algn="l" rtl="0">
-              <a:lnSpc>
-                <a:spcPct val="100000"/>
-              </a:lnSpc>
-              <a:spcBef>
-                <a:spcPts val="0"/>
-              </a:spcBef>
-              <a:spcAft>
-                <a:spcPts val="0"/>
-              </a:spcAft>
-              <a:buClr>
-                <a:srgbClr val="FFFFFF"/>
-              </a:buClr>
-              <a:buSzPts val="3700"/>
-              <a:buNone/>
-            </a:pPr>
-            <a:r>
-              <a:rPr lang="en-US"/>
-              <a:t>Understanding Predictions</a:t>
-            </a:r>
-            <a:endParaRPr/>
-          </a:p>
-        </p:txBody>
-      </p:sp>
-      <p:sp>
-        <p:nvSpPr>
-          <p:cNvPr id="128" name="Google Shape;128;p28"/>
-          <p:cNvSpPr txBox="1">
-            <a:spLocks noGrp="1"/>
-          </p:cNvSpPr>
-          <p:nvPr>
-            <p:ph type="body" idx="1"/>
-          </p:nvPr>
-        </p:nvSpPr>
-        <p:spPr>
-          <a:xfrm>
-            <a:off x="415600" y="1536633"/>
-            <a:ext cx="11360700" cy="4555200"/>
-          </a:xfrm>
-          <a:prstGeom prst="rect">
-            <a:avLst/>
-          </a:prstGeom>
-          <a:noFill/>
-          <a:ln>
-            <a:noFill/>
-          </a:ln>
-        </p:spPr>
-        <p:txBody>
-          <a:bodyPr spcFirstLastPara="1" wrap="square" lIns="121900" tIns="121900" rIns="121900" bIns="121900" anchor="t" anchorCtr="0">
-            <a:noAutofit/>
-          </a:bodyPr>
-          <a:lstStyle/>
-          <a:p>
-            <a:pPr marL="457200" lvl="0" indent="-381000" algn="l" rtl="0">
-              <a:lnSpc>
-                <a:spcPct val="115000"/>
-              </a:lnSpc>
-              <a:spcBef>
-                <a:spcPts val="0"/>
-              </a:spcBef>
-              <a:spcAft>
-                <a:spcPts val="0"/>
-              </a:spcAft>
-              <a:buClr>
-                <a:srgbClr val="434343"/>
-              </a:buClr>
-              <a:buSzPts val="2400"/>
-              <a:buChar char="●"/>
-            </a:pPr>
-            <a:r>
-              <a:rPr lang="en-US"/>
-              <a:t>Score Distributions</a:t>
-            </a:r>
-            <a:br>
-              <a:rPr lang="en-US"/>
-            </a:br>
-            <a:endParaRPr/>
-          </a:p>
-          <a:p>
-            <a:pPr marL="457200" lvl="0" indent="-381000" algn="l" rtl="0">
-              <a:lnSpc>
-                <a:spcPct val="115000"/>
-              </a:lnSpc>
-              <a:spcBef>
-                <a:spcPts val="0"/>
-              </a:spcBef>
-              <a:spcAft>
-                <a:spcPts val="0"/>
-              </a:spcAft>
-              <a:buSzPts val="2400"/>
-              <a:buChar char="●"/>
-            </a:pPr>
-            <a:r>
-              <a:rPr lang="en-US"/>
-              <a:t>Stack-Ranking and Calibration</a:t>
-            </a:r>
-            <a:br>
-              <a:rPr lang="en-US"/>
-            </a:br>
-            <a:endParaRPr/>
-          </a:p>
-          <a:p>
-            <a:pPr marL="457200" lvl="0" indent="-381000" algn="l" rtl="0">
-              <a:lnSpc>
-                <a:spcPct val="115000"/>
-              </a:lnSpc>
-              <a:spcBef>
-                <a:spcPts val="0"/>
-              </a:spcBef>
-              <a:spcAft>
-                <a:spcPts val="0"/>
-              </a:spcAft>
-              <a:buClr>
-                <a:srgbClr val="434343"/>
-              </a:buClr>
-              <a:buSzPts val="2400"/>
-              <a:buChar char="●"/>
-            </a:pPr>
-            <a:r>
-              <a:rPr lang="en-US"/>
-              <a:t>Cross-Tabs</a:t>
-            </a:r>
-            <a:br>
-              <a:rPr lang="en-US"/>
-            </a:br>
-            <a:endParaRPr/>
-          </a:p>
-          <a:p>
-            <a:pPr marL="457200" lvl="0" indent="-381000" algn="l" rtl="0">
-              <a:lnSpc>
-                <a:spcPct val="115000"/>
-              </a:lnSpc>
-              <a:spcBef>
-                <a:spcPts val="0"/>
-              </a:spcBef>
-              <a:spcAft>
-                <a:spcPts val="0"/>
-              </a:spcAft>
-              <a:buSzPts val="2400"/>
-              <a:buChar char="●"/>
-            </a:pPr>
-            <a:r>
-              <a:rPr lang="en-US"/>
-              <a:t>Clustering</a:t>
-            </a:r>
-            <a:endParaRPr/>
-          </a:p>
-        </p:txBody>
-      </p:sp>
-    </p:spTree>
-    <p:extLst>
-      <p:ext uri="{BB962C8B-B14F-4D97-AF65-F5344CB8AC3E}">
-        <p14:creationId xmlns:p14="http://schemas.microsoft.com/office/powerpoint/2010/main" val="3328185221"/>
-      </p:ext>
-    </p:extLst>
-  </p:cSld>
-  <p:clrMapOvr>
-    <a:masterClrMapping/>
-  </p:clrMapOvr>
-</p:sld>
-</file>
-
 <file path=ppt/theme/theme1.xml><?xml version="1.0" encoding="utf-8"?>
 <a:theme xmlns:a="http://schemas.openxmlformats.org/drawingml/2006/main" name="Simple Light">
   <a:themeElements>

--- a/Lectures/Lecture14-UnderstandingModels.pptx
+++ b/Lectures/Lecture14-UnderstandingModels.pptx
@@ -5,7 +5,7 @@
     <p:sldMasterId id="2147483648" r:id="rId1"/>
   </p:sldMasterIdLst>
   <p:notesMasterIdLst>
-    <p:notesMasterId r:id="rId16"/>
+    <p:notesMasterId r:id="rId17"/>
   </p:notesMasterIdLst>
   <p:sldIdLst>
     <p:sldId id="256" r:id="rId2"/>
@@ -20,8 +20,9 @@
     <p:sldId id="507" r:id="rId11"/>
     <p:sldId id="508" r:id="rId12"/>
     <p:sldId id="509" r:id="rId13"/>
-    <p:sldId id="504" r:id="rId14"/>
-    <p:sldId id="498" r:id="rId15"/>
+    <p:sldId id="511" r:id="rId14"/>
+    <p:sldId id="504" r:id="rId15"/>
+    <p:sldId id="498" r:id="rId16"/>
   </p:sldIdLst>
   <p:sldSz cx="12192000" cy="6858000"/>
   <p:notesSz cx="6858000" cy="9144000"/>
@@ -259,7 +260,7 @@
       <p15:sldGuideLst xmlns:p15="http://schemas.microsoft.com/office/powerpoint/2012/main"/>
     </p:ext>
     <p:ext uri="http://customooxmlschemas.google.com/">
-      <go:slidesCustomData xmlns:go="http://customooxmlschemas.google.com/" xmlns:p15="http://schemas.microsoft.com/office/powerpoint/2012/main" xmlns:p14="http://schemas.microsoft.com/office/powerpoint/2010/main" xmlns:com="http://schemas.openxmlformats.org/drawingml/2006/compatibility" xmlns:pvml="urn:schemas-microsoft-com:office:powerpoint" xmlns:v="urn:schemas-microsoft-com:vml" xmlns:o="urn:schemas-microsoft-com:office:office" xmlns:dgm="http://schemas.openxmlformats.org/drawingml/2006/diagram" xmlns:c="http://schemas.openxmlformats.org/drawingml/2006/chart" xmlns:mv="urn:schemas-microsoft-com:mac:vml" xmlns:mc="http://schemas.openxmlformats.org/markup-compatibility/2006" xmlns="" r:id="rId32" roundtripDataSignature="AMtx7mhE+28Dr6x2pr2JNXfuZKhsL7KtRg=="/>
+      <go:slidesCustomData xmlns="" xmlns:mc="http://schemas.openxmlformats.org/markup-compatibility/2006" xmlns:mv="urn:schemas-microsoft-com:mac:vml" xmlns:c="http://schemas.openxmlformats.org/drawingml/2006/chart" xmlns:dgm="http://schemas.openxmlformats.org/drawingml/2006/diagram" xmlns:o="urn:schemas-microsoft-com:office:office" xmlns:v="urn:schemas-microsoft-com:vml" xmlns:pvml="urn:schemas-microsoft-com:office:powerpoint" xmlns:com="http://schemas.openxmlformats.org/drawingml/2006/compatibility" xmlns:p14="http://schemas.microsoft.com/office/powerpoint/2010/main" xmlns:p15="http://schemas.microsoft.com/office/powerpoint/2012/main" xmlns:go="http://customooxmlschemas.google.com/" r:id="rId32" roundtripDataSignature="AMtx7mhE+28Dr6x2pr2JNXfuZKhsL7KtRg=="/>
     </p:ext>
   </p:extLst>
 </p:presentation>
@@ -7091,7 +7092,7 @@
             </a:pPr>
             <a:fld id="{00000000-1234-1234-1234-123412341234}" type="slidenum">
               <a:rPr lang="en-US"/>
-              <a:t>13</a:t>
+              <a:t>14</a:t>
             </a:fld>
             <a:endParaRPr/>
           </a:p>
@@ -12763,7 +12764,7 @@
               <a:buFont typeface="Arial"/>
               <a:buNone/>
             </a:pPr>
-            <a:endParaRPr sz="3200" b="0" i="0" u="none" strike="noStrike" cap="none">
+            <a:endParaRPr sz="3200" b="0" i="0" u="none" strike="noStrike" cap="none" dirty="0">
               <a:solidFill>
                 <a:srgbClr val="000000"/>
               </a:solidFill>
@@ -12791,7 +12792,7 @@
               <a:buFont typeface="Arial"/>
               <a:buNone/>
             </a:pPr>
-            <a:endParaRPr sz="3200" b="0" i="0" u="none" strike="noStrike" cap="none">
+            <a:endParaRPr sz="3200" b="0" i="0" u="none" strike="noStrike" cap="none" dirty="0">
               <a:solidFill>
                 <a:srgbClr val="000000"/>
               </a:solidFill>
@@ -12815,7 +12816,7 @@
               <a:buNone/>
             </a:pPr>
             <a:r>
-              <a:rPr lang="en-US" sz="4400" b="0" i="0" u="none" strike="noStrike" cap="none">
+              <a:rPr lang="en-US" sz="4400" b="0" i="0" u="none" strike="noStrike" cap="none" dirty="0">
                 <a:solidFill>
                   <a:srgbClr val="000000"/>
                 </a:solidFill>
@@ -12824,9 +12825,9 @@
                 <a:cs typeface="Arial"/>
                 <a:sym typeface="Arial"/>
               </a:rPr>
-              <a:t>Interpretability: Understanding ML Models and their Predictions </a:t>
+              <a:t>Interpretability: Simple ways of Understanding ML Models and their Predictions </a:t>
             </a:r>
-            <a:endParaRPr sz="3200" b="0" i="0" u="none" strike="noStrike" cap="none">
+            <a:endParaRPr sz="3200" b="0" i="0" u="none" strike="noStrike" cap="none" dirty="0">
               <a:solidFill>
                 <a:srgbClr val="000000"/>
               </a:solidFill>
@@ -12854,7 +12855,7 @@
               <a:buFont typeface="Arial"/>
               <a:buNone/>
             </a:pPr>
-            <a:endParaRPr sz="3200" b="0" i="0" u="none" strike="noStrike" cap="none">
+            <a:endParaRPr sz="3200" b="0" i="0" u="none" strike="noStrike" cap="none" dirty="0">
               <a:solidFill>
                 <a:srgbClr val="000000"/>
               </a:solidFill>
@@ -13808,6 +13809,1134 @@
   <p:cSld>
     <p:spTree>
       <p:nvGrpSpPr>
+        <p:cNvPr id="1" name=""/>
+        <p:cNvGrpSpPr/>
+        <p:nvPr/>
+      </p:nvGrpSpPr>
+      <p:grpSpPr>
+        <a:xfrm>
+          <a:off x="0" y="0"/>
+          <a:ext cx="0" cy="0"/>
+          <a:chOff x="0" y="0"/>
+          <a:chExt cx="0" cy="0"/>
+        </a:xfrm>
+      </p:grpSpPr>
+      <p:sp>
+        <p:nvSpPr>
+          <p:cNvPr id="2" name="Title 1">
+            <a:extLst>
+              <a:ext uri="{FF2B5EF4-FFF2-40B4-BE49-F238E27FC236}">
+                <a16:creationId xmlns:a16="http://schemas.microsoft.com/office/drawing/2014/main" id="{792547D1-9227-454F-A2DD-07B1E236AABF}"/>
+              </a:ext>
+            </a:extLst>
+          </p:cNvPr>
+          <p:cNvSpPr>
+            <a:spLocks noGrp="1"/>
+          </p:cNvSpPr>
+          <p:nvPr>
+            <p:ph type="title"/>
+          </p:nvPr>
+        </p:nvSpPr>
+        <p:spPr/>
+        <p:txBody>
+          <a:bodyPr/>
+          <a:lstStyle/>
+          <a:p>
+            <a:r>
+              <a:rPr lang="en-US" dirty="0"/>
+              <a:t>Example</a:t>
+            </a:r>
+          </a:p>
+        </p:txBody>
+      </p:sp>
+      <p:graphicFrame>
+        <p:nvGraphicFramePr>
+          <p:cNvPr id="4" name="Table 3">
+            <a:extLst>
+              <a:ext uri="{FF2B5EF4-FFF2-40B4-BE49-F238E27FC236}">
+                <a16:creationId xmlns:a16="http://schemas.microsoft.com/office/drawing/2014/main" id="{61BAD474-3C3B-8F4D-8244-D32CA07A48ED}"/>
+              </a:ext>
+            </a:extLst>
+          </p:cNvPr>
+          <p:cNvGraphicFramePr>
+            <a:graphicFrameLocks noGrp="1"/>
+          </p:cNvGraphicFramePr>
+          <p:nvPr>
+            <p:extLst>
+              <p:ext uri="{D42A27DB-BD31-4B8C-83A1-F6EECF244321}">
+                <p14:modId xmlns:p14="http://schemas.microsoft.com/office/powerpoint/2010/main" val="3674825223"/>
+              </p:ext>
+            </p:extLst>
+          </p:nvPr>
+        </p:nvGraphicFramePr>
+        <p:xfrm>
+          <a:off x="1324303" y="1912884"/>
+          <a:ext cx="9280635" cy="4056994"/>
+        </p:xfrm>
+        <a:graphic>
+          <a:graphicData uri="http://schemas.openxmlformats.org/drawingml/2006/table">
+            <a:tbl>
+              <a:tblPr/>
+              <a:tblGrid>
+                <a:gridCol w="1769865">
+                  <a:extLst>
+                    <a:ext uri="{9D8B030D-6E8A-4147-A177-3AD203B41FA5}">
+                      <a16:colId xmlns:a16="http://schemas.microsoft.com/office/drawing/2014/main" val="960774982"/>
+                    </a:ext>
+                  </a:extLst>
+                </a:gridCol>
+                <a:gridCol w="7510770">
+                  <a:extLst>
+                    <a:ext uri="{9D8B030D-6E8A-4147-A177-3AD203B41FA5}">
+                      <a16:colId xmlns:a16="http://schemas.microsoft.com/office/drawing/2014/main" val="507848216"/>
+                    </a:ext>
+                  </a:extLst>
+                </a:gridCol>
+              </a:tblGrid>
+              <a:tr h="528662">
+                <a:tc>
+                  <a:txBody>
+                    <a:bodyPr/>
+                    <a:lstStyle/>
+                    <a:p>
+                      <a:pPr algn="r" rtl="0" fontAlgn="t">
+                        <a:spcBef>
+                          <a:spcPts val="0"/>
+                        </a:spcBef>
+                        <a:spcAft>
+                          <a:spcPts val="0"/>
+                        </a:spcAft>
+                      </a:pPr>
+                      <a:r>
+                        <a:rPr lang="en-US" sz="1400" b="1" i="0" u="none" strike="noStrike" dirty="0">
+                          <a:solidFill>
+                            <a:srgbClr val="000000"/>
+                          </a:solidFill>
+                          <a:effectLst/>
+                          <a:latin typeface="Arial" panose="020B0604020202020204" pitchFamily="34" charset="0"/>
+                        </a:rPr>
+                        <a:t>2x</a:t>
+                      </a:r>
+                      <a:endParaRPr lang="en-US" dirty="0">
+                        <a:effectLst/>
+                      </a:endParaRPr>
+                    </a:p>
+                  </a:txBody>
+                  <a:tcPr marL="63500" marR="63500" marT="63500" marB="63500">
+                    <a:lnL w="12700" cap="flat" cmpd="sng" algn="ctr">
+                      <a:solidFill>
+                        <a:srgbClr val="FFFFFF"/>
+                      </a:solidFill>
+                      <a:prstDash val="solid"/>
+                      <a:round/>
+                      <a:headEnd type="none" w="med" len="med"/>
+                      <a:tailEnd type="none" w="med" len="med"/>
+                    </a:lnL>
+                    <a:lnR w="12700" cap="flat" cmpd="sng" algn="ctr">
+                      <a:solidFill>
+                        <a:srgbClr val="FFFFFF"/>
+                      </a:solidFill>
+                      <a:prstDash val="solid"/>
+                      <a:round/>
+                      <a:headEnd type="none" w="med" len="med"/>
+                      <a:tailEnd type="none" w="med" len="med"/>
+                    </a:lnR>
+                    <a:lnT w="12700" cap="flat" cmpd="sng" algn="ctr">
+                      <a:solidFill>
+                        <a:srgbClr val="FFFFFF"/>
+                      </a:solidFill>
+                      <a:prstDash val="solid"/>
+                      <a:round/>
+                      <a:headEnd type="none" w="med" len="med"/>
+                      <a:tailEnd type="none" w="med" len="med"/>
+                    </a:lnT>
+                    <a:lnB w="12700" cap="flat" cmpd="sng" algn="ctr">
+                      <a:solidFill>
+                        <a:srgbClr val="FFFFFF"/>
+                      </a:solidFill>
+                      <a:prstDash val="solid"/>
+                      <a:round/>
+                      <a:headEnd type="none" w="med" len="med"/>
+                      <a:tailEnd type="none" w="med" len="med"/>
+                    </a:lnB>
+                  </a:tcPr>
+                </a:tc>
+                <a:tc>
+                  <a:txBody>
+                    <a:bodyPr/>
+                    <a:lstStyle/>
+                    <a:p>
+                      <a:pPr rtl="0" fontAlgn="t">
+                        <a:spcBef>
+                          <a:spcPts val="0"/>
+                        </a:spcBef>
+                        <a:spcAft>
+                          <a:spcPts val="0"/>
+                        </a:spcAft>
+                      </a:pPr>
+                      <a:r>
+                        <a:rPr lang="en-US" sz="1100" b="0" i="0" u="none" strike="noStrike">
+                          <a:solidFill>
+                            <a:srgbClr val="000000"/>
+                          </a:solidFill>
+                          <a:effectLst/>
+                          <a:latin typeface="Arial" panose="020B0604020202020204" pitchFamily="34" charset="0"/>
+                        </a:rPr>
+                        <a:t>less likely to report an illness in the past three years (4.3% versus 9.1%) </a:t>
+                      </a:r>
+                      <a:endParaRPr lang="en-US">
+                        <a:effectLst/>
+                      </a:endParaRPr>
+                    </a:p>
+                  </a:txBody>
+                  <a:tcPr marL="63500" marR="63500" marT="63500" marB="63500">
+                    <a:lnL w="12700" cap="flat" cmpd="sng" algn="ctr">
+                      <a:solidFill>
+                        <a:srgbClr val="FFFFFF"/>
+                      </a:solidFill>
+                      <a:prstDash val="solid"/>
+                      <a:round/>
+                      <a:headEnd type="none" w="med" len="med"/>
+                      <a:tailEnd type="none" w="med" len="med"/>
+                    </a:lnL>
+                    <a:lnR w="12700" cap="flat" cmpd="sng" algn="ctr">
+                      <a:solidFill>
+                        <a:srgbClr val="FFFFFF"/>
+                      </a:solidFill>
+                      <a:prstDash val="solid"/>
+                      <a:round/>
+                      <a:headEnd type="none" w="med" len="med"/>
+                      <a:tailEnd type="none" w="med" len="med"/>
+                    </a:lnR>
+                    <a:lnT w="12700" cap="flat" cmpd="sng" algn="ctr">
+                      <a:solidFill>
+                        <a:srgbClr val="FFFFFF"/>
+                      </a:solidFill>
+                      <a:prstDash val="solid"/>
+                      <a:round/>
+                      <a:headEnd type="none" w="med" len="med"/>
+                      <a:tailEnd type="none" w="med" len="med"/>
+                    </a:lnT>
+                    <a:lnB w="12700" cap="flat" cmpd="sng" algn="ctr">
+                      <a:solidFill>
+                        <a:srgbClr val="FFFFFF"/>
+                      </a:solidFill>
+                      <a:prstDash val="solid"/>
+                      <a:round/>
+                      <a:headEnd type="none" w="med" len="med"/>
+                      <a:tailEnd type="none" w="med" len="med"/>
+                    </a:lnB>
+                  </a:tcPr>
+                </a:tc>
+                <a:extLst>
+                  <a:ext uri="{0D108BD9-81ED-4DB2-BD59-A6C34878D82A}">
+                    <a16:rowId xmlns:a16="http://schemas.microsoft.com/office/drawing/2014/main" val="1378405776"/>
+                  </a:ext>
+                </a:extLst>
+              </a:tr>
+              <a:tr h="712716">
+                <a:tc>
+                  <a:txBody>
+                    <a:bodyPr/>
+                    <a:lstStyle/>
+                    <a:p>
+                      <a:pPr algn="r" rtl="0" fontAlgn="t">
+                        <a:spcBef>
+                          <a:spcPts val="0"/>
+                        </a:spcBef>
+                        <a:spcAft>
+                          <a:spcPts val="0"/>
+                        </a:spcAft>
+                      </a:pPr>
+                      <a:r>
+                        <a:rPr lang="en-US" sz="1400" b="1" i="0" u="none" strike="noStrike">
+                          <a:solidFill>
+                            <a:srgbClr val="000000"/>
+                          </a:solidFill>
+                          <a:effectLst/>
+                          <a:latin typeface="Arial" panose="020B0604020202020204" pitchFamily="34" charset="0"/>
+                        </a:rPr>
+                        <a:t>177 days</a:t>
+                      </a:r>
+                      <a:endParaRPr lang="en-US">
+                        <a:effectLst/>
+                      </a:endParaRPr>
+                    </a:p>
+                  </a:txBody>
+                  <a:tcPr marL="63500" marR="63500" marT="63500" marB="63500">
+                    <a:lnL w="12700" cap="flat" cmpd="sng" algn="ctr">
+                      <a:solidFill>
+                        <a:srgbClr val="FFFFFF"/>
+                      </a:solidFill>
+                      <a:prstDash val="solid"/>
+                      <a:round/>
+                      <a:headEnd type="none" w="med" len="med"/>
+                      <a:tailEnd type="none" w="med" len="med"/>
+                    </a:lnL>
+                    <a:lnR w="12700" cap="flat" cmpd="sng" algn="ctr">
+                      <a:solidFill>
+                        <a:srgbClr val="FFFFFF"/>
+                      </a:solidFill>
+                      <a:prstDash val="solid"/>
+                      <a:round/>
+                      <a:headEnd type="none" w="med" len="med"/>
+                      <a:tailEnd type="none" w="med" len="med"/>
+                    </a:lnR>
+                    <a:lnT w="12700" cap="flat" cmpd="sng" algn="ctr">
+                      <a:solidFill>
+                        <a:srgbClr val="FFFFFF"/>
+                      </a:solidFill>
+                      <a:prstDash val="solid"/>
+                      <a:round/>
+                      <a:headEnd type="none" w="med" len="med"/>
+                      <a:tailEnd type="none" w="med" len="med"/>
+                    </a:lnT>
+                    <a:lnB w="12700" cap="flat" cmpd="sng" algn="ctr">
+                      <a:solidFill>
+                        <a:srgbClr val="FFFFFF"/>
+                      </a:solidFill>
+                      <a:prstDash val="solid"/>
+                      <a:round/>
+                      <a:headEnd type="none" w="med" len="med"/>
+                      <a:tailEnd type="none" w="med" len="med"/>
+                    </a:lnB>
+                  </a:tcPr>
+                </a:tc>
+                <a:tc>
+                  <a:txBody>
+                    <a:bodyPr/>
+                    <a:lstStyle/>
+                    <a:p>
+                      <a:pPr rtl="0" fontAlgn="t">
+                        <a:spcBef>
+                          <a:spcPts val="0"/>
+                        </a:spcBef>
+                        <a:spcAft>
+                          <a:spcPts val="0"/>
+                        </a:spcAft>
+                      </a:pPr>
+                      <a:r>
+                        <a:rPr lang="en-US" sz="1100" b="0" i="0" u="none" strike="noStrike">
+                          <a:solidFill>
+                            <a:srgbClr val="000000"/>
+                          </a:solidFill>
+                          <a:effectLst/>
+                          <a:latin typeface="Arial" panose="020B0604020202020204" pitchFamily="34" charset="0"/>
+                        </a:rPr>
+                        <a:t>above average age in their grade last year, compared to 98 days younger than average in negative group </a:t>
+                      </a:r>
+                      <a:endParaRPr lang="en-US">
+                        <a:effectLst/>
+                      </a:endParaRPr>
+                    </a:p>
+                  </a:txBody>
+                  <a:tcPr marL="63500" marR="63500" marT="63500" marB="63500">
+                    <a:lnL w="12700" cap="flat" cmpd="sng" algn="ctr">
+                      <a:solidFill>
+                        <a:srgbClr val="FFFFFF"/>
+                      </a:solidFill>
+                      <a:prstDash val="solid"/>
+                      <a:round/>
+                      <a:headEnd type="none" w="med" len="med"/>
+                      <a:tailEnd type="none" w="med" len="med"/>
+                    </a:lnL>
+                    <a:lnR w="12700" cap="flat" cmpd="sng" algn="ctr">
+                      <a:solidFill>
+                        <a:srgbClr val="FFFFFF"/>
+                      </a:solidFill>
+                      <a:prstDash val="solid"/>
+                      <a:round/>
+                      <a:headEnd type="none" w="med" len="med"/>
+                      <a:tailEnd type="none" w="med" len="med"/>
+                    </a:lnR>
+                    <a:lnT w="12700" cap="flat" cmpd="sng" algn="ctr">
+                      <a:solidFill>
+                        <a:srgbClr val="FFFFFF"/>
+                      </a:solidFill>
+                      <a:prstDash val="solid"/>
+                      <a:round/>
+                      <a:headEnd type="none" w="med" len="med"/>
+                      <a:tailEnd type="none" w="med" len="med"/>
+                    </a:lnT>
+                    <a:lnB w="12700" cap="flat" cmpd="sng" algn="ctr">
+                      <a:solidFill>
+                        <a:srgbClr val="FFFFFF"/>
+                      </a:solidFill>
+                      <a:prstDash val="solid"/>
+                      <a:round/>
+                      <a:headEnd type="none" w="med" len="med"/>
+                      <a:tailEnd type="none" w="med" len="med"/>
+                    </a:lnB>
+                  </a:tcPr>
+                </a:tc>
+                <a:extLst>
+                  <a:ext uri="{0D108BD9-81ED-4DB2-BD59-A6C34878D82A}">
+                    <a16:rowId xmlns:a16="http://schemas.microsoft.com/office/drawing/2014/main" val="1632413473"/>
+                  </a:ext>
+                </a:extLst>
+              </a:tr>
+              <a:tr h="712716">
+                <a:tc>
+                  <a:txBody>
+                    <a:bodyPr/>
+                    <a:lstStyle/>
+                    <a:p>
+                      <a:pPr algn="r" rtl="0" fontAlgn="t">
+                        <a:spcBef>
+                          <a:spcPts val="0"/>
+                        </a:spcBef>
+                        <a:spcAft>
+                          <a:spcPts val="0"/>
+                        </a:spcAft>
+                      </a:pPr>
+                      <a:r>
+                        <a:rPr lang="en-US" sz="1400" b="1" i="0" u="none" strike="noStrike">
+                          <a:solidFill>
+                            <a:srgbClr val="000000"/>
+                          </a:solidFill>
+                          <a:effectLst/>
+                          <a:latin typeface="Arial" panose="020B0604020202020204" pitchFamily="34" charset="0"/>
+                        </a:rPr>
+                        <a:t>1.8x</a:t>
+                      </a:r>
+                      <a:endParaRPr lang="en-US">
+                        <a:effectLst/>
+                      </a:endParaRPr>
+                    </a:p>
+                  </a:txBody>
+                  <a:tcPr marL="63500" marR="63500" marT="63500" marB="63500">
+                    <a:lnL w="12700" cap="flat" cmpd="sng" algn="ctr">
+                      <a:solidFill>
+                        <a:srgbClr val="FFFFFF"/>
+                      </a:solidFill>
+                      <a:prstDash val="solid"/>
+                      <a:round/>
+                      <a:headEnd type="none" w="med" len="med"/>
+                      <a:tailEnd type="none" w="med" len="med"/>
+                    </a:lnL>
+                    <a:lnR w="12700" cap="flat" cmpd="sng" algn="ctr">
+                      <a:solidFill>
+                        <a:srgbClr val="FFFFFF"/>
+                      </a:solidFill>
+                      <a:prstDash val="solid"/>
+                      <a:round/>
+                      <a:headEnd type="none" w="med" len="med"/>
+                      <a:tailEnd type="none" w="med" len="med"/>
+                    </a:lnR>
+                    <a:lnT w="12700" cap="flat" cmpd="sng" algn="ctr">
+                      <a:solidFill>
+                        <a:srgbClr val="FFFFFF"/>
+                      </a:solidFill>
+                      <a:prstDash val="solid"/>
+                      <a:round/>
+                      <a:headEnd type="none" w="med" len="med"/>
+                      <a:tailEnd type="none" w="med" len="med"/>
+                    </a:lnT>
+                    <a:lnB w="12700" cap="flat" cmpd="sng" algn="ctr">
+                      <a:solidFill>
+                        <a:srgbClr val="FFFFFF"/>
+                      </a:solidFill>
+                      <a:prstDash val="solid"/>
+                      <a:round/>
+                      <a:headEnd type="none" w="med" len="med"/>
+                      <a:tailEnd type="none" w="med" len="med"/>
+                    </a:lnB>
+                  </a:tcPr>
+                </a:tc>
+                <a:tc>
+                  <a:txBody>
+                    <a:bodyPr/>
+                    <a:lstStyle/>
+                    <a:p>
+                      <a:pPr rtl="0" fontAlgn="t">
+                        <a:spcBef>
+                          <a:spcPts val="0"/>
+                        </a:spcBef>
+                        <a:spcAft>
+                          <a:spcPts val="0"/>
+                        </a:spcAft>
+                      </a:pPr>
+                      <a:r>
+                        <a:rPr lang="en-US" sz="1100" b="0" i="0" u="none" strike="noStrike">
+                          <a:solidFill>
+                            <a:srgbClr val="000000"/>
+                          </a:solidFill>
+                          <a:effectLst/>
+                          <a:latin typeface="Arial" panose="020B0604020202020204" pitchFamily="34" charset="0"/>
+                        </a:rPr>
+                        <a:t>more likely to missing data for their commute method in the last year (94% vs 51%)  </a:t>
+                      </a:r>
+                      <a:endParaRPr lang="en-US">
+                        <a:effectLst/>
+                      </a:endParaRPr>
+                    </a:p>
+                  </a:txBody>
+                  <a:tcPr marL="63500" marR="63500" marT="63500" marB="63500">
+                    <a:lnL w="12700" cap="flat" cmpd="sng" algn="ctr">
+                      <a:solidFill>
+                        <a:srgbClr val="FFFFFF"/>
+                      </a:solidFill>
+                      <a:prstDash val="solid"/>
+                      <a:round/>
+                      <a:headEnd type="none" w="med" len="med"/>
+                      <a:tailEnd type="none" w="med" len="med"/>
+                    </a:lnL>
+                    <a:lnR w="12700" cap="flat" cmpd="sng" algn="ctr">
+                      <a:solidFill>
+                        <a:srgbClr val="FFFFFF"/>
+                      </a:solidFill>
+                      <a:prstDash val="solid"/>
+                      <a:round/>
+                      <a:headEnd type="none" w="med" len="med"/>
+                      <a:tailEnd type="none" w="med" len="med"/>
+                    </a:lnR>
+                    <a:lnT w="12700" cap="flat" cmpd="sng" algn="ctr">
+                      <a:solidFill>
+                        <a:srgbClr val="FFFFFF"/>
+                      </a:solidFill>
+                      <a:prstDash val="solid"/>
+                      <a:round/>
+                      <a:headEnd type="none" w="med" len="med"/>
+                      <a:tailEnd type="none" w="med" len="med"/>
+                    </a:lnT>
+                    <a:lnB w="12700" cap="flat" cmpd="sng" algn="ctr">
+                      <a:solidFill>
+                        <a:srgbClr val="FFFFFF"/>
+                      </a:solidFill>
+                      <a:prstDash val="solid"/>
+                      <a:round/>
+                      <a:headEnd type="none" w="med" len="med"/>
+                      <a:tailEnd type="none" w="med" len="med"/>
+                    </a:lnB>
+                  </a:tcPr>
+                </a:tc>
+                <a:extLst>
+                  <a:ext uri="{0D108BD9-81ED-4DB2-BD59-A6C34878D82A}">
+                    <a16:rowId xmlns:a16="http://schemas.microsoft.com/office/drawing/2014/main" val="2143062027"/>
+                  </a:ext>
+                </a:extLst>
+              </a:tr>
+              <a:tr h="524746">
+                <a:tc>
+                  <a:txBody>
+                    <a:bodyPr/>
+                    <a:lstStyle/>
+                    <a:p>
+                      <a:pPr algn="r" rtl="0" fontAlgn="t">
+                        <a:spcBef>
+                          <a:spcPts val="0"/>
+                        </a:spcBef>
+                        <a:spcAft>
+                          <a:spcPts val="0"/>
+                        </a:spcAft>
+                      </a:pPr>
+                      <a:r>
+                        <a:rPr lang="en-US" sz="1400" b="1" i="0" u="none" strike="noStrike">
+                          <a:solidFill>
+                            <a:srgbClr val="000000"/>
+                          </a:solidFill>
+                          <a:effectLst/>
+                          <a:latin typeface="Arial" panose="020B0604020202020204" pitchFamily="34" charset="0"/>
+                        </a:rPr>
+                        <a:t>10x </a:t>
+                      </a:r>
+                      <a:endParaRPr lang="en-US">
+                        <a:effectLst/>
+                      </a:endParaRPr>
+                    </a:p>
+                  </a:txBody>
+                  <a:tcPr marL="63500" marR="63500" marT="63500" marB="63500">
+                    <a:lnL w="12700" cap="flat" cmpd="sng" algn="ctr">
+                      <a:solidFill>
+                        <a:srgbClr val="FFFFFF"/>
+                      </a:solidFill>
+                      <a:prstDash val="solid"/>
+                      <a:round/>
+                      <a:headEnd type="none" w="med" len="med"/>
+                      <a:tailEnd type="none" w="med" len="med"/>
+                    </a:lnL>
+                    <a:lnR w="12700" cap="flat" cmpd="sng" algn="ctr">
+                      <a:solidFill>
+                        <a:srgbClr val="FFFFFF"/>
+                      </a:solidFill>
+                      <a:prstDash val="solid"/>
+                      <a:round/>
+                      <a:headEnd type="none" w="med" len="med"/>
+                      <a:tailEnd type="none" w="med" len="med"/>
+                    </a:lnR>
+                    <a:lnT w="12700" cap="flat" cmpd="sng" algn="ctr">
+                      <a:solidFill>
+                        <a:srgbClr val="FFFFFF"/>
+                      </a:solidFill>
+                      <a:prstDash val="solid"/>
+                      <a:round/>
+                      <a:headEnd type="none" w="med" len="med"/>
+                      <a:tailEnd type="none" w="med" len="med"/>
+                    </a:lnT>
+                    <a:lnB w="12700" cap="flat" cmpd="sng" algn="ctr">
+                      <a:solidFill>
+                        <a:srgbClr val="FFFFFF"/>
+                      </a:solidFill>
+                      <a:prstDash val="solid"/>
+                      <a:round/>
+                      <a:headEnd type="none" w="med" len="med"/>
+                      <a:tailEnd type="none" w="med" len="med"/>
+                    </a:lnB>
+                  </a:tcPr>
+                </a:tc>
+                <a:tc>
+                  <a:txBody>
+                    <a:bodyPr/>
+                    <a:lstStyle/>
+                    <a:p>
+                      <a:pPr rtl="0" fontAlgn="t">
+                        <a:spcBef>
+                          <a:spcPts val="0"/>
+                        </a:spcBef>
+                        <a:spcAft>
+                          <a:spcPts val="0"/>
+                        </a:spcAft>
+                      </a:pPr>
+                      <a:r>
+                        <a:rPr lang="en-US" sz="1100" b="0" i="0" u="none" strike="noStrike" dirty="0">
+                          <a:solidFill>
+                            <a:srgbClr val="000000"/>
+                          </a:solidFill>
+                          <a:effectLst/>
+                          <a:latin typeface="Arial" panose="020B0604020202020204" pitchFamily="34" charset="0"/>
+                        </a:rPr>
+                        <a:t>more grades repeated on average in the last year (.15 vs .015)</a:t>
+                      </a:r>
+                      <a:endParaRPr lang="en-US" dirty="0">
+                        <a:effectLst/>
+                      </a:endParaRPr>
+                    </a:p>
+                  </a:txBody>
+                  <a:tcPr marL="63500" marR="63500" marT="63500" marB="63500">
+                    <a:lnL w="12700" cap="flat" cmpd="sng" algn="ctr">
+                      <a:solidFill>
+                        <a:srgbClr val="FFFFFF"/>
+                      </a:solidFill>
+                      <a:prstDash val="solid"/>
+                      <a:round/>
+                      <a:headEnd type="none" w="med" len="med"/>
+                      <a:tailEnd type="none" w="med" len="med"/>
+                    </a:lnL>
+                    <a:lnR w="12700" cap="flat" cmpd="sng" algn="ctr">
+                      <a:solidFill>
+                        <a:srgbClr val="FFFFFF"/>
+                      </a:solidFill>
+                      <a:prstDash val="solid"/>
+                      <a:round/>
+                      <a:headEnd type="none" w="med" len="med"/>
+                      <a:tailEnd type="none" w="med" len="med"/>
+                    </a:lnR>
+                    <a:lnT w="12700" cap="flat" cmpd="sng" algn="ctr">
+                      <a:solidFill>
+                        <a:srgbClr val="FFFFFF"/>
+                      </a:solidFill>
+                      <a:prstDash val="solid"/>
+                      <a:round/>
+                      <a:headEnd type="none" w="med" len="med"/>
+                      <a:tailEnd type="none" w="med" len="med"/>
+                    </a:lnT>
+                    <a:lnB w="12700" cap="flat" cmpd="sng" algn="ctr">
+                      <a:solidFill>
+                        <a:srgbClr val="FFFFFF"/>
+                      </a:solidFill>
+                      <a:prstDash val="solid"/>
+                      <a:round/>
+                      <a:headEnd type="none" w="med" len="med"/>
+                      <a:tailEnd type="none" w="med" len="med"/>
+                    </a:lnB>
+                  </a:tcPr>
+                </a:tc>
+                <a:extLst>
+                  <a:ext uri="{0D108BD9-81ED-4DB2-BD59-A6C34878D82A}">
+                    <a16:rowId xmlns:a16="http://schemas.microsoft.com/office/drawing/2014/main" val="1771386655"/>
+                  </a:ext>
+                </a:extLst>
+              </a:tr>
+              <a:tr h="528662">
+                <a:tc>
+                  <a:txBody>
+                    <a:bodyPr/>
+                    <a:lstStyle/>
+                    <a:p>
+                      <a:pPr algn="r" rtl="0" fontAlgn="t">
+                        <a:spcBef>
+                          <a:spcPts val="0"/>
+                        </a:spcBef>
+                        <a:spcAft>
+                          <a:spcPts val="0"/>
+                        </a:spcAft>
+                      </a:pPr>
+                      <a:r>
+                        <a:rPr lang="en-US" sz="1400" b="1" i="0" u="none" strike="noStrike">
+                          <a:solidFill>
+                            <a:srgbClr val="000000"/>
+                          </a:solidFill>
+                          <a:effectLst/>
+                          <a:latin typeface="Arial" panose="020B0604020202020204" pitchFamily="34" charset="0"/>
+                        </a:rPr>
+                        <a:t>3x </a:t>
+                      </a:r>
+                      <a:endParaRPr lang="en-US">
+                        <a:effectLst/>
+                      </a:endParaRPr>
+                    </a:p>
+                  </a:txBody>
+                  <a:tcPr marL="63500" marR="63500" marT="63500" marB="63500">
+                    <a:lnL w="12700" cap="flat" cmpd="sng" algn="ctr">
+                      <a:solidFill>
+                        <a:srgbClr val="FFFFFF"/>
+                      </a:solidFill>
+                      <a:prstDash val="solid"/>
+                      <a:round/>
+                      <a:headEnd type="none" w="med" len="med"/>
+                      <a:tailEnd type="none" w="med" len="med"/>
+                    </a:lnL>
+                    <a:lnR w="12700" cap="flat" cmpd="sng" algn="ctr">
+                      <a:solidFill>
+                        <a:srgbClr val="FFFFFF"/>
+                      </a:solidFill>
+                      <a:prstDash val="solid"/>
+                      <a:round/>
+                      <a:headEnd type="none" w="med" len="med"/>
+                      <a:tailEnd type="none" w="med" len="med"/>
+                    </a:lnR>
+                    <a:lnT w="12700" cap="flat" cmpd="sng" algn="ctr">
+                      <a:solidFill>
+                        <a:srgbClr val="FFFFFF"/>
+                      </a:solidFill>
+                      <a:prstDash val="solid"/>
+                      <a:round/>
+                      <a:headEnd type="none" w="med" len="med"/>
+                      <a:tailEnd type="none" w="med" len="med"/>
+                    </a:lnT>
+                    <a:lnB w="12700" cap="flat" cmpd="sng" algn="ctr">
+                      <a:solidFill>
+                        <a:srgbClr val="FFFFFF"/>
+                      </a:solidFill>
+                      <a:prstDash val="solid"/>
+                      <a:round/>
+                      <a:headEnd type="none" w="med" len="med"/>
+                      <a:tailEnd type="none" w="med" len="med"/>
+                    </a:lnB>
+                  </a:tcPr>
+                </a:tc>
+                <a:tc>
+                  <a:txBody>
+                    <a:bodyPr/>
+                    <a:lstStyle/>
+                    <a:p>
+                      <a:pPr rtl="0" fontAlgn="t">
+                        <a:spcBef>
+                          <a:spcPts val="0"/>
+                        </a:spcBef>
+                        <a:spcAft>
+                          <a:spcPts val="0"/>
+                        </a:spcAft>
+                      </a:pPr>
+                      <a:r>
+                        <a:rPr lang="en-US" sz="1100" b="0" i="0" u="none" strike="noStrike">
+                          <a:solidFill>
+                            <a:srgbClr val="000000"/>
+                          </a:solidFill>
+                          <a:effectLst/>
+                          <a:latin typeface="Arial" panose="020B0604020202020204" pitchFamily="34" charset="0"/>
+                        </a:rPr>
+                        <a:t>more likely to have missing gender data for the previous year (48% vs 19%)</a:t>
+                      </a:r>
+                      <a:endParaRPr lang="en-US">
+                        <a:effectLst/>
+                      </a:endParaRPr>
+                    </a:p>
+                  </a:txBody>
+                  <a:tcPr marL="63500" marR="63500" marT="63500" marB="63500">
+                    <a:lnL w="12700" cap="flat" cmpd="sng" algn="ctr">
+                      <a:solidFill>
+                        <a:srgbClr val="FFFFFF"/>
+                      </a:solidFill>
+                      <a:prstDash val="solid"/>
+                      <a:round/>
+                      <a:headEnd type="none" w="med" len="med"/>
+                      <a:tailEnd type="none" w="med" len="med"/>
+                    </a:lnL>
+                    <a:lnR w="12700" cap="flat" cmpd="sng" algn="ctr">
+                      <a:solidFill>
+                        <a:srgbClr val="FFFFFF"/>
+                      </a:solidFill>
+                      <a:prstDash val="solid"/>
+                      <a:round/>
+                      <a:headEnd type="none" w="med" len="med"/>
+                      <a:tailEnd type="none" w="med" len="med"/>
+                    </a:lnR>
+                    <a:lnT w="12700" cap="flat" cmpd="sng" algn="ctr">
+                      <a:solidFill>
+                        <a:srgbClr val="FFFFFF"/>
+                      </a:solidFill>
+                      <a:prstDash val="solid"/>
+                      <a:round/>
+                      <a:headEnd type="none" w="med" len="med"/>
+                      <a:tailEnd type="none" w="med" len="med"/>
+                    </a:lnT>
+                    <a:lnB w="12700" cap="flat" cmpd="sng" algn="ctr">
+                      <a:solidFill>
+                        <a:srgbClr val="FFFFFF"/>
+                      </a:solidFill>
+                      <a:prstDash val="solid"/>
+                      <a:round/>
+                      <a:headEnd type="none" w="med" len="med"/>
+                      <a:tailEnd type="none" w="med" len="med"/>
+                    </a:lnB>
+                  </a:tcPr>
+                </a:tc>
+                <a:extLst>
+                  <a:ext uri="{0D108BD9-81ED-4DB2-BD59-A6C34878D82A}">
+                    <a16:rowId xmlns:a16="http://schemas.microsoft.com/office/drawing/2014/main" val="3301303633"/>
+                  </a:ext>
+                </a:extLst>
+              </a:tr>
+              <a:tr h="524746">
+                <a:tc>
+                  <a:txBody>
+                    <a:bodyPr/>
+                    <a:lstStyle/>
+                    <a:p>
+                      <a:pPr algn="r" rtl="0" fontAlgn="t">
+                        <a:spcBef>
+                          <a:spcPts val="0"/>
+                        </a:spcBef>
+                        <a:spcAft>
+                          <a:spcPts val="0"/>
+                        </a:spcAft>
+                      </a:pPr>
+                      <a:r>
+                        <a:rPr lang="en-US" sz="1400" b="1" i="0" u="none" strike="noStrike">
+                          <a:solidFill>
+                            <a:srgbClr val="000000"/>
+                          </a:solidFill>
+                          <a:effectLst/>
+                          <a:latin typeface="Arial" panose="020B0604020202020204" pitchFamily="34" charset="0"/>
+                        </a:rPr>
+                        <a:t>3x </a:t>
+                      </a:r>
+                      <a:endParaRPr lang="en-US">
+                        <a:effectLst/>
+                      </a:endParaRPr>
+                    </a:p>
+                  </a:txBody>
+                  <a:tcPr marL="63500" marR="63500" marT="63500" marB="63500">
+                    <a:lnL w="12700" cap="flat" cmpd="sng" algn="ctr">
+                      <a:solidFill>
+                        <a:srgbClr val="FFFFFF"/>
+                      </a:solidFill>
+                      <a:prstDash val="solid"/>
+                      <a:round/>
+                      <a:headEnd type="none" w="med" len="med"/>
+                      <a:tailEnd type="none" w="med" len="med"/>
+                    </a:lnL>
+                    <a:lnR w="12700" cap="flat" cmpd="sng" algn="ctr">
+                      <a:solidFill>
+                        <a:srgbClr val="FFFFFF"/>
+                      </a:solidFill>
+                      <a:prstDash val="solid"/>
+                      <a:round/>
+                      <a:headEnd type="none" w="med" len="med"/>
+                      <a:tailEnd type="none" w="med" len="med"/>
+                    </a:lnR>
+                    <a:lnT w="12700" cap="flat" cmpd="sng" algn="ctr">
+                      <a:solidFill>
+                        <a:srgbClr val="FFFFFF"/>
+                      </a:solidFill>
+                      <a:prstDash val="solid"/>
+                      <a:round/>
+                      <a:headEnd type="none" w="med" len="med"/>
+                      <a:tailEnd type="none" w="med" len="med"/>
+                    </a:lnT>
+                    <a:lnB w="12700" cap="flat" cmpd="sng" algn="ctr">
+                      <a:solidFill>
+                        <a:srgbClr val="FFFFFF"/>
+                      </a:solidFill>
+                      <a:prstDash val="solid"/>
+                      <a:round/>
+                      <a:headEnd type="none" w="med" len="med"/>
+                      <a:tailEnd type="none" w="med" len="med"/>
+                    </a:lnB>
+                  </a:tcPr>
+                </a:tc>
+                <a:tc>
+                  <a:txBody>
+                    <a:bodyPr/>
+                    <a:lstStyle/>
+                    <a:p>
+                      <a:pPr rtl="0" fontAlgn="t">
+                        <a:spcBef>
+                          <a:spcPts val="0"/>
+                        </a:spcBef>
+                        <a:spcAft>
+                          <a:spcPts val="0"/>
+                        </a:spcAft>
+                      </a:pPr>
+                      <a:r>
+                        <a:rPr lang="en-US" sz="1100" b="0" i="0" u="none" strike="noStrike">
+                          <a:solidFill>
+                            <a:srgbClr val="000000"/>
+                          </a:solidFill>
+                          <a:effectLst/>
+                          <a:latin typeface="Arial" panose="020B0604020202020204" pitchFamily="34" charset="0"/>
+                        </a:rPr>
+                        <a:t>more likely to have missing data for father entry (48% imputed vs 19%)</a:t>
+                      </a:r>
+                      <a:endParaRPr lang="en-US">
+                        <a:effectLst/>
+                      </a:endParaRPr>
+                    </a:p>
+                  </a:txBody>
+                  <a:tcPr marL="63500" marR="63500" marT="63500" marB="63500">
+                    <a:lnL w="12700" cap="flat" cmpd="sng" algn="ctr">
+                      <a:solidFill>
+                        <a:srgbClr val="FFFFFF"/>
+                      </a:solidFill>
+                      <a:prstDash val="solid"/>
+                      <a:round/>
+                      <a:headEnd type="none" w="med" len="med"/>
+                      <a:tailEnd type="none" w="med" len="med"/>
+                    </a:lnL>
+                    <a:lnR w="12700" cap="flat" cmpd="sng" algn="ctr">
+                      <a:solidFill>
+                        <a:srgbClr val="FFFFFF"/>
+                      </a:solidFill>
+                      <a:prstDash val="solid"/>
+                      <a:round/>
+                      <a:headEnd type="none" w="med" len="med"/>
+                      <a:tailEnd type="none" w="med" len="med"/>
+                    </a:lnR>
+                    <a:lnT w="12700" cap="flat" cmpd="sng" algn="ctr">
+                      <a:solidFill>
+                        <a:srgbClr val="FFFFFF"/>
+                      </a:solidFill>
+                      <a:prstDash val="solid"/>
+                      <a:round/>
+                      <a:headEnd type="none" w="med" len="med"/>
+                      <a:tailEnd type="none" w="med" len="med"/>
+                    </a:lnT>
+                    <a:lnB w="12700" cap="flat" cmpd="sng" algn="ctr">
+                      <a:solidFill>
+                        <a:srgbClr val="FFFFFF"/>
+                      </a:solidFill>
+                      <a:prstDash val="solid"/>
+                      <a:round/>
+                      <a:headEnd type="none" w="med" len="med"/>
+                      <a:tailEnd type="none" w="med" len="med"/>
+                    </a:lnB>
+                  </a:tcPr>
+                </a:tc>
+                <a:extLst>
+                  <a:ext uri="{0D108BD9-81ED-4DB2-BD59-A6C34878D82A}">
+                    <a16:rowId xmlns:a16="http://schemas.microsoft.com/office/drawing/2014/main" val="3659816086"/>
+                  </a:ext>
+                </a:extLst>
+              </a:tr>
+              <a:tr h="524746">
+                <a:tc>
+                  <a:txBody>
+                    <a:bodyPr/>
+                    <a:lstStyle/>
+                    <a:p>
+                      <a:pPr algn="r" rtl="0" fontAlgn="t">
+                        <a:spcBef>
+                          <a:spcPts val="0"/>
+                        </a:spcBef>
+                        <a:spcAft>
+                          <a:spcPts val="0"/>
+                        </a:spcAft>
+                      </a:pPr>
+                      <a:r>
+                        <a:rPr lang="en-US" sz="1400" b="1" i="0" u="none" strike="noStrike">
+                          <a:solidFill>
+                            <a:srgbClr val="000000"/>
+                          </a:solidFill>
+                          <a:effectLst/>
+                          <a:latin typeface="Arial" panose="020B0604020202020204" pitchFamily="34" charset="0"/>
+                        </a:rPr>
+                        <a:t>10% </a:t>
+                      </a:r>
+                      <a:endParaRPr lang="en-US">
+                        <a:effectLst/>
+                      </a:endParaRPr>
+                    </a:p>
+                  </a:txBody>
+                  <a:tcPr marL="63500" marR="63500" marT="63500" marB="63500">
+                    <a:lnL w="12700" cap="flat" cmpd="sng" algn="ctr">
+                      <a:solidFill>
+                        <a:srgbClr val="FFFFFF"/>
+                      </a:solidFill>
+                      <a:prstDash val="solid"/>
+                      <a:round/>
+                      <a:headEnd type="none" w="med" len="med"/>
+                      <a:tailEnd type="none" w="med" len="med"/>
+                    </a:lnL>
+                    <a:lnR w="12700" cap="flat" cmpd="sng" algn="ctr">
+                      <a:solidFill>
+                        <a:srgbClr val="FFFFFF"/>
+                      </a:solidFill>
+                      <a:prstDash val="solid"/>
+                      <a:round/>
+                      <a:headEnd type="none" w="med" len="med"/>
+                      <a:tailEnd type="none" w="med" len="med"/>
+                    </a:lnR>
+                    <a:lnT w="12700" cap="flat" cmpd="sng" algn="ctr">
+                      <a:solidFill>
+                        <a:srgbClr val="FFFFFF"/>
+                      </a:solidFill>
+                      <a:prstDash val="solid"/>
+                      <a:round/>
+                      <a:headEnd type="none" w="med" len="med"/>
+                      <a:tailEnd type="none" w="med" len="med"/>
+                    </a:lnT>
+                    <a:lnB w="12700" cap="flat" cmpd="sng" algn="ctr">
+                      <a:solidFill>
+                        <a:srgbClr val="FFFFFF"/>
+                      </a:solidFill>
+                      <a:prstDash val="solid"/>
+                      <a:round/>
+                      <a:headEnd type="none" w="med" len="med"/>
+                      <a:tailEnd type="none" w="med" len="med"/>
+                    </a:lnB>
+                  </a:tcPr>
+                </a:tc>
+                <a:tc>
+                  <a:txBody>
+                    <a:bodyPr/>
+                    <a:lstStyle/>
+                    <a:p>
+                      <a:pPr rtl="0" fontAlgn="t">
+                        <a:spcBef>
+                          <a:spcPts val="0"/>
+                        </a:spcBef>
+                        <a:spcAft>
+                          <a:spcPts val="0"/>
+                        </a:spcAft>
+                      </a:pPr>
+                      <a:r>
+                        <a:rPr lang="en-US" sz="1100" b="0" i="0" u="none" strike="noStrike" dirty="0">
+                          <a:solidFill>
+                            <a:srgbClr val="000000"/>
+                          </a:solidFill>
+                          <a:effectLst/>
+                          <a:latin typeface="Arial" panose="020B0604020202020204" pitchFamily="34" charset="0"/>
+                        </a:rPr>
+                        <a:t>fewer years spent in rural areas in past 3 years (.85 vs .95)</a:t>
+                      </a:r>
+                      <a:endParaRPr lang="en-US" dirty="0">
+                        <a:effectLst/>
+                      </a:endParaRPr>
+                    </a:p>
+                  </a:txBody>
+                  <a:tcPr marL="63500" marR="63500" marT="63500" marB="63500">
+                    <a:lnL w="12700" cap="flat" cmpd="sng" algn="ctr">
+                      <a:solidFill>
+                        <a:srgbClr val="FFFFFF"/>
+                      </a:solidFill>
+                      <a:prstDash val="solid"/>
+                      <a:round/>
+                      <a:headEnd type="none" w="med" len="med"/>
+                      <a:tailEnd type="none" w="med" len="med"/>
+                    </a:lnL>
+                    <a:lnR w="12700" cap="flat" cmpd="sng" algn="ctr">
+                      <a:solidFill>
+                        <a:srgbClr val="FFFFFF"/>
+                      </a:solidFill>
+                      <a:prstDash val="solid"/>
+                      <a:round/>
+                      <a:headEnd type="none" w="med" len="med"/>
+                      <a:tailEnd type="none" w="med" len="med"/>
+                    </a:lnR>
+                    <a:lnT w="12700" cap="flat" cmpd="sng" algn="ctr">
+                      <a:solidFill>
+                        <a:srgbClr val="FFFFFF"/>
+                      </a:solidFill>
+                      <a:prstDash val="solid"/>
+                      <a:round/>
+                      <a:headEnd type="none" w="med" len="med"/>
+                      <a:tailEnd type="none" w="med" len="med"/>
+                    </a:lnT>
+                    <a:lnB w="12700" cap="flat" cmpd="sng" algn="ctr">
+                      <a:solidFill>
+                        <a:srgbClr val="FFFFFF"/>
+                      </a:solidFill>
+                      <a:prstDash val="solid"/>
+                      <a:round/>
+                      <a:headEnd type="none" w="med" len="med"/>
+                      <a:tailEnd type="none" w="med" len="med"/>
+                    </a:lnB>
+                  </a:tcPr>
+                </a:tc>
+                <a:extLst>
+                  <a:ext uri="{0D108BD9-81ED-4DB2-BD59-A6C34878D82A}">
+                    <a16:rowId xmlns:a16="http://schemas.microsoft.com/office/drawing/2014/main" val="1602811594"/>
+                  </a:ext>
+                </a:extLst>
+              </a:tr>
+            </a:tbl>
+          </a:graphicData>
+        </a:graphic>
+      </p:graphicFrame>
+      <p:sp>
+        <p:nvSpPr>
+          <p:cNvPr id="6" name="TextBox 5">
+            <a:extLst>
+              <a:ext uri="{FF2B5EF4-FFF2-40B4-BE49-F238E27FC236}">
+                <a16:creationId xmlns:a16="http://schemas.microsoft.com/office/drawing/2014/main" id="{A4A0DBD7-7359-B348-943D-C2A85E286115}"/>
+              </a:ext>
+            </a:extLst>
+          </p:cNvPr>
+          <p:cNvSpPr txBox="1"/>
+          <p:nvPr/>
+        </p:nvSpPr>
+        <p:spPr>
+          <a:xfrm>
+            <a:off x="767255" y="1181418"/>
+            <a:ext cx="9395521" cy="400110"/>
+          </a:xfrm>
+          <a:prstGeom prst="rect">
+            <a:avLst/>
+          </a:prstGeom>
+          <a:noFill/>
+        </p:spPr>
+        <p:txBody>
+          <a:bodyPr wrap="none" rtlCol="0">
+            <a:spAutoFit/>
+          </a:bodyPr>
+          <a:lstStyle/>
+          <a:p>
+            <a:r>
+              <a:rPr lang="en-US" sz="2000" dirty="0"/>
+              <a:t>Compared to the overall population, the top 5% predicted to be at highest risk are</a:t>
+            </a:r>
+          </a:p>
+        </p:txBody>
+      </p:sp>
+    </p:spTree>
+    <p:extLst>
+      <p:ext uri="{BB962C8B-B14F-4D97-AF65-F5344CB8AC3E}">
+        <p14:creationId xmlns:p14="http://schemas.microsoft.com/office/powerpoint/2010/main" val="1620097683"/>
+      </p:ext>
+    </p:extLst>
+  </p:cSld>
+  <p:clrMapOvr>
+    <a:masterClrMapping/>
+  </p:clrMapOvr>
+</p:sld>
+</file>
+
+<file path=ppt/slides/slide14.xml><?xml version="1.0" encoding="utf-8"?>
+<p:sld xmlns:a="http://schemas.openxmlformats.org/drawingml/2006/main" xmlns:r="http://schemas.openxmlformats.org/officeDocument/2006/relationships" xmlns:p="http://schemas.openxmlformats.org/presentationml/2006/main">
+  <p:cSld>
+    <p:spTree>
+      <p:nvGrpSpPr>
         <p:cNvPr id="1" name="Shape 120"/>
         <p:cNvGrpSpPr/>
         <p:nvPr/>
@@ -13958,7 +15087,7 @@
 </p:sld>
 </file>
 
-<file path=ppt/slides/slide14.xml><?xml version="1.0" encoding="utf-8"?>
+<file path=ppt/slides/slide15.xml><?xml version="1.0" encoding="utf-8"?>
 <p:sld xmlns:a="http://schemas.openxmlformats.org/drawingml/2006/main" xmlns:r="http://schemas.openxmlformats.org/officeDocument/2006/relationships" xmlns:p="http://schemas.openxmlformats.org/presentationml/2006/main">
   <p:cSld>
     <p:spTree>
@@ -14479,10 +15608,10 @@
               <a:buChar char="●"/>
             </a:pPr>
             <a:r>
-              <a:rPr lang="en-US"/>
+              <a:rPr lang="en-US" dirty="0"/>
               <a:t>Look at the model</a:t>
             </a:r>
-            <a:endParaRPr/>
+            <a:endParaRPr dirty="0"/>
           </a:p>
           <a:p>
             <a:pPr marL="457200" lvl="0" indent="-381000" algn="l" rtl="0">
@@ -14502,10 +15631,10 @@
               <a:buChar char="●"/>
             </a:pPr>
             <a:r>
-              <a:rPr lang="en-US"/>
+              <a:rPr lang="en-US" dirty="0"/>
               <a:t>Look at score distributions and calibration</a:t>
             </a:r>
-            <a:endParaRPr/>
+            <a:endParaRPr dirty="0"/>
           </a:p>
           <a:p>
             <a:pPr marL="457200" lvl="0" indent="-381000" algn="l" rtl="0">
@@ -14525,10 +15654,14 @@
               <a:buChar char="●"/>
             </a:pPr>
             <a:r>
-              <a:rPr lang="en-US"/>
-              <a:t>Look at Feature Importances</a:t>
+              <a:rPr lang="en-US" dirty="0"/>
+              <a:t>Look at Feature </a:t>
             </a:r>
-            <a:endParaRPr/>
+            <a:r>
+              <a:rPr lang="en-US" dirty="0" err="1"/>
+              <a:t>Importances</a:t>
+            </a:r>
+            <a:endParaRPr dirty="0"/>
           </a:p>
           <a:p>
             <a:pPr marL="457200" lvl="0" indent="-381000" algn="l" rtl="0">
@@ -14548,10 +15681,14 @@
               <a:buChar char="●"/>
             </a:pPr>
             <a:r>
-              <a:rPr lang="en-US"/>
-              <a:t>Look at contributions of feature groups </a:t>
+              <a:rPr lang="en-US" dirty="0"/>
+              <a:t>Look at contributions of </a:t>
             </a:r>
-            <a:endParaRPr/>
+            <a:r>
+              <a:rPr lang="en-US" i="1" dirty="0"/>
+              <a:t>“feature groups“</a:t>
+            </a:r>
+            <a:endParaRPr i="1" dirty="0"/>
           </a:p>
           <a:p>
             <a:pPr marL="457200" lvl="0" indent="0" algn="l" rtl="0">
@@ -14566,7 +15703,15 @@
               </a:spcAft>
               <a:buNone/>
             </a:pPr>
-            <a:endParaRPr/>
+            <a:endParaRPr dirty="0"/>
+          </a:p>
+          <a:p>
+            <a:pPr lvl="0"/>
+            <a:r>
+              <a:rPr lang="en-US" dirty="0"/>
+              <a:t>Cross-Tabs on the “predictions”</a:t>
+            </a:r>
+            <a:endParaRPr dirty="0"/>
           </a:p>
           <a:p>
             <a:pPr marL="457200" lvl="0" indent="-381000" algn="l" rtl="0">
@@ -14586,13 +15731,13 @@
               <a:buChar char="●"/>
             </a:pPr>
             <a:r>
-              <a:rPr lang="en-US"/>
-              <a:t>Cross-Tabs on the “predictions”</a:t>
+              <a:rPr lang="en-US" dirty="0"/>
+              <a:t>Error Analysis</a:t>
             </a:r>
-            <a:endParaRPr/>
+            <a:endParaRPr dirty="0"/>
           </a:p>
           <a:p>
-            <a:pPr marL="457200" lvl="0" indent="-381000" algn="l" rtl="0">
+            <a:pPr marL="457200" lvl="0" indent="-228600" algn="l" rtl="0">
               <a:lnSpc>
                 <a:spcPct val="115000"/>
               </a:lnSpc>
@@ -14606,32 +15751,9 @@
                 <a:srgbClr val="434343"/>
               </a:buClr>
               <a:buSzPts val="2400"/>
-              <a:buChar char="●"/>
+              <a:buNone/>
             </a:pPr>
-            <a:r>
-              <a:rPr lang="en-US"/>
-              <a:t>Error Analysis</a:t>
-            </a:r>
-            <a:endParaRPr/>
-          </a:p>
-          <a:p>
-            <a:pPr marL="457200" lvl="0" indent="-228600" algn="l" rtl="0">
-              <a:lnSpc>
-                <a:spcPct val="115000"/>
-              </a:lnSpc>
-              <a:spcBef>
-                <a:spcPts val="0"/>
-              </a:spcBef>
-              <a:spcAft>
-                <a:spcPts val="0"/>
-              </a:spcAft>
-              <a:buClr>
-                <a:srgbClr val="434343"/>
-              </a:buClr>
-              <a:buSzPts val="2400"/>
-              <a:buNone/>
-            </a:pPr>
-            <a:endParaRPr/>
+            <a:endParaRPr dirty="0"/>
           </a:p>
         </p:txBody>
       </p:sp>
@@ -15102,10 +16224,10 @@
               <a:buChar char="●"/>
             </a:pPr>
             <a:r>
-              <a:rPr lang="en-US"/>
-              <a:t>Predictive Utility of a Feature Group:</a:t>
+              <a:rPr lang="en-US" dirty="0"/>
+              <a:t>(Incremental) Predictive Utility of a Feature (Group):</a:t>
             </a:r>
-            <a:endParaRPr/>
+            <a:endParaRPr dirty="0"/>
           </a:p>
           <a:p>
             <a:pPr marL="914400" lvl="1" indent="-349250" algn="l" rtl="0">
@@ -15122,10 +16244,10 @@
               <a:buChar char="○"/>
             </a:pPr>
             <a:r>
-              <a:rPr lang="en-US"/>
+              <a:rPr lang="en-US" dirty="0"/>
               <a:t>Run models with all feature groups</a:t>
             </a:r>
-            <a:endParaRPr/>
+            <a:endParaRPr dirty="0"/>
           </a:p>
           <a:p>
             <a:pPr marL="914400" lvl="1" indent="-349250" algn="l" rtl="0">
@@ -15142,10 +16264,10 @@
               <a:buChar char="○"/>
             </a:pPr>
             <a:r>
-              <a:rPr lang="en-US"/>
+              <a:rPr lang="en-US" dirty="0"/>
               <a:t>Run models with only 1 feature group</a:t>
             </a:r>
-            <a:endParaRPr/>
+            <a:endParaRPr dirty="0"/>
           </a:p>
           <a:p>
             <a:pPr marL="914400" lvl="1" indent="-349250" algn="l" rtl="0">
@@ -15162,10 +16284,29 @@
               <a:buChar char="○"/>
             </a:pPr>
             <a:r>
-              <a:rPr lang="en-US"/>
+              <a:rPr lang="en-US" dirty="0"/>
               <a:t>Run models with all except 1 feature group</a:t>
             </a:r>
-            <a:endParaRPr/>
+          </a:p>
+          <a:p>
+            <a:pPr marL="914400" lvl="1" indent="-349250" algn="l" rtl="0">
+              <a:lnSpc>
+                <a:spcPct val="115000"/>
+              </a:lnSpc>
+              <a:spcBef>
+                <a:spcPts val="2100"/>
+              </a:spcBef>
+              <a:spcAft>
+                <a:spcPts val="0"/>
+              </a:spcAft>
+              <a:buSzPts val="1900"/>
+              <a:buChar char="○"/>
+            </a:pPr>
+            <a:r>
+              <a:rPr lang="en-US" dirty="0"/>
+              <a:t>And if it’s feasible, run all possible feature subsets</a:t>
+            </a:r>
+            <a:endParaRPr dirty="0"/>
           </a:p>
         </p:txBody>
       </p:sp>

--- a/Lectures/Lecture14-UnderstandingModels.pptx
+++ b/Lectures/Lecture14-UnderstandingModels.pptx
@@ -267,7 +267,7 @@
       <p15:sldGuideLst xmlns:p15="http://schemas.microsoft.com/office/powerpoint/2012/main"/>
     </p:ext>
     <p:ext uri="http://customooxmlschemas.google.com/">
-      <go:slidesCustomData xmlns:go="http://customooxmlschemas.google.com/" xmlns:p15="http://schemas.microsoft.com/office/powerpoint/2012/main" xmlns:p14="http://schemas.microsoft.com/office/powerpoint/2010/main" xmlns:com="http://schemas.openxmlformats.org/drawingml/2006/compatibility" xmlns:pvml="urn:schemas-microsoft-com:office:powerpoint" xmlns:v="urn:schemas-microsoft-com:vml" xmlns:o="urn:schemas-microsoft-com:office:office" xmlns:dgm="http://schemas.openxmlformats.org/drawingml/2006/diagram" xmlns:c="http://schemas.openxmlformats.org/drawingml/2006/chart" xmlns:mv="urn:schemas-microsoft-com:mac:vml" xmlns:mc="http://schemas.openxmlformats.org/markup-compatibility/2006" xmlns="" r:id="rId32" roundtripDataSignature="AMtx7mhE+28Dr6x2pr2JNXfuZKhsL7KtRg=="/>
+      <go:slidesCustomData xmlns="" xmlns:mc="http://schemas.openxmlformats.org/markup-compatibility/2006" xmlns:mv="urn:schemas-microsoft-com:mac:vml" xmlns:c="http://schemas.openxmlformats.org/drawingml/2006/chart" xmlns:dgm="http://schemas.openxmlformats.org/drawingml/2006/diagram" xmlns:o="urn:schemas-microsoft-com:office:office" xmlns:v="urn:schemas-microsoft-com:vml" xmlns:pvml="urn:schemas-microsoft-com:office:powerpoint" xmlns:com="http://schemas.openxmlformats.org/drawingml/2006/compatibility" xmlns:p14="http://schemas.microsoft.com/office/powerpoint/2010/main" xmlns:p15="http://schemas.microsoft.com/office/powerpoint/2012/main" xmlns:go="http://customooxmlschemas.google.com/" r:id="rId32" roundtripDataSignature="AMtx7mhE+28Dr6x2pr2JNXfuZKhsL7KtRg=="/>
     </p:ext>
   </p:extLst>
 </p:presentation>
@@ -21630,7 +21630,7 @@
         </p:nvSpPr>
         <p:spPr>
           <a:xfrm>
-            <a:off x="415600" y="1536633"/>
+            <a:off x="516267" y="1377242"/>
             <a:ext cx="11360700" cy="4555200"/>
           </a:xfrm>
           <a:prstGeom prst="rect">
